--- a/kpi/Automation Testing_Demo/Automation Testing_20200316.pptx
+++ b/kpi/Automation Testing_Demo/Automation Testing_20200316.pptx
@@ -2020,925 +2020,6 @@
 </dgm:colorsDef>
 </file>
 
-<file path=ppt/diagrams/colors3.xml><?xml version="1.0" encoding="utf-8"?>
-<dgm:colorsDef xmlns:dgm="http://schemas.openxmlformats.org/drawingml/2006/diagram" xmlns:a="http://schemas.openxmlformats.org/drawingml/2006/main" uniqueId="urn:microsoft.com/office/officeart/2005/8/colors/colorful1">
-  <dgm:title val=""/>
-  <dgm:desc val=""/>
-  <dgm:catLst>
-    <dgm:cat type="colorful" pri="10100"/>
-  </dgm:catLst>
-  <dgm:styleLbl name="node0">
-    <dgm:fillClrLst meth="repeat">
-      <a:schemeClr val="accent1"/>
-    </dgm:fillClrLst>
-    <dgm:linClrLst meth="repeat">
-      <a:schemeClr val="lt1"/>
-    </dgm:linClrLst>
-    <dgm:effectClrLst/>
-    <dgm:txLinClrLst/>
-    <dgm:txFillClrLst/>
-    <dgm:txEffectClrLst/>
-  </dgm:styleLbl>
-  <dgm:styleLbl name="node1">
-    <dgm:fillClrLst meth="repeat">
-      <a:schemeClr val="accent2"/>
-      <a:schemeClr val="accent3"/>
-      <a:schemeClr val="accent4"/>
-      <a:schemeClr val="accent5"/>
-      <a:schemeClr val="accent6"/>
-    </dgm:fillClrLst>
-    <dgm:linClrLst meth="repeat">
-      <a:schemeClr val="lt1"/>
-    </dgm:linClrLst>
-    <dgm:effectClrLst/>
-    <dgm:txLinClrLst/>
-    <dgm:txFillClrLst/>
-    <dgm:txEffectClrLst/>
-  </dgm:styleLbl>
-  <dgm:styleLbl name="alignNode1">
-    <dgm:fillClrLst meth="repeat">
-      <a:schemeClr val="accent2"/>
-      <a:schemeClr val="accent3"/>
-      <a:schemeClr val="accent4"/>
-      <a:schemeClr val="accent5"/>
-      <a:schemeClr val="accent6"/>
-    </dgm:fillClrLst>
-    <dgm:linClrLst meth="repeat">
-      <a:schemeClr val="accent2"/>
-      <a:schemeClr val="accent3"/>
-      <a:schemeClr val="accent4"/>
-      <a:schemeClr val="accent5"/>
-      <a:schemeClr val="accent6"/>
-    </dgm:linClrLst>
-    <dgm:effectClrLst/>
-    <dgm:txLinClrLst/>
-    <dgm:txFillClrLst/>
-    <dgm:txEffectClrLst/>
-  </dgm:styleLbl>
-  <dgm:styleLbl name="lnNode1">
-    <dgm:fillClrLst meth="repeat">
-      <a:schemeClr val="accent2"/>
-      <a:schemeClr val="accent3"/>
-      <a:schemeClr val="accent4"/>
-      <a:schemeClr val="accent5"/>
-      <a:schemeClr val="accent6"/>
-    </dgm:fillClrLst>
-    <dgm:linClrLst meth="repeat">
-      <a:schemeClr val="lt1"/>
-    </dgm:linClrLst>
-    <dgm:effectClrLst/>
-    <dgm:txLinClrLst/>
-    <dgm:txFillClrLst/>
-    <dgm:txEffectClrLst/>
-  </dgm:styleLbl>
-  <dgm:styleLbl name="vennNode1">
-    <dgm:fillClrLst meth="repeat">
-      <a:schemeClr val="accent2">
-        <a:alpha val="50000"/>
-      </a:schemeClr>
-      <a:schemeClr val="accent3">
-        <a:alpha val="50000"/>
-      </a:schemeClr>
-      <a:schemeClr val="accent4">
-        <a:alpha val="50000"/>
-      </a:schemeClr>
-      <a:schemeClr val="accent5">
-        <a:alpha val="50000"/>
-      </a:schemeClr>
-      <a:schemeClr val="accent6">
-        <a:alpha val="50000"/>
-      </a:schemeClr>
-    </dgm:fillClrLst>
-    <dgm:linClrLst meth="repeat">
-      <a:schemeClr val="lt1"/>
-    </dgm:linClrLst>
-    <dgm:effectClrLst/>
-    <dgm:txLinClrLst/>
-    <dgm:txFillClrLst/>
-    <dgm:txEffectClrLst/>
-  </dgm:styleLbl>
-  <dgm:styleLbl name="node2">
-    <dgm:fillClrLst>
-      <a:schemeClr val="accent2"/>
-    </dgm:fillClrLst>
-    <dgm:linClrLst meth="repeat">
-      <a:schemeClr val="lt1"/>
-    </dgm:linClrLst>
-    <dgm:effectClrLst/>
-    <dgm:txLinClrLst/>
-    <dgm:txFillClrLst/>
-    <dgm:txEffectClrLst/>
-  </dgm:styleLbl>
-  <dgm:styleLbl name="node3">
-    <dgm:fillClrLst>
-      <a:schemeClr val="accent3"/>
-    </dgm:fillClrLst>
-    <dgm:linClrLst meth="repeat">
-      <a:schemeClr val="lt1"/>
-    </dgm:linClrLst>
-    <dgm:effectClrLst/>
-    <dgm:txLinClrLst/>
-    <dgm:txFillClrLst/>
-    <dgm:txEffectClrLst/>
-  </dgm:styleLbl>
-  <dgm:styleLbl name="node4">
-    <dgm:fillClrLst>
-      <a:schemeClr val="accent4"/>
-    </dgm:fillClrLst>
-    <dgm:linClrLst meth="repeat">
-      <a:schemeClr val="lt1"/>
-    </dgm:linClrLst>
-    <dgm:effectClrLst/>
-    <dgm:txLinClrLst/>
-    <dgm:txFillClrLst/>
-    <dgm:txEffectClrLst/>
-  </dgm:styleLbl>
-  <dgm:styleLbl name="fgImgPlace1">
-    <dgm:fillClrLst meth="repeat">
-      <a:schemeClr val="accent2">
-        <a:tint val="50000"/>
-      </a:schemeClr>
-      <a:schemeClr val="accent3">
-        <a:tint val="50000"/>
-      </a:schemeClr>
-      <a:schemeClr val="accent4">
-        <a:tint val="50000"/>
-      </a:schemeClr>
-      <a:schemeClr val="accent5">
-        <a:tint val="50000"/>
-      </a:schemeClr>
-      <a:schemeClr val="accent6">
-        <a:tint val="50000"/>
-      </a:schemeClr>
-    </dgm:fillClrLst>
-    <dgm:linClrLst meth="repeat">
-      <a:schemeClr val="lt1"/>
-    </dgm:linClrLst>
-    <dgm:effectClrLst/>
-    <dgm:txLinClrLst/>
-    <dgm:txFillClrLst meth="repeat">
-      <a:schemeClr val="lt1"/>
-    </dgm:txFillClrLst>
-    <dgm:txEffectClrLst/>
-  </dgm:styleLbl>
-  <dgm:styleLbl name="alignImgPlace1">
-    <dgm:fillClrLst>
-      <a:schemeClr val="accent1">
-        <a:tint val="50000"/>
-      </a:schemeClr>
-      <a:schemeClr val="accent2">
-        <a:tint val="20000"/>
-      </a:schemeClr>
-    </dgm:fillClrLst>
-    <dgm:linClrLst meth="repeat">
-      <a:schemeClr val="lt1"/>
-    </dgm:linClrLst>
-    <dgm:effectClrLst/>
-    <dgm:txLinClrLst/>
-    <dgm:txFillClrLst meth="repeat">
-      <a:schemeClr val="lt1"/>
-    </dgm:txFillClrLst>
-    <dgm:txEffectClrLst/>
-  </dgm:styleLbl>
-  <dgm:styleLbl name="bgImgPlace1">
-    <dgm:fillClrLst>
-      <a:schemeClr val="accent1">
-        <a:tint val="50000"/>
-      </a:schemeClr>
-      <a:schemeClr val="accent2">
-        <a:tint val="20000"/>
-      </a:schemeClr>
-    </dgm:fillClrLst>
-    <dgm:linClrLst meth="repeat">
-      <a:schemeClr val="lt1"/>
-    </dgm:linClrLst>
-    <dgm:effectClrLst/>
-    <dgm:txLinClrLst/>
-    <dgm:txFillClrLst meth="repeat">
-      <a:schemeClr val="lt1"/>
-    </dgm:txFillClrLst>
-    <dgm:txEffectClrLst/>
-  </dgm:styleLbl>
-  <dgm:styleLbl name="sibTrans2D1">
-    <dgm:fillClrLst meth="repeat">
-      <a:schemeClr val="accent2"/>
-      <a:schemeClr val="accent3"/>
-      <a:schemeClr val="accent4"/>
-      <a:schemeClr val="accent5"/>
-      <a:schemeClr val="accent6"/>
-    </dgm:fillClrLst>
-    <dgm:linClrLst meth="cycle">
-      <a:schemeClr val="lt1"/>
-    </dgm:linClrLst>
-    <dgm:effectClrLst/>
-    <dgm:txLinClrLst/>
-    <dgm:txFillClrLst/>
-    <dgm:txEffectClrLst/>
-  </dgm:styleLbl>
-  <dgm:styleLbl name="fgSibTrans2D1">
-    <dgm:fillClrLst meth="repeat">
-      <a:schemeClr val="accent2"/>
-      <a:schemeClr val="accent3"/>
-      <a:schemeClr val="accent4"/>
-      <a:schemeClr val="accent5"/>
-      <a:schemeClr val="accent6"/>
-    </dgm:fillClrLst>
-    <dgm:linClrLst meth="cycle">
-      <a:schemeClr val="lt1"/>
-    </dgm:linClrLst>
-    <dgm:effectClrLst/>
-    <dgm:txLinClrLst/>
-    <dgm:txFillClrLst meth="repeat">
-      <a:schemeClr val="lt1"/>
-    </dgm:txFillClrLst>
-    <dgm:txEffectClrLst/>
-  </dgm:styleLbl>
-  <dgm:styleLbl name="bgSibTrans2D1">
-    <dgm:fillClrLst meth="repeat">
-      <a:schemeClr val="accent2"/>
-      <a:schemeClr val="accent3"/>
-      <a:schemeClr val="accent4"/>
-      <a:schemeClr val="accent5"/>
-      <a:schemeClr val="accent6"/>
-    </dgm:fillClrLst>
-    <dgm:linClrLst meth="cycle">
-      <a:schemeClr val="lt1"/>
-    </dgm:linClrLst>
-    <dgm:effectClrLst/>
-    <dgm:txLinClrLst/>
-    <dgm:txFillClrLst meth="repeat">
-      <a:schemeClr val="lt1"/>
-    </dgm:txFillClrLst>
-    <dgm:txEffectClrLst/>
-  </dgm:styleLbl>
-  <dgm:styleLbl name="sibTrans1D1">
-    <dgm:fillClrLst meth="repeat">
-      <a:schemeClr val="accent2"/>
-      <a:schemeClr val="accent3"/>
-      <a:schemeClr val="accent4"/>
-      <a:schemeClr val="accent5"/>
-      <a:schemeClr val="accent6"/>
-    </dgm:fillClrLst>
-    <dgm:linClrLst meth="repeat">
-      <a:schemeClr val="accent2"/>
-      <a:schemeClr val="accent3"/>
-      <a:schemeClr val="accent4"/>
-      <a:schemeClr val="accent5"/>
-      <a:schemeClr val="accent6"/>
-    </dgm:linClrLst>
-    <dgm:effectClrLst/>
-    <dgm:txLinClrLst/>
-    <dgm:txFillClrLst meth="repeat">
-      <a:schemeClr val="tx1"/>
-    </dgm:txFillClrLst>
-    <dgm:txEffectClrLst/>
-  </dgm:styleLbl>
-  <dgm:styleLbl name="callout">
-    <dgm:fillClrLst meth="repeat">
-      <a:schemeClr val="accent2"/>
-    </dgm:fillClrLst>
-    <dgm:linClrLst meth="repeat">
-      <a:schemeClr val="accent2">
-        <a:tint val="50000"/>
-      </a:schemeClr>
-    </dgm:linClrLst>
-    <dgm:effectClrLst/>
-    <dgm:txLinClrLst/>
-    <dgm:txFillClrLst meth="repeat">
-      <a:schemeClr val="tx1"/>
-    </dgm:txFillClrLst>
-    <dgm:txEffectClrLst/>
-  </dgm:styleLbl>
-  <dgm:styleLbl name="asst0">
-    <dgm:fillClrLst meth="repeat">
-      <a:schemeClr val="accent1"/>
-    </dgm:fillClrLst>
-    <dgm:linClrLst meth="repeat">
-      <a:schemeClr val="lt1"/>
-    </dgm:linClrLst>
-    <dgm:effectClrLst/>
-    <dgm:txLinClrLst/>
-    <dgm:txFillClrLst/>
-    <dgm:txEffectClrLst/>
-  </dgm:styleLbl>
-  <dgm:styleLbl name="asst1">
-    <dgm:fillClrLst meth="repeat">
-      <a:schemeClr val="accent2"/>
-    </dgm:fillClrLst>
-    <dgm:linClrLst meth="repeat">
-      <a:schemeClr val="lt1"/>
-    </dgm:linClrLst>
-    <dgm:effectClrLst/>
-    <dgm:txLinClrLst/>
-    <dgm:txFillClrLst/>
-    <dgm:txEffectClrLst/>
-  </dgm:styleLbl>
-  <dgm:styleLbl name="asst2">
-    <dgm:fillClrLst>
-      <a:schemeClr val="accent3"/>
-    </dgm:fillClrLst>
-    <dgm:linClrLst meth="repeat">
-      <a:schemeClr val="lt1"/>
-    </dgm:linClrLst>
-    <dgm:effectClrLst/>
-    <dgm:txLinClrLst/>
-    <dgm:txFillClrLst/>
-    <dgm:txEffectClrLst/>
-  </dgm:styleLbl>
-  <dgm:styleLbl name="asst3">
-    <dgm:fillClrLst>
-      <a:schemeClr val="accent4"/>
-    </dgm:fillClrLst>
-    <dgm:linClrLst meth="repeat">
-      <a:schemeClr val="lt1"/>
-    </dgm:linClrLst>
-    <dgm:effectClrLst/>
-    <dgm:txLinClrLst/>
-    <dgm:txFillClrLst/>
-    <dgm:txEffectClrLst/>
-  </dgm:styleLbl>
-  <dgm:styleLbl name="asst4">
-    <dgm:fillClrLst>
-      <a:schemeClr val="accent5"/>
-    </dgm:fillClrLst>
-    <dgm:linClrLst meth="repeat">
-      <a:schemeClr val="lt1"/>
-    </dgm:linClrLst>
-    <dgm:effectClrLst/>
-    <dgm:txLinClrLst/>
-    <dgm:txFillClrLst/>
-    <dgm:txEffectClrLst/>
-  </dgm:styleLbl>
-  <dgm:styleLbl name="parChTrans2D1">
-    <dgm:fillClrLst meth="repeat">
-      <a:schemeClr val="accent2"/>
-    </dgm:fillClrLst>
-    <dgm:linClrLst meth="repeat">
-      <a:schemeClr val="lt1"/>
-    </dgm:linClrLst>
-    <dgm:effectClrLst/>
-    <dgm:txLinClrLst/>
-    <dgm:txFillClrLst meth="repeat">
-      <a:schemeClr val="lt1"/>
-    </dgm:txFillClrLst>
-    <dgm:txEffectClrLst/>
-  </dgm:styleLbl>
-  <dgm:styleLbl name="parChTrans2D2">
-    <dgm:fillClrLst meth="repeat">
-      <a:schemeClr val="accent3"/>
-    </dgm:fillClrLst>
-    <dgm:linClrLst meth="repeat">
-      <a:schemeClr val="lt1"/>
-    </dgm:linClrLst>
-    <dgm:effectClrLst/>
-    <dgm:txLinClrLst/>
-    <dgm:txFillClrLst/>
-    <dgm:txEffectClrLst/>
-  </dgm:styleLbl>
-  <dgm:styleLbl name="parChTrans2D3">
-    <dgm:fillClrLst meth="repeat">
-      <a:schemeClr val="accent4"/>
-    </dgm:fillClrLst>
-    <dgm:linClrLst meth="repeat">
-      <a:schemeClr val="lt1"/>
-    </dgm:linClrLst>
-    <dgm:effectClrLst/>
-    <dgm:txLinClrLst/>
-    <dgm:txFillClrLst/>
-    <dgm:txEffectClrLst/>
-  </dgm:styleLbl>
-  <dgm:styleLbl name="parChTrans2D4">
-    <dgm:fillClrLst meth="repeat">
-      <a:schemeClr val="accent5"/>
-    </dgm:fillClrLst>
-    <dgm:linClrLst meth="repeat">
-      <a:schemeClr val="lt1"/>
-    </dgm:linClrLst>
-    <dgm:effectClrLst/>
-    <dgm:txLinClrLst/>
-    <dgm:txFillClrLst meth="repeat">
-      <a:schemeClr val="lt1"/>
-    </dgm:txFillClrLst>
-    <dgm:txEffectClrLst/>
-  </dgm:styleLbl>
-  <dgm:styleLbl name="parChTrans1D1">
-    <dgm:fillClrLst meth="repeat">
-      <a:schemeClr val="accent2"/>
-    </dgm:fillClrLst>
-    <dgm:linClrLst meth="repeat">
-      <a:schemeClr val="accent1"/>
-    </dgm:linClrLst>
-    <dgm:effectClrLst/>
-    <dgm:txLinClrLst/>
-    <dgm:txFillClrLst meth="repeat">
-      <a:schemeClr val="tx1"/>
-    </dgm:txFillClrLst>
-    <dgm:txEffectClrLst/>
-  </dgm:styleLbl>
-  <dgm:styleLbl name="parChTrans1D2">
-    <dgm:fillClrLst meth="repeat">
-      <a:schemeClr val="accent3">
-        <a:tint val="90000"/>
-      </a:schemeClr>
-    </dgm:fillClrLst>
-    <dgm:linClrLst meth="repeat">
-      <a:schemeClr val="accent2"/>
-    </dgm:linClrLst>
-    <dgm:effectClrLst/>
-    <dgm:txLinClrLst/>
-    <dgm:txFillClrLst meth="repeat">
-      <a:schemeClr val="tx1"/>
-    </dgm:txFillClrLst>
-    <dgm:txEffectClrLst/>
-  </dgm:styleLbl>
-  <dgm:styleLbl name="parChTrans1D3">
-    <dgm:fillClrLst meth="repeat">
-      <a:schemeClr val="accent4">
-        <a:tint val="70000"/>
-      </a:schemeClr>
-    </dgm:fillClrLst>
-    <dgm:linClrLst meth="repeat">
-      <a:schemeClr val="accent3"/>
-    </dgm:linClrLst>
-    <dgm:effectClrLst/>
-    <dgm:txLinClrLst/>
-    <dgm:txFillClrLst meth="repeat">
-      <a:schemeClr val="tx1"/>
-    </dgm:txFillClrLst>
-    <dgm:txEffectClrLst/>
-  </dgm:styleLbl>
-  <dgm:styleLbl name="parChTrans1D4">
-    <dgm:fillClrLst meth="repeat">
-      <a:schemeClr val="accent5">
-        <a:tint val="50000"/>
-      </a:schemeClr>
-    </dgm:fillClrLst>
-    <dgm:linClrLst meth="repeat">
-      <a:schemeClr val="accent4"/>
-    </dgm:linClrLst>
-    <dgm:effectClrLst/>
-    <dgm:txLinClrLst/>
-    <dgm:txFillClrLst meth="repeat">
-      <a:schemeClr val="tx1"/>
-    </dgm:txFillClrLst>
-    <dgm:txEffectClrLst/>
-  </dgm:styleLbl>
-  <dgm:styleLbl name="fgAcc1">
-    <dgm:fillClrLst meth="repeat">
-      <a:schemeClr val="lt1">
-        <a:alpha val="90000"/>
-      </a:schemeClr>
-    </dgm:fillClrLst>
-    <dgm:linClrLst meth="repeat">
-      <a:schemeClr val="accent2"/>
-      <a:schemeClr val="accent3"/>
-      <a:schemeClr val="accent4"/>
-      <a:schemeClr val="accent5"/>
-      <a:schemeClr val="accent6"/>
-    </dgm:linClrLst>
-    <dgm:effectClrLst/>
-    <dgm:txLinClrLst/>
-    <dgm:txFillClrLst meth="repeat">
-      <a:schemeClr val="dk1"/>
-    </dgm:txFillClrLst>
-    <dgm:txEffectClrLst/>
-  </dgm:styleLbl>
-  <dgm:styleLbl name="conFgAcc1">
-    <dgm:fillClrLst meth="repeat">
-      <a:schemeClr val="lt1">
-        <a:alpha val="90000"/>
-      </a:schemeClr>
-    </dgm:fillClrLst>
-    <dgm:linClrLst meth="repeat">
-      <a:schemeClr val="accent2"/>
-      <a:schemeClr val="accent3"/>
-      <a:schemeClr val="accent4"/>
-      <a:schemeClr val="accent5"/>
-      <a:schemeClr val="accent6"/>
-    </dgm:linClrLst>
-    <dgm:effectClrLst/>
-    <dgm:txLinClrLst/>
-    <dgm:txFillClrLst meth="repeat">
-      <a:schemeClr val="dk1"/>
-    </dgm:txFillClrLst>
-    <dgm:txEffectClrLst/>
-  </dgm:styleLbl>
-  <dgm:styleLbl name="alignAcc1">
-    <dgm:fillClrLst meth="repeat">
-      <a:schemeClr val="lt1">
-        <a:alpha val="90000"/>
-      </a:schemeClr>
-    </dgm:fillClrLst>
-    <dgm:linClrLst meth="repeat">
-      <a:schemeClr val="accent2"/>
-      <a:schemeClr val="accent3"/>
-      <a:schemeClr val="accent4"/>
-      <a:schemeClr val="accent5"/>
-      <a:schemeClr val="accent6"/>
-    </dgm:linClrLst>
-    <dgm:effectClrLst/>
-    <dgm:txLinClrLst/>
-    <dgm:txFillClrLst meth="repeat">
-      <a:schemeClr val="dk1"/>
-    </dgm:txFillClrLst>
-    <dgm:txEffectClrLst/>
-  </dgm:styleLbl>
-  <dgm:styleLbl name="trAlignAcc1">
-    <dgm:fillClrLst meth="repeat">
-      <a:schemeClr val="lt1">
-        <a:alpha val="40000"/>
-      </a:schemeClr>
-    </dgm:fillClrLst>
-    <dgm:linClrLst meth="repeat">
-      <a:schemeClr val="accent1"/>
-    </dgm:linClrLst>
-    <dgm:effectClrLst/>
-    <dgm:txLinClrLst/>
-    <dgm:txFillClrLst meth="repeat">
-      <a:schemeClr val="dk1"/>
-    </dgm:txFillClrLst>
-    <dgm:txEffectClrLst/>
-  </dgm:styleLbl>
-  <dgm:styleLbl name="bgAcc1">
-    <dgm:fillClrLst meth="repeat">
-      <a:schemeClr val="lt1">
-        <a:alpha val="90000"/>
-      </a:schemeClr>
-    </dgm:fillClrLst>
-    <dgm:linClrLst meth="repeat">
-      <a:schemeClr val="accent2"/>
-      <a:schemeClr val="accent3"/>
-      <a:schemeClr val="accent4"/>
-      <a:schemeClr val="accent5"/>
-      <a:schemeClr val="accent6"/>
-    </dgm:linClrLst>
-    <dgm:effectClrLst/>
-    <dgm:txLinClrLst/>
-    <dgm:txFillClrLst meth="repeat">
-      <a:schemeClr val="dk1"/>
-    </dgm:txFillClrLst>
-    <dgm:txEffectClrLst/>
-  </dgm:styleLbl>
-  <dgm:styleLbl name="solidFgAcc1">
-    <dgm:fillClrLst meth="repeat">
-      <a:schemeClr val="lt1"/>
-    </dgm:fillClrLst>
-    <dgm:linClrLst meth="repeat">
-      <a:schemeClr val="accent2"/>
-      <a:schemeClr val="accent3"/>
-      <a:schemeClr val="accent4"/>
-      <a:schemeClr val="accent5"/>
-      <a:schemeClr val="accent6"/>
-    </dgm:linClrLst>
-    <dgm:effectClrLst/>
-    <dgm:txLinClrLst/>
-    <dgm:txFillClrLst meth="repeat">
-      <a:schemeClr val="dk1"/>
-    </dgm:txFillClrLst>
-    <dgm:txEffectClrLst/>
-  </dgm:styleLbl>
-  <dgm:styleLbl name="solidAlignAcc1">
-    <dgm:fillClrLst meth="repeat">
-      <a:schemeClr val="lt1"/>
-    </dgm:fillClrLst>
-    <dgm:linClrLst meth="repeat">
-      <a:schemeClr val="accent2"/>
-      <a:schemeClr val="accent3"/>
-      <a:schemeClr val="accent4"/>
-      <a:schemeClr val="accent5"/>
-      <a:schemeClr val="accent6"/>
-    </dgm:linClrLst>
-    <dgm:effectClrLst/>
-    <dgm:txLinClrLst/>
-    <dgm:txFillClrLst meth="repeat">
-      <a:schemeClr val="dk1"/>
-    </dgm:txFillClrLst>
-    <dgm:txEffectClrLst/>
-  </dgm:styleLbl>
-  <dgm:styleLbl name="solidBgAcc1">
-    <dgm:fillClrLst meth="repeat">
-      <a:schemeClr val="lt1"/>
-    </dgm:fillClrLst>
-    <dgm:linClrLst meth="repeat">
-      <a:schemeClr val="accent2"/>
-      <a:schemeClr val="accent3"/>
-      <a:schemeClr val="accent4"/>
-      <a:schemeClr val="accent5"/>
-      <a:schemeClr val="accent6"/>
-    </dgm:linClrLst>
-    <dgm:effectClrLst/>
-    <dgm:txLinClrLst/>
-    <dgm:txFillClrLst meth="repeat">
-      <a:schemeClr val="dk1"/>
-    </dgm:txFillClrLst>
-    <dgm:txEffectClrLst/>
-  </dgm:styleLbl>
-  <dgm:styleLbl name="fgAccFollowNode1">
-    <dgm:fillClrLst meth="repeat">
-      <a:schemeClr val="accent2">
-        <a:tint val="40000"/>
-        <a:alpha val="90000"/>
-      </a:schemeClr>
-      <a:schemeClr val="accent3">
-        <a:tint val="40000"/>
-        <a:alpha val="90000"/>
-      </a:schemeClr>
-      <a:schemeClr val="accent4">
-        <a:tint val="40000"/>
-        <a:alpha val="90000"/>
-      </a:schemeClr>
-      <a:schemeClr val="accent5">
-        <a:tint val="40000"/>
-        <a:alpha val="90000"/>
-      </a:schemeClr>
-      <a:schemeClr val="accent6">
-        <a:tint val="40000"/>
-        <a:alpha val="90000"/>
-      </a:schemeClr>
-    </dgm:fillClrLst>
-    <dgm:linClrLst meth="repeat">
-      <a:schemeClr val="accent2">
-        <a:tint val="40000"/>
-        <a:alpha val="90000"/>
-      </a:schemeClr>
-      <a:schemeClr val="accent3">
-        <a:tint val="40000"/>
-        <a:alpha val="90000"/>
-      </a:schemeClr>
-      <a:schemeClr val="accent4">
-        <a:tint val="40000"/>
-        <a:alpha val="90000"/>
-      </a:schemeClr>
-      <a:schemeClr val="accent5">
-        <a:tint val="40000"/>
-        <a:alpha val="90000"/>
-      </a:schemeClr>
-      <a:schemeClr val="accent6">
-        <a:tint val="40000"/>
-        <a:alpha val="90000"/>
-      </a:schemeClr>
-    </dgm:linClrLst>
-    <dgm:effectClrLst/>
-    <dgm:txLinClrLst/>
-    <dgm:txFillClrLst meth="repeat">
-      <a:schemeClr val="dk1"/>
-    </dgm:txFillClrLst>
-    <dgm:txEffectClrLst/>
-  </dgm:styleLbl>
-  <dgm:styleLbl name="alignAccFollowNode1">
-    <dgm:fillClrLst meth="repeat">
-      <a:schemeClr val="accent2">
-        <a:tint val="40000"/>
-        <a:alpha val="90000"/>
-      </a:schemeClr>
-      <a:schemeClr val="accent3">
-        <a:tint val="40000"/>
-        <a:alpha val="90000"/>
-      </a:schemeClr>
-      <a:schemeClr val="accent4">
-        <a:tint val="40000"/>
-        <a:alpha val="90000"/>
-      </a:schemeClr>
-      <a:schemeClr val="accent5">
-        <a:tint val="40000"/>
-        <a:alpha val="90000"/>
-      </a:schemeClr>
-      <a:schemeClr val="accent6">
-        <a:tint val="40000"/>
-        <a:alpha val="90000"/>
-      </a:schemeClr>
-    </dgm:fillClrLst>
-    <dgm:linClrLst meth="repeat">
-      <a:schemeClr val="accent2">
-        <a:tint val="40000"/>
-        <a:alpha val="90000"/>
-      </a:schemeClr>
-      <a:schemeClr val="accent3">
-        <a:tint val="40000"/>
-        <a:alpha val="90000"/>
-      </a:schemeClr>
-      <a:schemeClr val="accent4">
-        <a:tint val="40000"/>
-        <a:alpha val="90000"/>
-      </a:schemeClr>
-      <a:schemeClr val="accent5">
-        <a:tint val="40000"/>
-        <a:alpha val="90000"/>
-      </a:schemeClr>
-      <a:schemeClr val="accent6">
-        <a:tint val="40000"/>
-        <a:alpha val="90000"/>
-      </a:schemeClr>
-    </dgm:linClrLst>
-    <dgm:effectClrLst/>
-    <dgm:txLinClrLst/>
-    <dgm:txFillClrLst meth="repeat">
-      <a:schemeClr val="dk1"/>
-    </dgm:txFillClrLst>
-    <dgm:txEffectClrLst/>
-  </dgm:styleLbl>
-  <dgm:styleLbl name="bgAccFollowNode1">
-    <dgm:fillClrLst meth="repeat">
-      <a:schemeClr val="accent2">
-        <a:tint val="40000"/>
-        <a:alpha val="90000"/>
-      </a:schemeClr>
-      <a:schemeClr val="accent3">
-        <a:tint val="40000"/>
-        <a:alpha val="90000"/>
-      </a:schemeClr>
-      <a:schemeClr val="accent4">
-        <a:tint val="40000"/>
-        <a:alpha val="90000"/>
-      </a:schemeClr>
-      <a:schemeClr val="accent5">
-        <a:tint val="40000"/>
-        <a:alpha val="90000"/>
-      </a:schemeClr>
-      <a:schemeClr val="accent6">
-        <a:tint val="40000"/>
-        <a:alpha val="90000"/>
-      </a:schemeClr>
-    </dgm:fillClrLst>
-    <dgm:linClrLst meth="repeat">
-      <a:schemeClr val="accent2">
-        <a:tint val="40000"/>
-        <a:alpha val="90000"/>
-      </a:schemeClr>
-      <a:schemeClr val="accent3">
-        <a:tint val="40000"/>
-        <a:alpha val="90000"/>
-      </a:schemeClr>
-      <a:schemeClr val="accent4">
-        <a:tint val="40000"/>
-        <a:alpha val="90000"/>
-      </a:schemeClr>
-      <a:schemeClr val="accent5">
-        <a:tint val="40000"/>
-        <a:alpha val="90000"/>
-      </a:schemeClr>
-      <a:schemeClr val="accent6">
-        <a:tint val="40000"/>
-        <a:alpha val="90000"/>
-      </a:schemeClr>
-    </dgm:linClrLst>
-    <dgm:effectClrLst/>
-    <dgm:txLinClrLst/>
-    <dgm:txFillClrLst meth="repeat">
-      <a:schemeClr val="dk1"/>
-    </dgm:txFillClrLst>
-    <dgm:txEffectClrLst/>
-  </dgm:styleLbl>
-  <dgm:styleLbl name="fgAcc0">
-    <dgm:fillClrLst meth="repeat">
-      <a:schemeClr val="lt1">
-        <a:alpha val="90000"/>
-      </a:schemeClr>
-    </dgm:fillClrLst>
-    <dgm:linClrLst>
-      <a:schemeClr val="accent1"/>
-    </dgm:linClrLst>
-    <dgm:effectClrLst/>
-    <dgm:txLinClrLst/>
-    <dgm:txFillClrLst meth="repeat">
-      <a:schemeClr val="dk1"/>
-    </dgm:txFillClrLst>
-    <dgm:txEffectClrLst/>
-  </dgm:styleLbl>
-  <dgm:styleLbl name="fgAcc2">
-    <dgm:fillClrLst meth="repeat">
-      <a:schemeClr val="lt1">
-        <a:alpha val="90000"/>
-      </a:schemeClr>
-    </dgm:fillClrLst>
-    <dgm:linClrLst>
-      <a:schemeClr val="accent2"/>
-    </dgm:linClrLst>
-    <dgm:effectClrLst/>
-    <dgm:txLinClrLst/>
-    <dgm:txFillClrLst meth="repeat">
-      <a:schemeClr val="dk1"/>
-    </dgm:txFillClrLst>
-    <dgm:txEffectClrLst/>
-  </dgm:styleLbl>
-  <dgm:styleLbl name="fgAcc3">
-    <dgm:fillClrLst meth="repeat">
-      <a:schemeClr val="lt1">
-        <a:alpha val="90000"/>
-      </a:schemeClr>
-    </dgm:fillClrLst>
-    <dgm:linClrLst>
-      <a:schemeClr val="accent3"/>
-    </dgm:linClrLst>
-    <dgm:effectClrLst/>
-    <dgm:txLinClrLst/>
-    <dgm:txFillClrLst meth="repeat">
-      <a:schemeClr val="dk1"/>
-    </dgm:txFillClrLst>
-    <dgm:txEffectClrLst/>
-  </dgm:styleLbl>
-  <dgm:styleLbl name="fgAcc4">
-    <dgm:fillClrLst meth="repeat">
-      <a:schemeClr val="lt1">
-        <a:alpha val="90000"/>
-      </a:schemeClr>
-    </dgm:fillClrLst>
-    <dgm:linClrLst>
-      <a:schemeClr val="accent4"/>
-    </dgm:linClrLst>
-    <dgm:effectClrLst/>
-    <dgm:txLinClrLst/>
-    <dgm:txFillClrLst meth="repeat">
-      <a:schemeClr val="dk1"/>
-    </dgm:txFillClrLst>
-    <dgm:txEffectClrLst/>
-  </dgm:styleLbl>
-  <dgm:styleLbl name="bgShp">
-    <dgm:fillClrLst meth="repeat">
-      <a:schemeClr val="accent2">
-        <a:tint val="40000"/>
-      </a:schemeClr>
-    </dgm:fillClrLst>
-    <dgm:linClrLst meth="repeat">
-      <a:schemeClr val="dk1"/>
-    </dgm:linClrLst>
-    <dgm:effectClrLst/>
-    <dgm:txLinClrLst/>
-    <dgm:txFillClrLst meth="repeat">
-      <a:schemeClr val="dk1"/>
-    </dgm:txFillClrLst>
-    <dgm:txEffectClrLst/>
-  </dgm:styleLbl>
-  <dgm:styleLbl name="dkBgShp">
-    <dgm:fillClrLst meth="repeat">
-      <a:schemeClr val="accent2">
-        <a:shade val="90000"/>
-      </a:schemeClr>
-    </dgm:fillClrLst>
-    <dgm:linClrLst meth="repeat">
-      <a:schemeClr val="dk1"/>
-    </dgm:linClrLst>
-    <dgm:effectClrLst/>
-    <dgm:txLinClrLst/>
-    <dgm:txFillClrLst meth="repeat">
-      <a:schemeClr val="lt1"/>
-    </dgm:txFillClrLst>
-    <dgm:txEffectClrLst/>
-  </dgm:styleLbl>
-  <dgm:styleLbl name="trBgShp">
-    <dgm:fillClrLst meth="repeat">
-      <a:schemeClr val="accent1">
-        <a:tint val="50000"/>
-        <a:alpha val="40000"/>
-      </a:schemeClr>
-    </dgm:fillClrLst>
-    <dgm:linClrLst meth="repeat">
-      <a:schemeClr val="accent2"/>
-    </dgm:linClrLst>
-    <dgm:effectClrLst/>
-    <dgm:txLinClrLst/>
-    <dgm:txFillClrLst meth="repeat">
-      <a:schemeClr val="lt1"/>
-    </dgm:txFillClrLst>
-    <dgm:txEffectClrLst/>
-  </dgm:styleLbl>
-  <dgm:styleLbl name="fgShp">
-    <dgm:fillClrLst meth="repeat">
-      <a:schemeClr val="accent2">
-        <a:tint val="40000"/>
-      </a:schemeClr>
-    </dgm:fillClrLst>
-    <dgm:linClrLst meth="repeat">
-      <a:schemeClr val="lt1"/>
-    </dgm:linClrLst>
-    <dgm:effectClrLst/>
-    <dgm:txLinClrLst/>
-    <dgm:txFillClrLst meth="repeat">
-      <a:schemeClr val="dk1"/>
-    </dgm:txFillClrLst>
-    <dgm:txEffectClrLst/>
-  </dgm:styleLbl>
-  <dgm:styleLbl name="revTx">
-    <dgm:fillClrLst meth="repeat">
-      <a:schemeClr val="lt1">
-        <a:alpha val="0"/>
-      </a:schemeClr>
-    </dgm:fillClrLst>
-    <dgm:linClrLst meth="repeat">
-      <a:schemeClr val="dk1">
-        <a:alpha val="0"/>
-      </a:schemeClr>
-    </dgm:linClrLst>
-    <dgm:effectClrLst/>
-    <dgm:txLinClrLst/>
-    <dgm:txFillClrLst meth="repeat">
-      <a:schemeClr val="tx1"/>
-    </dgm:txFillClrLst>
-    <dgm:txEffectClrLst/>
-  </dgm:styleLbl>
-</dgm:colorsDef>
-</file>
-
 <file path=ppt/diagrams/data1.xml><?xml version="1.0" encoding="utf-8"?>
 <dgm:dataModel xmlns:dgm="http://schemas.openxmlformats.org/drawingml/2006/diagram" xmlns:a="http://schemas.openxmlformats.org/drawingml/2006/main">
   <dgm:ptLst>
@@ -3317,177 +2398,6 @@
 <file path=ppt/diagrams/data2.xml><?xml version="1.0" encoding="utf-8"?>
 <dgm:dataModel xmlns:dgm="http://schemas.openxmlformats.org/drawingml/2006/diagram" xmlns:a="http://schemas.openxmlformats.org/drawingml/2006/main">
   <dgm:ptLst>
-    <dgm:pt modelId="{A480834D-F37D-444D-A166-184F8713B3C1}" type="doc">
-      <dgm:prSet loTypeId="urn:microsoft.com/office/officeart/2005/8/layout/vList3" loCatId="list" qsTypeId="urn:microsoft.com/office/officeart/2005/8/quickstyle/3d2" qsCatId="3D" csTypeId="urn:microsoft.com/office/officeart/2005/8/colors/colorful1" csCatId="colorful" phldr="1"/>
-      <dgm:spPr/>
-    </dgm:pt>
-    <dgm:pt modelId="{662A3854-140D-4706-BD2F-890E29E1B9D3}">
-      <dgm:prSet phldrT="[文字]" custT="1"/>
-      <dgm:spPr/>
-      <dgm:t>
-        <a:bodyPr/>
-        <a:lstStyle/>
-        <a:p>
-          <a:r>
-            <a:rPr lang="en-US" altLang="zh-TW" sz="2150" dirty="0" smtClean="0">
-              <a:latin typeface="Times New Roman" panose="02020603050405020304" pitchFamily="18" charset="0"/>
-              <a:cs typeface="Times New Roman" panose="02020603050405020304" pitchFamily="18" charset="0"/>
-            </a:rPr>
-            <a:t>Reliability Tools</a:t>
-          </a:r>
-          <a:endParaRPr lang="zh-TW" altLang="en-US" sz="2150" dirty="0"/>
-        </a:p>
-      </dgm:t>
-    </dgm:pt>
-    <dgm:pt modelId="{73DCE387-95F3-4E11-A3FA-BC4706AFF8D6}" type="parTrans" cxnId="{36F80B4D-5129-4F30-9773-CE69F8703974}">
-      <dgm:prSet/>
-      <dgm:spPr/>
-      <dgm:t>
-        <a:bodyPr/>
-        <a:lstStyle/>
-        <a:p>
-          <a:endParaRPr lang="zh-TW" altLang="en-US" sz="2000"/>
-        </a:p>
-      </dgm:t>
-    </dgm:pt>
-    <dgm:pt modelId="{30E2959E-1A20-4755-B037-51E7D680CB5E}" type="sibTrans" cxnId="{36F80B4D-5129-4F30-9773-CE69F8703974}">
-      <dgm:prSet/>
-      <dgm:spPr/>
-      <dgm:t>
-        <a:bodyPr/>
-        <a:lstStyle/>
-        <a:p>
-          <a:endParaRPr lang="zh-TW" altLang="en-US" sz="2000"/>
-        </a:p>
-      </dgm:t>
-    </dgm:pt>
-    <dgm:pt modelId="{75CC24D7-017C-4144-88F8-E2329307D57D}">
-      <dgm:prSet phldrT="[文字]" custT="1"/>
-      <dgm:spPr/>
-      <dgm:t>
-        <a:bodyPr/>
-        <a:lstStyle/>
-        <a:p>
-          <a:r>
-            <a:rPr lang="en-US" altLang="zh-TW" sz="2150" dirty="0" smtClean="0">
-              <a:latin typeface="Times New Roman" panose="02020603050405020304" pitchFamily="18" charset="0"/>
-              <a:cs typeface="Times New Roman" panose="02020603050405020304" pitchFamily="18" charset="0"/>
-            </a:rPr>
-            <a:t>Process Tools</a:t>
-          </a:r>
-          <a:endParaRPr lang="zh-TW" altLang="en-US" sz="2150" dirty="0"/>
-        </a:p>
-      </dgm:t>
-    </dgm:pt>
-    <dgm:pt modelId="{6F683B47-1EAB-4E1F-BA3C-C7182BD8D733}" type="parTrans" cxnId="{7F5419A5-D558-4B02-A426-BEA27876A08C}">
-      <dgm:prSet/>
-      <dgm:spPr/>
-      <dgm:t>
-        <a:bodyPr/>
-        <a:lstStyle/>
-        <a:p>
-          <a:endParaRPr lang="zh-TW" altLang="en-US" sz="2000"/>
-        </a:p>
-      </dgm:t>
-    </dgm:pt>
-    <dgm:pt modelId="{91C20BB9-8DAE-4C3E-B398-BFBD7D10E088}" type="sibTrans" cxnId="{7F5419A5-D558-4B02-A426-BEA27876A08C}">
-      <dgm:prSet/>
-      <dgm:spPr/>
-      <dgm:t>
-        <a:bodyPr/>
-        <a:lstStyle/>
-        <a:p>
-          <a:endParaRPr lang="zh-TW" altLang="en-US" sz="2000"/>
-        </a:p>
-      </dgm:t>
-    </dgm:pt>
-    <dgm:pt modelId="{1ED9DC1A-6F8F-434B-BF94-2E9642259686}" type="pres">
-      <dgm:prSet presAssocID="{A480834D-F37D-444D-A166-184F8713B3C1}" presName="linearFlow" presStyleCnt="0">
-        <dgm:presLayoutVars>
-          <dgm:dir/>
-          <dgm:resizeHandles val="exact"/>
-        </dgm:presLayoutVars>
-      </dgm:prSet>
-      <dgm:spPr/>
-    </dgm:pt>
-    <dgm:pt modelId="{D9B0A2FC-0CC3-4043-965F-6B546079F87B}" type="pres">
-      <dgm:prSet presAssocID="{662A3854-140D-4706-BD2F-890E29E1B9D3}" presName="composite" presStyleCnt="0"/>
-      <dgm:spPr/>
-    </dgm:pt>
-    <dgm:pt modelId="{C302873E-AB9F-4127-9C4F-554C10632612}" type="pres">
-      <dgm:prSet presAssocID="{662A3854-140D-4706-BD2F-890E29E1B9D3}" presName="imgShp" presStyleLbl="fgImgPlace1" presStyleIdx="0" presStyleCnt="2"/>
-      <dgm:spPr/>
-    </dgm:pt>
-    <dgm:pt modelId="{DCE99758-71AA-48A5-8C32-EB08D138F67B}" type="pres">
-      <dgm:prSet presAssocID="{662A3854-140D-4706-BD2F-890E29E1B9D3}" presName="txShp" presStyleLbl="node1" presStyleIdx="0" presStyleCnt="2" custLinFactNeighborX="0">
-        <dgm:presLayoutVars>
-          <dgm:bulletEnabled val="1"/>
-        </dgm:presLayoutVars>
-      </dgm:prSet>
-      <dgm:spPr/>
-      <dgm:t>
-        <a:bodyPr/>
-        <a:lstStyle/>
-        <a:p>
-          <a:endParaRPr lang="zh-TW" altLang="en-US"/>
-        </a:p>
-      </dgm:t>
-    </dgm:pt>
-    <dgm:pt modelId="{C2DCCFB2-717A-45DD-B7E1-06255A21C7EB}" type="pres">
-      <dgm:prSet presAssocID="{30E2959E-1A20-4755-B037-51E7D680CB5E}" presName="spacing" presStyleCnt="0"/>
-      <dgm:spPr/>
-    </dgm:pt>
-    <dgm:pt modelId="{ED42BD82-8DE1-4CB4-8DC4-052B6A060778}" type="pres">
-      <dgm:prSet presAssocID="{75CC24D7-017C-4144-88F8-E2329307D57D}" presName="composite" presStyleCnt="0"/>
-      <dgm:spPr/>
-    </dgm:pt>
-    <dgm:pt modelId="{878CC670-B630-4810-94E3-1DA4AF5FB8FB}" type="pres">
-      <dgm:prSet presAssocID="{75CC24D7-017C-4144-88F8-E2329307D57D}" presName="imgShp" presStyleLbl="fgImgPlace1" presStyleIdx="1" presStyleCnt="2"/>
-      <dgm:spPr/>
-    </dgm:pt>
-    <dgm:pt modelId="{9561D843-C9AC-4CE2-A9D8-949AA91ABE0B}" type="pres">
-      <dgm:prSet presAssocID="{75CC24D7-017C-4144-88F8-E2329307D57D}" presName="txShp" presStyleLbl="node1" presStyleIdx="1" presStyleCnt="2">
-        <dgm:presLayoutVars>
-          <dgm:bulletEnabled val="1"/>
-        </dgm:presLayoutVars>
-      </dgm:prSet>
-      <dgm:spPr/>
-      <dgm:t>
-        <a:bodyPr/>
-        <a:lstStyle/>
-        <a:p>
-          <a:endParaRPr lang="zh-TW" altLang="en-US"/>
-        </a:p>
-      </dgm:t>
-    </dgm:pt>
-  </dgm:ptLst>
-  <dgm:cxnLst>
-    <dgm:cxn modelId="{7F5419A5-D558-4B02-A426-BEA27876A08C}" srcId="{A480834D-F37D-444D-A166-184F8713B3C1}" destId="{75CC24D7-017C-4144-88F8-E2329307D57D}" srcOrd="1" destOrd="0" parTransId="{6F683B47-1EAB-4E1F-BA3C-C7182BD8D733}" sibTransId="{91C20BB9-8DAE-4C3E-B398-BFBD7D10E088}"/>
-    <dgm:cxn modelId="{B13D7A33-7F5C-4F41-871B-2AC26090FABD}" type="presOf" srcId="{75CC24D7-017C-4144-88F8-E2329307D57D}" destId="{9561D843-C9AC-4CE2-A9D8-949AA91ABE0B}" srcOrd="0" destOrd="0" presId="urn:microsoft.com/office/officeart/2005/8/layout/vList3"/>
-    <dgm:cxn modelId="{BBF37EC8-0497-46A6-ADDB-5667509618F3}" type="presOf" srcId="{662A3854-140D-4706-BD2F-890E29E1B9D3}" destId="{DCE99758-71AA-48A5-8C32-EB08D138F67B}" srcOrd="0" destOrd="0" presId="urn:microsoft.com/office/officeart/2005/8/layout/vList3"/>
-    <dgm:cxn modelId="{36F80B4D-5129-4F30-9773-CE69F8703974}" srcId="{A480834D-F37D-444D-A166-184F8713B3C1}" destId="{662A3854-140D-4706-BD2F-890E29E1B9D3}" srcOrd="0" destOrd="0" parTransId="{73DCE387-95F3-4E11-A3FA-BC4706AFF8D6}" sibTransId="{30E2959E-1A20-4755-B037-51E7D680CB5E}"/>
-    <dgm:cxn modelId="{DDCD528C-C781-45B2-B3C1-73C43CD55620}" type="presOf" srcId="{A480834D-F37D-444D-A166-184F8713B3C1}" destId="{1ED9DC1A-6F8F-434B-BF94-2E9642259686}" srcOrd="0" destOrd="0" presId="urn:microsoft.com/office/officeart/2005/8/layout/vList3"/>
-    <dgm:cxn modelId="{2C4CAE64-1822-464E-8209-ECE16504654E}" type="presParOf" srcId="{1ED9DC1A-6F8F-434B-BF94-2E9642259686}" destId="{D9B0A2FC-0CC3-4043-965F-6B546079F87B}" srcOrd="0" destOrd="0" presId="urn:microsoft.com/office/officeart/2005/8/layout/vList3"/>
-    <dgm:cxn modelId="{BC9AF3A6-AC94-406C-9CE6-65209F12AEC1}" type="presParOf" srcId="{D9B0A2FC-0CC3-4043-965F-6B546079F87B}" destId="{C302873E-AB9F-4127-9C4F-554C10632612}" srcOrd="0" destOrd="0" presId="urn:microsoft.com/office/officeart/2005/8/layout/vList3"/>
-    <dgm:cxn modelId="{22EE7993-A1F6-449C-9B34-8AE811CE1827}" type="presParOf" srcId="{D9B0A2FC-0CC3-4043-965F-6B546079F87B}" destId="{DCE99758-71AA-48A5-8C32-EB08D138F67B}" srcOrd="1" destOrd="0" presId="urn:microsoft.com/office/officeart/2005/8/layout/vList3"/>
-    <dgm:cxn modelId="{E37B33F8-5409-4E87-A292-3E6D29D5405D}" type="presParOf" srcId="{1ED9DC1A-6F8F-434B-BF94-2E9642259686}" destId="{C2DCCFB2-717A-45DD-B7E1-06255A21C7EB}" srcOrd="1" destOrd="0" presId="urn:microsoft.com/office/officeart/2005/8/layout/vList3"/>
-    <dgm:cxn modelId="{66E19279-BCBC-40AF-ADE9-0C082122922C}" type="presParOf" srcId="{1ED9DC1A-6F8F-434B-BF94-2E9642259686}" destId="{ED42BD82-8DE1-4CB4-8DC4-052B6A060778}" srcOrd="2" destOrd="0" presId="urn:microsoft.com/office/officeart/2005/8/layout/vList3"/>
-    <dgm:cxn modelId="{F7E005DD-A464-46AE-B44A-82AC63BA65F2}" type="presParOf" srcId="{ED42BD82-8DE1-4CB4-8DC4-052B6A060778}" destId="{878CC670-B630-4810-94E3-1DA4AF5FB8FB}" srcOrd="0" destOrd="0" presId="urn:microsoft.com/office/officeart/2005/8/layout/vList3"/>
-    <dgm:cxn modelId="{C122B919-782B-48F5-B535-B7770ECA14BC}" type="presParOf" srcId="{ED42BD82-8DE1-4CB4-8DC4-052B6A060778}" destId="{9561D843-C9AC-4CE2-A9D8-949AA91ABE0B}" srcOrd="1" destOrd="0" presId="urn:microsoft.com/office/officeart/2005/8/layout/vList3"/>
-  </dgm:cxnLst>
-  <dgm:bg/>
-  <dgm:whole/>
-  <dgm:extLst>
-    <a:ext uri="http://schemas.microsoft.com/office/drawing/2008/diagram">
-      <dsp:dataModelExt xmlns:dsp="http://schemas.microsoft.com/office/drawing/2008/diagram" relId="rId12" minVer="http://schemas.openxmlformats.org/drawingml/2006/diagram"/>
-    </a:ext>
-  </dgm:extLst>
-</dgm:dataModel>
-</file>
-
-<file path=ppt/diagrams/data3.xml><?xml version="1.0" encoding="utf-8"?>
-<dgm:dataModel xmlns:dgm="http://schemas.openxmlformats.org/drawingml/2006/diagram" xmlns:a="http://schemas.openxmlformats.org/drawingml/2006/main">
-  <dgm:ptLst>
     <dgm:pt modelId="{3966B3BC-C636-4AB6-8474-50E59A91F435}" type="doc">
       <dgm:prSet loTypeId="urn:microsoft.com/office/officeart/2005/8/layout/vList6" loCatId="process" qsTypeId="urn:microsoft.com/office/officeart/2005/8/quickstyle/3d1" qsCatId="3D" csTypeId="urn:microsoft.com/office/officeart/2005/8/colors/colorful1" csCatId="colorful" phldr="1"/>
       <dgm:spPr/>
@@ -3594,7 +2504,7 @@
               <a:latin typeface="Times New Roman" panose="02020603050405020304" pitchFamily="18" charset="0"/>
               <a:cs typeface="Times New Roman" panose="02020603050405020304" pitchFamily="18" charset="0"/>
             </a:rPr>
-            <a:t>Process  Tools</a:t>
+            <a:t>Process Tools</a:t>
           </a:r>
           <a:endParaRPr lang="zh-TW" altLang="en-US" sz="2800" dirty="0">
             <a:latin typeface="Times New Roman" panose="02020603050405020304" pitchFamily="18" charset="0"/>
@@ -4856,350 +3766,6 @@
       <dsp:cNvGrpSpPr/>
     </dsp:nvGrpSpPr>
     <dsp:grpSpPr/>
-    <dsp:sp modelId="{DCE99758-71AA-48A5-8C32-EB08D138F67B}">
-      <dsp:nvSpPr>
-        <dsp:cNvPr id="0" name=""/>
-        <dsp:cNvSpPr/>
-      </dsp:nvSpPr>
-      <dsp:spPr>
-        <a:xfrm rot="10800000">
-          <a:off x="768329" y="446"/>
-          <a:ext cx="2440305" cy="614663"/>
-        </a:xfrm>
-        <a:prstGeom prst="homePlate">
-          <a:avLst/>
-        </a:prstGeom>
-        <a:gradFill rotWithShape="0">
-          <a:gsLst>
-            <a:gs pos="0">
-              <a:schemeClr val="accent2">
-                <a:hueOff val="0"/>
-                <a:satOff val="0"/>
-                <a:lumOff val="0"/>
-                <a:alphaOff val="0"/>
-                <a:shade val="51000"/>
-                <a:satMod val="130000"/>
-              </a:schemeClr>
-            </a:gs>
-            <a:gs pos="80000">
-              <a:schemeClr val="accent2">
-                <a:hueOff val="0"/>
-                <a:satOff val="0"/>
-                <a:lumOff val="0"/>
-                <a:alphaOff val="0"/>
-                <a:shade val="93000"/>
-                <a:satMod val="130000"/>
-              </a:schemeClr>
-            </a:gs>
-            <a:gs pos="100000">
-              <a:schemeClr val="accent2">
-                <a:hueOff val="0"/>
-                <a:satOff val="0"/>
-                <a:lumOff val="0"/>
-                <a:alphaOff val="0"/>
-                <a:shade val="94000"/>
-                <a:satMod val="135000"/>
-              </a:schemeClr>
-            </a:gs>
-          </a:gsLst>
-          <a:lin ang="16200000" scaled="0"/>
-        </a:gradFill>
-        <a:ln>
-          <a:noFill/>
-        </a:ln>
-        <a:effectLst>
-          <a:outerShdw blurRad="40000" dist="23000" dir="5400000" rotWithShape="0">
-            <a:srgbClr val="000000">
-              <a:alpha val="35000"/>
-            </a:srgbClr>
-          </a:outerShdw>
-        </a:effectLst>
-        <a:scene3d>
-          <a:camera prst="orthographicFront"/>
-          <a:lightRig rig="threePt" dir="t">
-            <a:rot lat="0" lon="0" rev="7500000"/>
-          </a:lightRig>
-        </a:scene3d>
-        <a:sp3d prstMaterial="plastic">
-          <a:bevelT w="127000" h="25400" prst="relaxedInset"/>
-        </a:sp3d>
-      </dsp:spPr>
-      <dsp:style>
-        <a:lnRef idx="0">
-          <a:scrgbClr r="0" g="0" b="0"/>
-        </a:lnRef>
-        <a:fillRef idx="3">
-          <a:scrgbClr r="0" g="0" b="0"/>
-        </a:fillRef>
-        <a:effectRef idx="2">
-          <a:scrgbClr r="0" g="0" b="0"/>
-        </a:effectRef>
-        <a:fontRef idx="minor">
-          <a:schemeClr val="lt1"/>
-        </a:fontRef>
-      </dsp:style>
-      <dsp:txBody>
-        <a:bodyPr spcFirstLastPara="0" vert="horz" wrap="square" lIns="271049" tIns="83820" rIns="156464" bIns="83820" numCol="1" spcCol="1270" anchor="ctr" anchorCtr="0">
-          <a:noAutofit/>
-        </a:bodyPr>
-        <a:lstStyle/>
-        <a:p>
-          <a:pPr lvl="0" algn="ctr" defTabSz="955675">
-            <a:lnSpc>
-              <a:spcPct val="90000"/>
-            </a:lnSpc>
-            <a:spcBef>
-              <a:spcPct val="0"/>
-            </a:spcBef>
-            <a:spcAft>
-              <a:spcPct val="35000"/>
-            </a:spcAft>
-          </a:pPr>
-          <a:r>
-            <a:rPr lang="en-US" altLang="zh-TW" sz="2150" kern="1200" dirty="0" smtClean="0">
-              <a:latin typeface="Times New Roman" panose="02020603050405020304" pitchFamily="18" charset="0"/>
-              <a:cs typeface="Times New Roman" panose="02020603050405020304" pitchFamily="18" charset="0"/>
-            </a:rPr>
-            <a:t>Reliability Tools</a:t>
-          </a:r>
-          <a:endParaRPr lang="zh-TW" altLang="en-US" sz="2150" kern="1200" dirty="0"/>
-        </a:p>
-      </dsp:txBody>
-      <dsp:txXfrm rot="10800000">
-        <a:off x="921995" y="446"/>
-        <a:ext cx="2286639" cy="614663"/>
-      </dsp:txXfrm>
-    </dsp:sp>
-    <dsp:sp modelId="{C302873E-AB9F-4127-9C4F-554C10632612}">
-      <dsp:nvSpPr>
-        <dsp:cNvPr id="0" name=""/>
-        <dsp:cNvSpPr/>
-      </dsp:nvSpPr>
-      <dsp:spPr>
-        <a:xfrm>
-          <a:off x="460997" y="446"/>
-          <a:ext cx="614663" cy="614663"/>
-        </a:xfrm>
-        <a:prstGeom prst="ellipse">
-          <a:avLst/>
-        </a:prstGeom>
-        <a:solidFill>
-          <a:schemeClr val="accent2">
-            <a:tint val="50000"/>
-            <a:hueOff val="0"/>
-            <a:satOff val="0"/>
-            <a:lumOff val="0"/>
-            <a:alphaOff val="0"/>
-          </a:schemeClr>
-        </a:solidFill>
-        <a:ln>
-          <a:noFill/>
-        </a:ln>
-        <a:effectLst/>
-        <a:scene3d>
-          <a:camera prst="orthographicFront"/>
-          <a:lightRig rig="threePt" dir="t">
-            <a:rot lat="0" lon="0" rev="7500000"/>
-          </a:lightRig>
-        </a:scene3d>
-        <a:sp3d z="152400" extrusionH="63500" prstMaterial="matte">
-          <a:bevelT w="50800" h="19050" prst="relaxedInset"/>
-          <a:contourClr>
-            <a:schemeClr val="bg1"/>
-          </a:contourClr>
-        </a:sp3d>
-      </dsp:spPr>
-      <dsp:style>
-        <a:lnRef idx="0">
-          <a:scrgbClr r="0" g="0" b="0"/>
-        </a:lnRef>
-        <a:fillRef idx="1">
-          <a:scrgbClr r="0" g="0" b="0"/>
-        </a:fillRef>
-        <a:effectRef idx="0">
-          <a:scrgbClr r="0" g="0" b="0"/>
-        </a:effectRef>
-        <a:fontRef idx="minor"/>
-      </dsp:style>
-    </dsp:sp>
-    <dsp:sp modelId="{9561D843-C9AC-4CE2-A9D8-949AA91ABE0B}">
-      <dsp:nvSpPr>
-        <dsp:cNvPr id="0" name=""/>
-        <dsp:cNvSpPr/>
-      </dsp:nvSpPr>
-      <dsp:spPr>
-        <a:xfrm rot="10800000">
-          <a:off x="768329" y="790855"/>
-          <a:ext cx="2440305" cy="614663"/>
-        </a:xfrm>
-        <a:prstGeom prst="homePlate">
-          <a:avLst/>
-        </a:prstGeom>
-        <a:gradFill rotWithShape="0">
-          <a:gsLst>
-            <a:gs pos="0">
-              <a:schemeClr val="accent3">
-                <a:hueOff val="0"/>
-                <a:satOff val="0"/>
-                <a:lumOff val="0"/>
-                <a:alphaOff val="0"/>
-                <a:shade val="51000"/>
-                <a:satMod val="130000"/>
-              </a:schemeClr>
-            </a:gs>
-            <a:gs pos="80000">
-              <a:schemeClr val="accent3">
-                <a:hueOff val="0"/>
-                <a:satOff val="0"/>
-                <a:lumOff val="0"/>
-                <a:alphaOff val="0"/>
-                <a:shade val="93000"/>
-                <a:satMod val="130000"/>
-              </a:schemeClr>
-            </a:gs>
-            <a:gs pos="100000">
-              <a:schemeClr val="accent3">
-                <a:hueOff val="0"/>
-                <a:satOff val="0"/>
-                <a:lumOff val="0"/>
-                <a:alphaOff val="0"/>
-                <a:shade val="94000"/>
-                <a:satMod val="135000"/>
-              </a:schemeClr>
-            </a:gs>
-          </a:gsLst>
-          <a:lin ang="16200000" scaled="0"/>
-        </a:gradFill>
-        <a:ln>
-          <a:noFill/>
-        </a:ln>
-        <a:effectLst>
-          <a:outerShdw blurRad="40000" dist="23000" dir="5400000" rotWithShape="0">
-            <a:srgbClr val="000000">
-              <a:alpha val="35000"/>
-            </a:srgbClr>
-          </a:outerShdw>
-        </a:effectLst>
-        <a:scene3d>
-          <a:camera prst="orthographicFront"/>
-          <a:lightRig rig="threePt" dir="t">
-            <a:rot lat="0" lon="0" rev="7500000"/>
-          </a:lightRig>
-        </a:scene3d>
-        <a:sp3d prstMaterial="plastic">
-          <a:bevelT w="127000" h="25400" prst="relaxedInset"/>
-        </a:sp3d>
-      </dsp:spPr>
-      <dsp:style>
-        <a:lnRef idx="0">
-          <a:scrgbClr r="0" g="0" b="0"/>
-        </a:lnRef>
-        <a:fillRef idx="3">
-          <a:scrgbClr r="0" g="0" b="0"/>
-        </a:fillRef>
-        <a:effectRef idx="2">
-          <a:scrgbClr r="0" g="0" b="0"/>
-        </a:effectRef>
-        <a:fontRef idx="minor">
-          <a:schemeClr val="lt1"/>
-        </a:fontRef>
-      </dsp:style>
-      <dsp:txBody>
-        <a:bodyPr spcFirstLastPara="0" vert="horz" wrap="square" lIns="271049" tIns="83820" rIns="156464" bIns="83820" numCol="1" spcCol="1270" anchor="ctr" anchorCtr="0">
-          <a:noAutofit/>
-        </a:bodyPr>
-        <a:lstStyle/>
-        <a:p>
-          <a:pPr lvl="0" algn="ctr" defTabSz="955675">
-            <a:lnSpc>
-              <a:spcPct val="90000"/>
-            </a:lnSpc>
-            <a:spcBef>
-              <a:spcPct val="0"/>
-            </a:spcBef>
-            <a:spcAft>
-              <a:spcPct val="35000"/>
-            </a:spcAft>
-          </a:pPr>
-          <a:r>
-            <a:rPr lang="en-US" altLang="zh-TW" sz="2150" kern="1200" dirty="0" smtClean="0">
-              <a:latin typeface="Times New Roman" panose="02020603050405020304" pitchFamily="18" charset="0"/>
-              <a:cs typeface="Times New Roman" panose="02020603050405020304" pitchFamily="18" charset="0"/>
-            </a:rPr>
-            <a:t>Process Tools</a:t>
-          </a:r>
-          <a:endParaRPr lang="zh-TW" altLang="en-US" sz="2150" kern="1200" dirty="0"/>
-        </a:p>
-      </dsp:txBody>
-      <dsp:txXfrm rot="10800000">
-        <a:off x="921995" y="790855"/>
-        <a:ext cx="2286639" cy="614663"/>
-      </dsp:txXfrm>
-    </dsp:sp>
-    <dsp:sp modelId="{878CC670-B630-4810-94E3-1DA4AF5FB8FB}">
-      <dsp:nvSpPr>
-        <dsp:cNvPr id="0" name=""/>
-        <dsp:cNvSpPr/>
-      </dsp:nvSpPr>
-      <dsp:spPr>
-        <a:xfrm>
-          <a:off x="460997" y="790855"/>
-          <a:ext cx="614663" cy="614663"/>
-        </a:xfrm>
-        <a:prstGeom prst="ellipse">
-          <a:avLst/>
-        </a:prstGeom>
-        <a:solidFill>
-          <a:schemeClr val="accent3">
-            <a:tint val="50000"/>
-            <a:hueOff val="0"/>
-            <a:satOff val="0"/>
-            <a:lumOff val="0"/>
-            <a:alphaOff val="0"/>
-          </a:schemeClr>
-        </a:solidFill>
-        <a:ln>
-          <a:noFill/>
-        </a:ln>
-        <a:effectLst/>
-        <a:scene3d>
-          <a:camera prst="orthographicFront"/>
-          <a:lightRig rig="threePt" dir="t">
-            <a:rot lat="0" lon="0" rev="7500000"/>
-          </a:lightRig>
-        </a:scene3d>
-        <a:sp3d z="152400" extrusionH="63500" prstMaterial="matte">
-          <a:bevelT w="50800" h="19050" prst="relaxedInset"/>
-          <a:contourClr>
-            <a:schemeClr val="bg1"/>
-          </a:contourClr>
-        </a:sp3d>
-      </dsp:spPr>
-      <dsp:style>
-        <a:lnRef idx="0">
-          <a:scrgbClr r="0" g="0" b="0"/>
-        </a:lnRef>
-        <a:fillRef idx="1">
-          <a:scrgbClr r="0" g="0" b="0"/>
-        </a:fillRef>
-        <a:effectRef idx="0">
-          <a:scrgbClr r="0" g="0" b="0"/>
-        </a:effectRef>
-        <a:fontRef idx="minor"/>
-      </dsp:style>
-    </dsp:sp>
-  </dsp:spTree>
-</dsp:drawing>
-</file>
-
-<file path=ppt/diagrams/drawing3.xml><?xml version="1.0" encoding="utf-8"?>
-<dsp:drawing xmlns:dgm="http://schemas.openxmlformats.org/drawingml/2006/diagram" xmlns:dsp="http://schemas.microsoft.com/office/drawing/2008/diagram" xmlns:a="http://schemas.openxmlformats.org/drawingml/2006/main">
-  <dsp:spTree>
-    <dsp:nvGrpSpPr>
-      <dsp:cNvPr id="0" name=""/>
-      <dsp:cNvGrpSpPr/>
-    </dsp:nvGrpSpPr>
-    <dsp:grpSpPr/>
     <dsp:sp modelId="{2F6A1D00-77D8-44B7-A49E-9B55E26C6974}">
       <dsp:nvSpPr>
         <dsp:cNvPr id="0" name=""/>
@@ -5734,7 +4300,7 @@
               <a:latin typeface="Times New Roman" panose="02020603050405020304" pitchFamily="18" charset="0"/>
               <a:cs typeface="Times New Roman" panose="02020603050405020304" pitchFamily="18" charset="0"/>
             </a:rPr>
-            <a:t>Process  Tools</a:t>
+            <a:t>Process Tools</a:t>
           </a:r>
           <a:endParaRPr lang="zh-TW" altLang="en-US" sz="2800" kern="1200" dirty="0">
             <a:latin typeface="Times New Roman" panose="02020603050405020304" pitchFamily="18" charset="0"/>
@@ -5915,169 +4481,6 @@
 </file>
 
 <file path=ppt/diagrams/layout2.xml><?xml version="1.0" encoding="utf-8"?>
-<dgm:layoutDef xmlns:dgm="http://schemas.openxmlformats.org/drawingml/2006/diagram" xmlns:a="http://schemas.openxmlformats.org/drawingml/2006/main" uniqueId="urn:microsoft.com/office/officeart/2005/8/layout/vList3">
-  <dgm:title val=""/>
-  <dgm:desc val=""/>
-  <dgm:catLst>
-    <dgm:cat type="list" pri="14000"/>
-    <dgm:cat type="convert" pri="3000"/>
-    <dgm:cat type="picture" pri="27000"/>
-    <dgm:cat type="pictureconvert" pri="27000"/>
-  </dgm:catLst>
-  <dgm:sampData useDef="1">
-    <dgm:dataModel>
-      <dgm:ptLst/>
-      <dgm:bg/>
-      <dgm:whole/>
-    </dgm:dataModel>
-  </dgm:sampData>
-  <dgm:styleData>
-    <dgm:dataModel>
-      <dgm:ptLst>
-        <dgm:pt modelId="0" type="doc"/>
-        <dgm:pt modelId="1"/>
-        <dgm:pt modelId="2"/>
-      </dgm:ptLst>
-      <dgm:cxnLst>
-        <dgm:cxn modelId="3" srcId="0" destId="1" srcOrd="0" destOrd="0"/>
-        <dgm:cxn modelId="4" srcId="0" destId="2" srcOrd="1" destOrd="0"/>
-      </dgm:cxnLst>
-      <dgm:bg/>
-      <dgm:whole/>
-    </dgm:dataModel>
-  </dgm:styleData>
-  <dgm:clrData>
-    <dgm:dataModel>
-      <dgm:ptLst>
-        <dgm:pt modelId="0" type="doc"/>
-        <dgm:pt modelId="1"/>
-        <dgm:pt modelId="2"/>
-        <dgm:pt modelId="3"/>
-        <dgm:pt modelId="4"/>
-      </dgm:ptLst>
-      <dgm:cxnLst>
-        <dgm:cxn modelId="5" srcId="0" destId="1" srcOrd="0" destOrd="0"/>
-        <dgm:cxn modelId="6" srcId="0" destId="2" srcOrd="1" destOrd="0"/>
-        <dgm:cxn modelId="7" srcId="0" destId="3" srcOrd="2" destOrd="0"/>
-        <dgm:cxn modelId="8" srcId="0" destId="4" srcOrd="3" destOrd="0"/>
-      </dgm:cxnLst>
-      <dgm:bg/>
-      <dgm:whole/>
-    </dgm:dataModel>
-  </dgm:clrData>
-  <dgm:layoutNode name="linearFlow">
-    <dgm:varLst>
-      <dgm:dir/>
-      <dgm:resizeHandles val="exact"/>
-    </dgm:varLst>
-    <dgm:alg type="lin">
-      <dgm:param type="linDir" val="fromT"/>
-      <dgm:param type="vertAlign" val="mid"/>
-      <dgm:param type="horzAlign" val="ctr"/>
-    </dgm:alg>
-    <dgm:shape xmlns:r="http://schemas.openxmlformats.org/officeDocument/2006/relationships" r:blip="">
-      <dgm:adjLst/>
-    </dgm:shape>
-    <dgm:presOf/>
-    <dgm:constrLst>
-      <dgm:constr type="w" for="ch" forName="composite" refType="w"/>
-      <dgm:constr type="h" for="ch" forName="composite" refType="h"/>
-      <dgm:constr type="h" for="ch" forName="spacing" refType="h" refFor="ch" refForName="composite" fact="0.25"/>
-      <dgm:constr type="h" for="ch" forName="spacing" refType="w" op="lte" fact="0.1"/>
-      <dgm:constr type="primFontSz" for="des" ptType="node" op="equ" val="65"/>
-    </dgm:constrLst>
-    <dgm:ruleLst/>
-    <dgm:forEach name="Name0" axis="ch" ptType="node">
-      <dgm:layoutNode name="composite">
-        <dgm:alg type="composite"/>
-        <dgm:shape xmlns:r="http://schemas.openxmlformats.org/officeDocument/2006/relationships" r:blip="">
-          <dgm:adjLst/>
-        </dgm:shape>
-        <dgm:presOf/>
-        <dgm:choose name="Name1">
-          <dgm:if name="Name2" func="var" arg="dir" op="equ" val="norm">
-            <dgm:constrLst>
-              <dgm:constr type="w" for="ch" forName="imgShp" refType="w" fact="0.335"/>
-              <dgm:constr type="h" for="ch" forName="imgShp" refType="w" refFor="ch" refForName="imgShp" op="equ"/>
-              <dgm:constr type="h" for="ch" forName="imgShp" refType="h" op="lte"/>
-              <dgm:constr type="ctrY" for="ch" forName="imgShp" refType="h" fact="0.5"/>
-              <dgm:constr type="l" for="ch" forName="imgShp"/>
-              <dgm:constr type="w" for="ch" forName="txShp" refType="w" op="equ" fact="0.665"/>
-              <dgm:constr type="h" for="ch" forName="txShp" refType="h" refFor="ch" refForName="imgShp" op="equ"/>
-              <dgm:constr type="ctrY" for="ch" forName="txShp" refType="h" fact="0.5"/>
-              <dgm:constr type="l" for="ch" forName="txShp" refType="w" refFor="ch" refForName="imgShp" fact="0.5"/>
-              <dgm:constr type="lMarg" for="ch" forName="txShp" refType="w" refFor="ch" refForName="imgShp" fact="1.25"/>
-            </dgm:constrLst>
-          </dgm:if>
-          <dgm:else name="Name3">
-            <dgm:constrLst>
-              <dgm:constr type="w" for="ch" forName="imgShp" refType="w" fact="0.335"/>
-              <dgm:constr type="h" for="ch" forName="imgShp" refType="w" refFor="ch" refForName="imgShp" op="equ"/>
-              <dgm:constr type="h" for="ch" forName="imgShp" refType="h" op="lte"/>
-              <dgm:constr type="ctrY" for="ch" forName="imgShp" refType="h" fact="0.5"/>
-              <dgm:constr type="r" for="ch" forName="imgShp" refType="w"/>
-              <dgm:constr type="w" for="ch" forName="txShp" refType="w" op="equ" fact="0.665"/>
-              <dgm:constr type="h" for="ch" forName="txShp" refType="h" refFor="ch" refForName="imgShp" op="equ"/>
-              <dgm:constr type="ctrY" for="ch" forName="txShp" refType="h" fact="0.5"/>
-              <dgm:constr type="r" for="ch" forName="txShp" refType="ctrX" refFor="ch" refForName="imgShp"/>
-              <dgm:constr type="rMarg" for="ch" forName="txShp" refType="w" refFor="ch" refForName="imgShp" fact="1.25"/>
-            </dgm:constrLst>
-          </dgm:else>
-        </dgm:choose>
-        <dgm:ruleLst/>
-        <dgm:layoutNode name="imgShp" styleLbl="fgImgPlace1">
-          <dgm:alg type="sp"/>
-          <dgm:shape xmlns:r="http://schemas.openxmlformats.org/officeDocument/2006/relationships" type="ellipse" r:blip="" blipPhldr="1">
-            <dgm:adjLst/>
-          </dgm:shape>
-          <dgm:presOf/>
-          <dgm:constrLst/>
-          <dgm:ruleLst/>
-        </dgm:layoutNode>
-        <dgm:layoutNode name="txShp">
-          <dgm:varLst>
-            <dgm:bulletEnabled val="1"/>
-          </dgm:varLst>
-          <dgm:alg type="tx"/>
-          <dgm:choose name="Name4">
-            <dgm:if name="Name5" func="var" arg="dir" op="equ" val="norm">
-              <dgm:shape xmlns:r="http://schemas.openxmlformats.org/officeDocument/2006/relationships" rot="180" type="homePlate" r:blip="" zOrderOff="-1">
-                <dgm:adjLst/>
-              </dgm:shape>
-            </dgm:if>
-            <dgm:else name="Name6">
-              <dgm:shape xmlns:r="http://schemas.openxmlformats.org/officeDocument/2006/relationships" type="homePlate" r:blip="" zOrderOff="-1">
-                <dgm:adjLst/>
-              </dgm:shape>
-            </dgm:else>
-          </dgm:choose>
-          <dgm:presOf axis="desOrSelf" ptType="node"/>
-          <dgm:constrLst>
-            <dgm:constr type="tMarg" refType="primFontSz" fact="0.3"/>
-            <dgm:constr type="bMarg" refType="primFontSz" fact="0.3"/>
-          </dgm:constrLst>
-          <dgm:ruleLst>
-            <dgm:rule type="primFontSz" val="5" fact="NaN" max="NaN"/>
-          </dgm:ruleLst>
-        </dgm:layoutNode>
-      </dgm:layoutNode>
-      <dgm:forEach name="Name7" axis="followSib" ptType="sibTrans" cnt="1">
-        <dgm:layoutNode name="spacing">
-          <dgm:alg type="sp"/>
-          <dgm:shape xmlns:r="http://schemas.openxmlformats.org/officeDocument/2006/relationships" r:blip="">
-            <dgm:adjLst/>
-          </dgm:shape>
-          <dgm:presOf axis="self"/>
-          <dgm:constrLst/>
-          <dgm:ruleLst/>
-        </dgm:layoutNode>
-      </dgm:forEach>
-    </dgm:forEach>
-  </dgm:layoutNode>
-</dgm:layoutDef>
-</file>
-
-<file path=ppt/diagrams/layout3.xml><?xml version="1.0" encoding="utf-8"?>
 <dgm:layoutDef xmlns:dgm="http://schemas.openxmlformats.org/drawingml/2006/diagram" xmlns:a="http://schemas.openxmlformats.org/drawingml/2006/main" uniqueId="urn:microsoft.com/office/officeart/2005/8/layout/vList6">
   <dgm:title val=""/>
   <dgm:desc val=""/>
@@ -7546,1268 +5949,6 @@
 </file>
 
 <file path=ppt/diagrams/quickStyle2.xml><?xml version="1.0" encoding="utf-8"?>
-<dgm:styleDef xmlns:dgm="http://schemas.openxmlformats.org/drawingml/2006/diagram" xmlns:a="http://schemas.openxmlformats.org/drawingml/2006/main" uniqueId="urn:microsoft.com/office/officeart/2005/8/quickstyle/3d2">
-  <dgm:title val=""/>
-  <dgm:desc val=""/>
-  <dgm:catLst>
-    <dgm:cat type="3D" pri="11200"/>
-  </dgm:catLst>
-  <dgm:scene3d>
-    <a:camera prst="orthographicFront"/>
-    <a:lightRig rig="threePt" dir="t"/>
-  </dgm:scene3d>
-  <dgm:styleLbl name="node0">
-    <dgm:scene3d>
-      <a:camera prst="orthographicFront"/>
-      <a:lightRig rig="threePt" dir="t">
-        <a:rot lat="0" lon="0" rev="7500000"/>
-      </a:lightRig>
-    </dgm:scene3d>
-    <dgm:sp3d prstMaterial="plastic">
-      <a:bevelT w="127000" h="25400" prst="relaxedInset"/>
-    </dgm:sp3d>
-    <dgm:txPr/>
-    <dgm:style>
-      <a:lnRef idx="0">
-        <a:scrgbClr r="0" g="0" b="0"/>
-      </a:lnRef>
-      <a:fillRef idx="3">
-        <a:scrgbClr r="0" g="0" b="0"/>
-      </a:fillRef>
-      <a:effectRef idx="2">
-        <a:scrgbClr r="0" g="0" b="0"/>
-      </a:effectRef>
-      <a:fontRef idx="minor">
-        <a:schemeClr val="lt1"/>
-      </a:fontRef>
-    </dgm:style>
-  </dgm:styleLbl>
-  <dgm:styleLbl name="lnNode1">
-    <dgm:scene3d>
-      <a:camera prst="orthographicFront"/>
-      <a:lightRig rig="threePt" dir="t">
-        <a:rot lat="0" lon="0" rev="7500000"/>
-      </a:lightRig>
-    </dgm:scene3d>
-    <dgm:sp3d prstMaterial="plastic">
-      <a:bevelT w="127000" h="25400" prst="relaxedInset"/>
-    </dgm:sp3d>
-    <dgm:txPr/>
-    <dgm:style>
-      <a:lnRef idx="1">
-        <a:scrgbClr r="0" g="0" b="0"/>
-      </a:lnRef>
-      <a:fillRef idx="3">
-        <a:scrgbClr r="0" g="0" b="0"/>
-      </a:fillRef>
-      <a:effectRef idx="2">
-        <a:scrgbClr r="0" g="0" b="0"/>
-      </a:effectRef>
-      <a:fontRef idx="minor">
-        <a:schemeClr val="lt1"/>
-      </a:fontRef>
-    </dgm:style>
-  </dgm:styleLbl>
-  <dgm:styleLbl name="vennNode1">
-    <dgm:scene3d>
-      <a:camera prst="orthographicFront"/>
-      <a:lightRig rig="threePt" dir="t">
-        <a:rot lat="0" lon="0" rev="7500000"/>
-      </a:lightRig>
-    </dgm:scene3d>
-    <dgm:sp3d prstMaterial="plastic">
-      <a:bevelT w="127000" h="25400" prst="relaxedInset"/>
-    </dgm:sp3d>
-    <dgm:txPr/>
-    <dgm:style>
-      <a:lnRef idx="0">
-        <a:scrgbClr r="0" g="0" b="0"/>
-      </a:lnRef>
-      <a:fillRef idx="3">
-        <a:scrgbClr r="0" g="0" b="0"/>
-      </a:fillRef>
-      <a:effectRef idx="2">
-        <a:scrgbClr r="0" g="0" b="0"/>
-      </a:effectRef>
-      <a:fontRef idx="minor">
-        <a:schemeClr val="tx1"/>
-      </a:fontRef>
-    </dgm:style>
-  </dgm:styleLbl>
-  <dgm:styleLbl name="alingNode1">
-    <dgm:scene3d>
-      <a:camera prst="orthographicFront"/>
-      <a:lightRig rig="threePt" dir="t">
-        <a:rot lat="0" lon="0" rev="7500000"/>
-      </a:lightRig>
-    </dgm:scene3d>
-    <dgm:sp3d prstMaterial="plastic">
-      <a:bevelT w="127000" h="25400" prst="relaxedInset"/>
-    </dgm:sp3d>
-    <dgm:txPr/>
-    <dgm:style>
-      <a:lnRef idx="0">
-        <a:scrgbClr r="0" g="0" b="0"/>
-      </a:lnRef>
-      <a:fillRef idx="3">
-        <a:scrgbClr r="0" g="0" b="0"/>
-      </a:fillRef>
-      <a:effectRef idx="2">
-        <a:scrgbClr r="0" g="0" b="0"/>
-      </a:effectRef>
-      <a:fontRef idx="minor">
-        <a:schemeClr val="lt1"/>
-      </a:fontRef>
-    </dgm:style>
-  </dgm:styleLbl>
-  <dgm:styleLbl name="node1">
-    <dgm:scene3d>
-      <a:camera prst="orthographicFront"/>
-      <a:lightRig rig="threePt" dir="t">
-        <a:rot lat="0" lon="0" rev="7500000"/>
-      </a:lightRig>
-    </dgm:scene3d>
-    <dgm:sp3d prstMaterial="plastic">
-      <a:bevelT w="127000" h="25400" prst="relaxedInset"/>
-    </dgm:sp3d>
-    <dgm:txPr/>
-    <dgm:style>
-      <a:lnRef idx="0">
-        <a:scrgbClr r="0" g="0" b="0"/>
-      </a:lnRef>
-      <a:fillRef idx="3">
-        <a:scrgbClr r="0" g="0" b="0"/>
-      </a:fillRef>
-      <a:effectRef idx="2">
-        <a:scrgbClr r="0" g="0" b="0"/>
-      </a:effectRef>
-      <a:fontRef idx="minor">
-        <a:schemeClr val="lt1"/>
-      </a:fontRef>
-    </dgm:style>
-  </dgm:styleLbl>
-  <dgm:styleLbl name="node2">
-    <dgm:scene3d>
-      <a:camera prst="orthographicFront"/>
-      <a:lightRig rig="threePt" dir="t">
-        <a:rot lat="0" lon="0" rev="7500000"/>
-      </a:lightRig>
-    </dgm:scene3d>
-    <dgm:sp3d prstMaterial="plastic">
-      <a:bevelT w="127000" h="25400" prst="relaxedInset"/>
-    </dgm:sp3d>
-    <dgm:txPr/>
-    <dgm:style>
-      <a:lnRef idx="0">
-        <a:scrgbClr r="0" g="0" b="0"/>
-      </a:lnRef>
-      <a:fillRef idx="3">
-        <a:scrgbClr r="0" g="0" b="0"/>
-      </a:fillRef>
-      <a:effectRef idx="2">
-        <a:scrgbClr r="0" g="0" b="0"/>
-      </a:effectRef>
-      <a:fontRef idx="minor">
-        <a:schemeClr val="lt1"/>
-      </a:fontRef>
-    </dgm:style>
-  </dgm:styleLbl>
-  <dgm:styleLbl name="node3">
-    <dgm:scene3d>
-      <a:camera prst="orthographicFront"/>
-      <a:lightRig rig="threePt" dir="t">
-        <a:rot lat="0" lon="0" rev="7500000"/>
-      </a:lightRig>
-    </dgm:scene3d>
-    <dgm:sp3d prstMaterial="plastic">
-      <a:bevelT w="127000" h="25400" prst="relaxedInset"/>
-    </dgm:sp3d>
-    <dgm:txPr/>
-    <dgm:style>
-      <a:lnRef idx="0">
-        <a:scrgbClr r="0" g="0" b="0"/>
-      </a:lnRef>
-      <a:fillRef idx="3">
-        <a:scrgbClr r="0" g="0" b="0"/>
-      </a:fillRef>
-      <a:effectRef idx="2">
-        <a:scrgbClr r="0" g="0" b="0"/>
-      </a:effectRef>
-      <a:fontRef idx="minor">
-        <a:schemeClr val="lt1"/>
-      </a:fontRef>
-    </dgm:style>
-  </dgm:styleLbl>
-  <dgm:styleLbl name="node4">
-    <dgm:scene3d>
-      <a:camera prst="orthographicFront"/>
-      <a:lightRig rig="threePt" dir="t">
-        <a:rot lat="0" lon="0" rev="7500000"/>
-      </a:lightRig>
-    </dgm:scene3d>
-    <dgm:sp3d prstMaterial="plastic">
-      <a:bevelT w="127000" h="25400" prst="relaxedInset"/>
-    </dgm:sp3d>
-    <dgm:txPr/>
-    <dgm:style>
-      <a:lnRef idx="0">
-        <a:scrgbClr r="0" g="0" b="0"/>
-      </a:lnRef>
-      <a:fillRef idx="3">
-        <a:scrgbClr r="0" g="0" b="0"/>
-      </a:fillRef>
-      <a:effectRef idx="2">
-        <a:scrgbClr r="0" g="0" b="0"/>
-      </a:effectRef>
-      <a:fontRef idx="minor">
-        <a:schemeClr val="lt1"/>
-      </a:fontRef>
-    </dgm:style>
-  </dgm:styleLbl>
-  <dgm:styleLbl name="fgImgPlace1">
-    <dgm:scene3d>
-      <a:camera prst="orthographicFront"/>
-      <a:lightRig rig="threePt" dir="t">
-        <a:rot lat="0" lon="0" rev="7500000"/>
-      </a:lightRig>
-    </dgm:scene3d>
-    <dgm:sp3d z="152400" extrusionH="63500" prstMaterial="matte">
-      <a:bevelT w="50800" h="19050" prst="relaxedInset"/>
-      <a:contourClr>
-        <a:schemeClr val="bg1"/>
-      </a:contourClr>
-    </dgm:sp3d>
-    <dgm:txPr/>
-    <dgm:style>
-      <a:lnRef idx="0">
-        <a:scrgbClr r="0" g="0" b="0"/>
-      </a:lnRef>
-      <a:fillRef idx="1">
-        <a:scrgbClr r="0" g="0" b="0"/>
-      </a:fillRef>
-      <a:effectRef idx="0">
-        <a:scrgbClr r="0" g="0" b="0"/>
-      </a:effectRef>
-      <a:fontRef idx="minor"/>
-    </dgm:style>
-  </dgm:styleLbl>
-  <dgm:styleLbl name="alignImgPlace1">
-    <dgm:scene3d>
-      <a:camera prst="orthographicFront"/>
-      <a:lightRig rig="threePt" dir="t">
-        <a:rot lat="0" lon="0" rev="7500000"/>
-      </a:lightRig>
-    </dgm:scene3d>
-    <dgm:sp3d z="254000" extrusionH="63500" contourW="12700" prstMaterial="matte">
-      <a:contourClr>
-        <a:schemeClr val="lt1"/>
-      </a:contourClr>
-    </dgm:sp3d>
-    <dgm:txPr/>
-    <dgm:style>
-      <a:lnRef idx="0">
-        <a:scrgbClr r="0" g="0" b="0"/>
-      </a:lnRef>
-      <a:fillRef idx="1">
-        <a:scrgbClr r="0" g="0" b="0"/>
-      </a:fillRef>
-      <a:effectRef idx="0">
-        <a:scrgbClr r="0" g="0" b="0"/>
-      </a:effectRef>
-      <a:fontRef idx="minor"/>
-    </dgm:style>
-  </dgm:styleLbl>
-  <dgm:styleLbl name="bgImgPlace1">
-    <dgm:scene3d>
-      <a:camera prst="orthographicFront"/>
-      <a:lightRig rig="threePt" dir="t">
-        <a:rot lat="0" lon="0" rev="7500000"/>
-      </a:lightRig>
-    </dgm:scene3d>
-    <dgm:sp3d z="-152400" extrusionH="63500" contourW="12700" prstMaterial="matte">
-      <a:contourClr>
-        <a:schemeClr val="lt1"/>
-      </a:contourClr>
-    </dgm:sp3d>
-    <dgm:txPr/>
-    <dgm:style>
-      <a:lnRef idx="0">
-        <a:scrgbClr r="0" g="0" b="0"/>
-      </a:lnRef>
-      <a:fillRef idx="1">
-        <a:scrgbClr r="0" g="0" b="0"/>
-      </a:fillRef>
-      <a:effectRef idx="0">
-        <a:scrgbClr r="0" g="0" b="0"/>
-      </a:effectRef>
-      <a:fontRef idx="minor"/>
-    </dgm:style>
-  </dgm:styleLbl>
-  <dgm:styleLbl name="sibTrans2D1">
-    <dgm:scene3d>
-      <a:camera prst="orthographicFront"/>
-      <a:lightRig rig="threePt" dir="t">
-        <a:rot lat="0" lon="0" rev="7500000"/>
-      </a:lightRig>
-    </dgm:scene3d>
-    <dgm:sp3d z="-70000" extrusionH="63500" prstMaterial="matte">
-      <a:bevelT w="25400" h="6350" prst="relaxedInset"/>
-      <a:contourClr>
-        <a:schemeClr val="bg1"/>
-      </a:contourClr>
-    </dgm:sp3d>
-    <dgm:txPr/>
-    <dgm:style>
-      <a:lnRef idx="0">
-        <a:scrgbClr r="0" g="0" b="0"/>
-      </a:lnRef>
-      <a:fillRef idx="1">
-        <a:scrgbClr r="0" g="0" b="0"/>
-      </a:fillRef>
-      <a:effectRef idx="2">
-        <a:scrgbClr r="0" g="0" b="0"/>
-      </a:effectRef>
-      <a:fontRef idx="minor">
-        <a:schemeClr val="lt1"/>
-      </a:fontRef>
-    </dgm:style>
-  </dgm:styleLbl>
-  <dgm:styleLbl name="fgSibTrans2D1">
-    <dgm:scene3d>
-      <a:camera prst="orthographicFront"/>
-      <a:lightRig rig="threePt" dir="t">
-        <a:rot lat="0" lon="0" rev="7500000"/>
-      </a:lightRig>
-    </dgm:scene3d>
-    <dgm:sp3d z="152400" extrusionH="63500" prstMaterial="matte">
-      <a:bevelT w="25400" h="6350" prst="relaxedInset"/>
-      <a:contourClr>
-        <a:schemeClr val="bg1"/>
-      </a:contourClr>
-    </dgm:sp3d>
-    <dgm:txPr/>
-    <dgm:style>
-      <a:lnRef idx="0">
-        <a:scrgbClr r="0" g="0" b="0"/>
-      </a:lnRef>
-      <a:fillRef idx="1">
-        <a:scrgbClr r="0" g="0" b="0"/>
-      </a:fillRef>
-      <a:effectRef idx="2">
-        <a:scrgbClr r="0" g="0" b="0"/>
-      </a:effectRef>
-      <a:fontRef idx="minor">
-        <a:schemeClr val="lt1"/>
-      </a:fontRef>
-    </dgm:style>
-  </dgm:styleLbl>
-  <dgm:styleLbl name="bgSibTrans2D1">
-    <dgm:scene3d>
-      <a:camera prst="orthographicFront"/>
-      <a:lightRig rig="threePt" dir="t">
-        <a:rot lat="0" lon="0" rev="7500000"/>
-      </a:lightRig>
-    </dgm:scene3d>
-    <dgm:sp3d z="-152400" extrusionH="63500" prstMaterial="matte">
-      <a:bevelT w="25400" h="6350" prst="relaxedInset"/>
-      <a:contourClr>
-        <a:schemeClr val="bg1"/>
-      </a:contourClr>
-    </dgm:sp3d>
-    <dgm:txPr/>
-    <dgm:style>
-      <a:lnRef idx="0">
-        <a:scrgbClr r="0" g="0" b="0"/>
-      </a:lnRef>
-      <a:fillRef idx="1">
-        <a:scrgbClr r="0" g="0" b="0"/>
-      </a:fillRef>
-      <a:effectRef idx="2">
-        <a:scrgbClr r="0" g="0" b="0"/>
-      </a:effectRef>
-      <a:fontRef idx="minor">
-        <a:schemeClr val="lt1"/>
-      </a:fontRef>
-    </dgm:style>
-  </dgm:styleLbl>
-  <dgm:styleLbl name="sibTrans1D1">
-    <dgm:scene3d>
-      <a:camera prst="orthographicFront"/>
-      <a:lightRig rig="threePt" dir="t">
-        <a:rot lat="0" lon="0" rev="7500000"/>
-      </a:lightRig>
-    </dgm:scene3d>
-    <dgm:sp3d z="-40000" prstMaterial="matte"/>
-    <dgm:txPr/>
-    <dgm:style>
-      <a:lnRef idx="1">
-        <a:scrgbClr r="0" g="0" b="0"/>
-      </a:lnRef>
-      <a:fillRef idx="0">
-        <a:scrgbClr r="0" g="0" b="0"/>
-      </a:fillRef>
-      <a:effectRef idx="0">
-        <a:scrgbClr r="0" g="0" b="0"/>
-      </a:effectRef>
-      <a:fontRef idx="minor"/>
-    </dgm:style>
-  </dgm:styleLbl>
-  <dgm:styleLbl name="callout">
-    <dgm:scene3d>
-      <a:camera prst="orthographicFront"/>
-      <a:lightRig rig="threePt" dir="t">
-        <a:rot lat="0" lon="0" rev="7500000"/>
-      </a:lightRig>
-    </dgm:scene3d>
-    <dgm:sp3d z="127000" prstMaterial="matte"/>
-    <dgm:txPr/>
-    <dgm:style>
-      <a:lnRef idx="2">
-        <a:scrgbClr r="0" g="0" b="0"/>
-      </a:lnRef>
-      <a:fillRef idx="1">
-        <a:scrgbClr r="0" g="0" b="0"/>
-      </a:fillRef>
-      <a:effectRef idx="0">
-        <a:scrgbClr r="0" g="0" b="0"/>
-      </a:effectRef>
-      <a:fontRef idx="minor"/>
-    </dgm:style>
-  </dgm:styleLbl>
-  <dgm:styleLbl name="asst0">
-    <dgm:scene3d>
-      <a:camera prst="orthographicFront"/>
-      <a:lightRig rig="threePt" dir="t">
-        <a:rot lat="0" lon="0" rev="7500000"/>
-      </a:lightRig>
-    </dgm:scene3d>
-    <dgm:sp3d prstMaterial="plastic">
-      <a:bevelT w="127000" h="25400" prst="relaxedInset"/>
-    </dgm:sp3d>
-    <dgm:txPr/>
-    <dgm:style>
-      <a:lnRef idx="0">
-        <a:scrgbClr r="0" g="0" b="0"/>
-      </a:lnRef>
-      <a:fillRef idx="3">
-        <a:scrgbClr r="0" g="0" b="0"/>
-      </a:fillRef>
-      <a:effectRef idx="2">
-        <a:scrgbClr r="0" g="0" b="0"/>
-      </a:effectRef>
-      <a:fontRef idx="minor">
-        <a:schemeClr val="lt1"/>
-      </a:fontRef>
-    </dgm:style>
-  </dgm:styleLbl>
-  <dgm:styleLbl name="asst1">
-    <dgm:scene3d>
-      <a:camera prst="orthographicFront"/>
-      <a:lightRig rig="threePt" dir="t">
-        <a:rot lat="0" lon="0" rev="7500000"/>
-      </a:lightRig>
-    </dgm:scene3d>
-    <dgm:sp3d prstMaterial="plastic">
-      <a:bevelT w="127000" h="25400" prst="relaxedInset"/>
-    </dgm:sp3d>
-    <dgm:txPr/>
-    <dgm:style>
-      <a:lnRef idx="0">
-        <a:scrgbClr r="0" g="0" b="0"/>
-      </a:lnRef>
-      <a:fillRef idx="3">
-        <a:scrgbClr r="0" g="0" b="0"/>
-      </a:fillRef>
-      <a:effectRef idx="2">
-        <a:scrgbClr r="0" g="0" b="0"/>
-      </a:effectRef>
-      <a:fontRef idx="minor">
-        <a:schemeClr val="lt1"/>
-      </a:fontRef>
-    </dgm:style>
-  </dgm:styleLbl>
-  <dgm:styleLbl name="asst2">
-    <dgm:scene3d>
-      <a:camera prst="orthographicFront"/>
-      <a:lightRig rig="threePt" dir="t">
-        <a:rot lat="0" lon="0" rev="7500000"/>
-      </a:lightRig>
-    </dgm:scene3d>
-    <dgm:sp3d prstMaterial="plastic">
-      <a:bevelT w="127000" h="25400" prst="relaxedInset"/>
-    </dgm:sp3d>
-    <dgm:txPr/>
-    <dgm:style>
-      <a:lnRef idx="0">
-        <a:scrgbClr r="0" g="0" b="0"/>
-      </a:lnRef>
-      <a:fillRef idx="3">
-        <a:scrgbClr r="0" g="0" b="0"/>
-      </a:fillRef>
-      <a:effectRef idx="2">
-        <a:scrgbClr r="0" g="0" b="0"/>
-      </a:effectRef>
-      <a:fontRef idx="minor">
-        <a:schemeClr val="lt1"/>
-      </a:fontRef>
-    </dgm:style>
-  </dgm:styleLbl>
-  <dgm:styleLbl name="asst3">
-    <dgm:scene3d>
-      <a:camera prst="orthographicFront"/>
-      <a:lightRig rig="threePt" dir="t">
-        <a:rot lat="0" lon="0" rev="7500000"/>
-      </a:lightRig>
-    </dgm:scene3d>
-    <dgm:sp3d prstMaterial="plastic">
-      <a:bevelT w="127000" h="25400" prst="relaxedInset"/>
-    </dgm:sp3d>
-    <dgm:txPr/>
-    <dgm:style>
-      <a:lnRef idx="0">
-        <a:scrgbClr r="0" g="0" b="0"/>
-      </a:lnRef>
-      <a:fillRef idx="3">
-        <a:scrgbClr r="0" g="0" b="0"/>
-      </a:fillRef>
-      <a:effectRef idx="2">
-        <a:scrgbClr r="0" g="0" b="0"/>
-      </a:effectRef>
-      <a:fontRef idx="minor">
-        <a:schemeClr val="lt1"/>
-      </a:fontRef>
-    </dgm:style>
-  </dgm:styleLbl>
-  <dgm:styleLbl name="parChTrans2D1">
-    <dgm:scene3d>
-      <a:camera prst="orthographicFront"/>
-      <a:lightRig rig="threePt" dir="t">
-        <a:rot lat="0" lon="0" rev="7500000"/>
-      </a:lightRig>
-    </dgm:scene3d>
-    <dgm:sp3d extrusionH="63500" prstMaterial="matte">
-      <a:bevelT w="50800" h="19050" prst="relaxedInset"/>
-      <a:contourClr>
-        <a:schemeClr val="bg1"/>
-      </a:contourClr>
-    </dgm:sp3d>
-    <dgm:txPr/>
-    <dgm:style>
-      <a:lnRef idx="0">
-        <a:scrgbClr r="0" g="0" b="0"/>
-      </a:lnRef>
-      <a:fillRef idx="1">
-        <a:scrgbClr r="0" g="0" b="0"/>
-      </a:fillRef>
-      <a:effectRef idx="2">
-        <a:scrgbClr r="0" g="0" b="0"/>
-      </a:effectRef>
-      <a:fontRef idx="minor">
-        <a:schemeClr val="lt1"/>
-      </a:fontRef>
-    </dgm:style>
-  </dgm:styleLbl>
-  <dgm:styleLbl name="parChTrans2D2">
-    <dgm:scene3d>
-      <a:camera prst="orthographicFront"/>
-      <a:lightRig rig="threePt" dir="t">
-        <a:rot lat="0" lon="0" rev="7500000"/>
-      </a:lightRig>
-    </dgm:scene3d>
-    <dgm:sp3d extrusionH="63500" prstMaterial="matte">
-      <a:bevelT w="50800" h="19050" prst="relaxedInset"/>
-      <a:contourClr>
-        <a:schemeClr val="bg1"/>
-      </a:contourClr>
-    </dgm:sp3d>
-    <dgm:txPr/>
-    <dgm:style>
-      <a:lnRef idx="0">
-        <a:scrgbClr r="0" g="0" b="0"/>
-      </a:lnRef>
-      <a:fillRef idx="1">
-        <a:scrgbClr r="0" g="0" b="0"/>
-      </a:fillRef>
-      <a:effectRef idx="0">
-        <a:scrgbClr r="0" g="0" b="0"/>
-      </a:effectRef>
-      <a:fontRef idx="minor">
-        <a:schemeClr val="lt1"/>
-      </a:fontRef>
-    </dgm:style>
-  </dgm:styleLbl>
-  <dgm:styleLbl name="parChTrans2D3">
-    <dgm:scene3d>
-      <a:camera prst="orthographicFront"/>
-      <a:lightRig rig="threePt" dir="t">
-        <a:rot lat="0" lon="0" rev="7500000"/>
-      </a:lightRig>
-    </dgm:scene3d>
-    <dgm:sp3d z="60000" prstMaterial="flat">
-      <a:bevelT w="120900" h="88900"/>
-    </dgm:sp3d>
-    <dgm:txPr/>
-    <dgm:style>
-      <a:lnRef idx="0">
-        <a:scrgbClr r="0" g="0" b="0"/>
-      </a:lnRef>
-      <a:fillRef idx="3">
-        <a:scrgbClr r="0" g="0" b="0"/>
-      </a:fillRef>
-      <a:effectRef idx="1">
-        <a:scrgbClr r="0" g="0" b="0"/>
-      </a:effectRef>
-      <a:fontRef idx="minor">
-        <a:schemeClr val="lt1"/>
-      </a:fontRef>
-    </dgm:style>
-  </dgm:styleLbl>
-  <dgm:styleLbl name="parChTrans2D4">
-    <dgm:scene3d>
-      <a:camera prst="orthographicFront"/>
-      <a:lightRig rig="threePt" dir="t">
-        <a:rot lat="0" lon="0" rev="7500000"/>
-      </a:lightRig>
-    </dgm:scene3d>
-    <dgm:sp3d z="60000" prstMaterial="flat">
-      <a:bevelT w="120900" h="88900"/>
-    </dgm:sp3d>
-    <dgm:txPr/>
-    <dgm:style>
-      <a:lnRef idx="0">
-        <a:scrgbClr r="0" g="0" b="0"/>
-      </a:lnRef>
-      <a:fillRef idx="3">
-        <a:scrgbClr r="0" g="0" b="0"/>
-      </a:fillRef>
-      <a:effectRef idx="1">
-        <a:scrgbClr r="0" g="0" b="0"/>
-      </a:effectRef>
-      <a:fontRef idx="minor">
-        <a:schemeClr val="lt1"/>
-      </a:fontRef>
-    </dgm:style>
-  </dgm:styleLbl>
-  <dgm:styleLbl name="parChTrans1D1">
-    <dgm:scene3d>
-      <a:camera prst="orthographicFront"/>
-      <a:lightRig rig="threePt" dir="t">
-        <a:rot lat="0" lon="0" rev="7500000"/>
-      </a:lightRig>
-    </dgm:scene3d>
-    <dgm:sp3d z="-40000" prstMaterial="matte"/>
-    <dgm:txPr/>
-    <dgm:style>
-      <a:lnRef idx="2">
-        <a:scrgbClr r="0" g="0" b="0"/>
-      </a:lnRef>
-      <a:fillRef idx="0">
-        <a:scrgbClr r="0" g="0" b="0"/>
-      </a:fillRef>
-      <a:effectRef idx="0">
-        <a:scrgbClr r="0" g="0" b="0"/>
-      </a:effectRef>
-      <a:fontRef idx="minor"/>
-    </dgm:style>
-  </dgm:styleLbl>
-  <dgm:styleLbl name="parChTrans1D2">
-    <dgm:scene3d>
-      <a:camera prst="orthographicFront"/>
-      <a:lightRig rig="threePt" dir="t">
-        <a:rot lat="0" lon="0" rev="7500000"/>
-      </a:lightRig>
-    </dgm:scene3d>
-    <dgm:sp3d z="-40000" prstMaterial="matte"/>
-    <dgm:txPr/>
-    <dgm:style>
-      <a:lnRef idx="2">
-        <a:scrgbClr r="0" g="0" b="0"/>
-      </a:lnRef>
-      <a:fillRef idx="0">
-        <a:scrgbClr r="0" g="0" b="0"/>
-      </a:fillRef>
-      <a:effectRef idx="0">
-        <a:scrgbClr r="0" g="0" b="0"/>
-      </a:effectRef>
-      <a:fontRef idx="minor"/>
-    </dgm:style>
-  </dgm:styleLbl>
-  <dgm:styleLbl name="parChTrans1D3">
-    <dgm:scene3d>
-      <a:camera prst="orthographicFront"/>
-      <a:lightRig rig="threePt" dir="t">
-        <a:rot lat="0" lon="0" rev="7500000"/>
-      </a:lightRig>
-    </dgm:scene3d>
-    <dgm:sp3d z="-40000" prstMaterial="matte"/>
-    <dgm:txPr/>
-    <dgm:style>
-      <a:lnRef idx="2">
-        <a:scrgbClr r="0" g="0" b="0"/>
-      </a:lnRef>
-      <a:fillRef idx="0">
-        <a:scrgbClr r="0" g="0" b="0"/>
-      </a:fillRef>
-      <a:effectRef idx="0">
-        <a:scrgbClr r="0" g="0" b="0"/>
-      </a:effectRef>
-      <a:fontRef idx="minor"/>
-    </dgm:style>
-  </dgm:styleLbl>
-  <dgm:styleLbl name="parChTrans1D4">
-    <dgm:scene3d>
-      <a:camera prst="orthographicFront"/>
-      <a:lightRig rig="threePt" dir="t">
-        <a:rot lat="0" lon="0" rev="7500000"/>
-      </a:lightRig>
-    </dgm:scene3d>
-    <dgm:sp3d z="-40000" prstMaterial="matte"/>
-    <dgm:txPr/>
-    <dgm:style>
-      <a:lnRef idx="2">
-        <a:scrgbClr r="0" g="0" b="0"/>
-      </a:lnRef>
-      <a:fillRef idx="0">
-        <a:scrgbClr r="0" g="0" b="0"/>
-      </a:fillRef>
-      <a:effectRef idx="0">
-        <a:scrgbClr r="0" g="0" b="0"/>
-      </a:effectRef>
-      <a:fontRef idx="minor"/>
-    </dgm:style>
-  </dgm:styleLbl>
-  <dgm:styleLbl name="fgAcc1">
-    <dgm:scene3d>
-      <a:camera prst="orthographicFront"/>
-      <a:lightRig rig="threePt" dir="t">
-        <a:rot lat="0" lon="0" rev="7500000"/>
-      </a:lightRig>
-    </dgm:scene3d>
-    <dgm:sp3d z="152400" extrusionH="63500" prstMaterial="dkEdge">
-      <a:bevelT w="135400" h="16350" prst="relaxedInset"/>
-      <a:contourClr>
-        <a:schemeClr val="bg1"/>
-      </a:contourClr>
-    </dgm:sp3d>
-    <dgm:txPr/>
-    <dgm:style>
-      <a:lnRef idx="1">
-        <a:scrgbClr r="0" g="0" b="0"/>
-      </a:lnRef>
-      <a:fillRef idx="1">
-        <a:scrgbClr r="0" g="0" b="0"/>
-      </a:fillRef>
-      <a:effectRef idx="2">
-        <a:scrgbClr r="0" g="0" b="0"/>
-      </a:effectRef>
-      <a:fontRef idx="minor"/>
-    </dgm:style>
-  </dgm:styleLbl>
-  <dgm:styleLbl name="conFgAcc1">
-    <dgm:scene3d>
-      <a:camera prst="orthographicFront"/>
-      <a:lightRig rig="threePt" dir="t">
-        <a:rot lat="0" lon="0" rev="7500000"/>
-      </a:lightRig>
-    </dgm:scene3d>
-    <dgm:sp3d z="152400" extrusionH="63500" prstMaterial="dkEdge">
-      <a:bevelT w="135400" h="16350" prst="relaxedInset"/>
-      <a:contourClr>
-        <a:schemeClr val="bg1"/>
-      </a:contourClr>
-    </dgm:sp3d>
-    <dgm:txPr/>
-    <dgm:style>
-      <a:lnRef idx="1">
-        <a:scrgbClr r="0" g="0" b="0"/>
-      </a:lnRef>
-      <a:fillRef idx="1">
-        <a:scrgbClr r="0" g="0" b="0"/>
-      </a:fillRef>
-      <a:effectRef idx="2">
-        <a:scrgbClr r="0" g="0" b="0"/>
-      </a:effectRef>
-      <a:fontRef idx="minor"/>
-    </dgm:style>
-  </dgm:styleLbl>
-  <dgm:styleLbl name="alignAcc1">
-    <dgm:scene3d>
-      <a:camera prst="orthographicFront"/>
-      <a:lightRig rig="threePt" dir="t">
-        <a:rot lat="0" lon="0" rev="7500000"/>
-      </a:lightRig>
-    </dgm:scene3d>
-    <dgm:sp3d extrusionH="190500" prstMaterial="dkEdge">
-      <a:bevelT w="135400" h="16350" prst="relaxedInset"/>
-      <a:contourClr>
-        <a:schemeClr val="bg1"/>
-      </a:contourClr>
-    </dgm:sp3d>
-    <dgm:txPr/>
-    <dgm:style>
-      <a:lnRef idx="1">
-        <a:scrgbClr r="0" g="0" b="0"/>
-      </a:lnRef>
-      <a:fillRef idx="1">
-        <a:scrgbClr r="0" g="0" b="0"/>
-      </a:fillRef>
-      <a:effectRef idx="2">
-        <a:scrgbClr r="0" g="0" b="0"/>
-      </a:effectRef>
-      <a:fontRef idx="minor"/>
-    </dgm:style>
-  </dgm:styleLbl>
-  <dgm:styleLbl name="trAlignAcc1">
-    <dgm:scene3d>
-      <a:camera prst="orthographicFront"/>
-      <a:lightRig rig="threePt" dir="t">
-        <a:rot lat="0" lon="0" rev="7500000"/>
-      </a:lightRig>
-    </dgm:scene3d>
-    <dgm:sp3d prstMaterial="plastic">
-      <a:bevelT w="127000" h="35400"/>
-    </dgm:sp3d>
-    <dgm:txPr/>
-    <dgm:style>
-      <a:lnRef idx="1">
-        <a:scrgbClr r="0" g="0" b="0"/>
-      </a:lnRef>
-      <a:fillRef idx="1">
-        <a:scrgbClr r="0" g="0" b="0"/>
-      </a:fillRef>
-      <a:effectRef idx="2">
-        <a:scrgbClr r="0" g="0" b="0"/>
-      </a:effectRef>
-      <a:fontRef idx="minor">
-        <a:schemeClr val="lt1"/>
-      </a:fontRef>
-    </dgm:style>
-  </dgm:styleLbl>
-  <dgm:styleLbl name="bgAcc1">
-    <dgm:scene3d>
-      <a:camera prst="orthographicFront"/>
-      <a:lightRig rig="threePt" dir="t">
-        <a:rot lat="0" lon="0" rev="7500000"/>
-      </a:lightRig>
-    </dgm:scene3d>
-    <dgm:sp3d z="-152400" extrusionH="63500" prstMaterial="dkEdge">
-      <a:bevelT w="124450" h="16350" prst="relaxedInset"/>
-      <a:contourClr>
-        <a:schemeClr val="bg1"/>
-      </a:contourClr>
-    </dgm:sp3d>
-    <dgm:txPr/>
-    <dgm:style>
-      <a:lnRef idx="1">
-        <a:scrgbClr r="0" g="0" b="0"/>
-      </a:lnRef>
-      <a:fillRef idx="1">
-        <a:scrgbClr r="0" g="0" b="0"/>
-      </a:fillRef>
-      <a:effectRef idx="0">
-        <a:scrgbClr r="0" g="0" b="0"/>
-      </a:effectRef>
-      <a:fontRef idx="minor"/>
-    </dgm:style>
-  </dgm:styleLbl>
-  <dgm:styleLbl name="solidFgAcc1">
-    <dgm:scene3d>
-      <a:camera prst="orthographicFront"/>
-      <a:lightRig rig="threePt" dir="t">
-        <a:rot lat="0" lon="0" rev="7500000"/>
-      </a:lightRig>
-    </dgm:scene3d>
-    <dgm:sp3d z="152400" extrusionH="63500" prstMaterial="dkEdge">
-      <a:bevelT w="120800" h="19050" prst="relaxedInset"/>
-      <a:contourClr>
-        <a:schemeClr val="bg1"/>
-      </a:contourClr>
-    </dgm:sp3d>
-    <dgm:txPr/>
-    <dgm:style>
-      <a:lnRef idx="1">
-        <a:scrgbClr r="0" g="0" b="0"/>
-      </a:lnRef>
-      <a:fillRef idx="1">
-        <a:scrgbClr r="0" g="0" b="0"/>
-      </a:fillRef>
-      <a:effectRef idx="2">
-        <a:scrgbClr r="0" g="0" b="0"/>
-      </a:effectRef>
-      <a:fontRef idx="minor"/>
-    </dgm:style>
-  </dgm:styleLbl>
-  <dgm:styleLbl name="solidAlignAcc1">
-    <dgm:scene3d>
-      <a:camera prst="orthographicFront"/>
-      <a:lightRig rig="threePt" dir="t">
-        <a:rot lat="0" lon="0" rev="7500000"/>
-      </a:lightRig>
-    </dgm:scene3d>
-    <dgm:sp3d extrusionH="190500" prstMaterial="dkEdge">
-      <a:bevelT w="120650" h="38100" prst="relaxedInset"/>
-      <a:contourClr>
-        <a:schemeClr val="bg1"/>
-      </a:contourClr>
-    </dgm:sp3d>
-    <dgm:txPr/>
-    <dgm:style>
-      <a:lnRef idx="1">
-        <a:scrgbClr r="0" g="0" b="0"/>
-      </a:lnRef>
-      <a:fillRef idx="1">
-        <a:scrgbClr r="0" g="0" b="0"/>
-      </a:fillRef>
-      <a:effectRef idx="2">
-        <a:scrgbClr r="0" g="0" b="0"/>
-      </a:effectRef>
-      <a:fontRef idx="minor"/>
-    </dgm:style>
-  </dgm:styleLbl>
-  <dgm:styleLbl name="solidBgAcc1">
-    <dgm:scene3d>
-      <a:camera prst="orthographicFront"/>
-      <a:lightRig rig="threePt" dir="t">
-        <a:rot lat="0" lon="0" rev="7500000"/>
-      </a:lightRig>
-    </dgm:scene3d>
-    <dgm:sp3d z="-152400" extrusionH="63500" prstMaterial="dkEdge">
-      <a:bevelT w="144450" h="36350" prst="relaxedInset"/>
-      <a:contourClr>
-        <a:schemeClr val="bg1"/>
-      </a:contourClr>
-    </dgm:sp3d>
-    <dgm:txPr/>
-    <dgm:style>
-      <a:lnRef idx="1">
-        <a:scrgbClr r="0" g="0" b="0"/>
-      </a:lnRef>
-      <a:fillRef idx="1">
-        <a:scrgbClr r="0" g="0" b="0"/>
-      </a:fillRef>
-      <a:effectRef idx="0">
-        <a:scrgbClr r="0" g="0" b="0"/>
-      </a:effectRef>
-      <a:fontRef idx="minor"/>
-    </dgm:style>
-  </dgm:styleLbl>
-  <dgm:styleLbl name="fgAccFollowNode1">
-    <dgm:scene3d>
-      <a:camera prst="orthographicFront"/>
-      <a:lightRig rig="threePt" dir="t">
-        <a:rot lat="0" lon="0" rev="7500000"/>
-      </a:lightRig>
-    </dgm:scene3d>
-    <dgm:sp3d z="152400" extrusionH="63500" prstMaterial="dkEdge">
-      <a:bevelT w="125400" h="36350" prst="relaxedInset"/>
-      <a:contourClr>
-        <a:schemeClr val="bg1"/>
-      </a:contourClr>
-    </dgm:sp3d>
-    <dgm:txPr/>
-    <dgm:style>
-      <a:lnRef idx="1">
-        <a:scrgbClr r="0" g="0" b="0"/>
-      </a:lnRef>
-      <a:fillRef idx="1">
-        <a:scrgbClr r="0" g="0" b="0"/>
-      </a:fillRef>
-      <a:effectRef idx="0">
-        <a:scrgbClr r="0" g="0" b="0"/>
-      </a:effectRef>
-      <a:fontRef idx="minor"/>
-    </dgm:style>
-  </dgm:styleLbl>
-  <dgm:styleLbl name="alignAccFollowNode1">
-    <dgm:scene3d>
-      <a:camera prst="orthographicFront"/>
-      <a:lightRig rig="threePt" dir="t">
-        <a:rot lat="0" lon="0" rev="7500000"/>
-      </a:lightRig>
-    </dgm:scene3d>
-    <dgm:sp3d extrusionH="190500" prstMaterial="dkEdge">
-      <a:bevelT w="120650" h="38100" prst="relaxedInset"/>
-      <a:bevelB w="120650" h="57150" prst="relaxedInset"/>
-      <a:contourClr>
-        <a:schemeClr val="bg1"/>
-      </a:contourClr>
-    </dgm:sp3d>
-    <dgm:txPr/>
-    <dgm:style>
-      <a:lnRef idx="1">
-        <a:scrgbClr r="0" g="0" b="0"/>
-      </a:lnRef>
-      <a:fillRef idx="1">
-        <a:scrgbClr r="0" g="0" b="0"/>
-      </a:fillRef>
-      <a:effectRef idx="2">
-        <a:scrgbClr r="0" g="0" b="0"/>
-      </a:effectRef>
-      <a:fontRef idx="minor"/>
-    </dgm:style>
-  </dgm:styleLbl>
-  <dgm:styleLbl name="bgAccFollowNode1">
-    <dgm:scene3d>
-      <a:camera prst="orthographicFront"/>
-      <a:lightRig rig="threePt" dir="t">
-        <a:rot lat="0" lon="0" rev="7500000"/>
-      </a:lightRig>
-    </dgm:scene3d>
-    <dgm:sp3d z="-152400" extrusionH="63500" prstMaterial="dkEdge">
-      <a:bevelT w="144450" h="36350" prst="relaxedInset"/>
-      <a:contourClr>
-        <a:schemeClr val="bg1"/>
-      </a:contourClr>
-    </dgm:sp3d>
-    <dgm:txPr/>
-    <dgm:style>
-      <a:lnRef idx="1">
-        <a:scrgbClr r="0" g="0" b="0"/>
-      </a:lnRef>
-      <a:fillRef idx="1">
-        <a:scrgbClr r="0" g="0" b="0"/>
-      </a:fillRef>
-      <a:effectRef idx="2">
-        <a:scrgbClr r="0" g="0" b="0"/>
-      </a:effectRef>
-      <a:fontRef idx="minor"/>
-    </dgm:style>
-  </dgm:styleLbl>
-  <dgm:styleLbl name="fgAcc0">
-    <dgm:scene3d>
-      <a:camera prst="orthographicFront"/>
-      <a:lightRig rig="threePt" dir="t">
-        <a:rot lat="0" lon="0" rev="7500000"/>
-      </a:lightRig>
-    </dgm:scene3d>
-    <dgm:sp3d z="152400" extrusionH="63500" prstMaterial="dkEdge">
-      <a:bevelT w="125400" h="36350" prst="relaxedInset"/>
-      <a:contourClr>
-        <a:schemeClr val="bg1"/>
-      </a:contourClr>
-    </dgm:sp3d>
-    <dgm:txPr/>
-    <dgm:style>
-      <a:lnRef idx="1">
-        <a:scrgbClr r="0" g="0" b="0"/>
-      </a:lnRef>
-      <a:fillRef idx="1">
-        <a:scrgbClr r="0" g="0" b="0"/>
-      </a:fillRef>
-      <a:effectRef idx="2">
-        <a:scrgbClr r="0" g="0" b="0"/>
-      </a:effectRef>
-      <a:fontRef idx="minor"/>
-    </dgm:style>
-  </dgm:styleLbl>
-  <dgm:styleLbl name="fgAcc2">
-    <dgm:scene3d>
-      <a:camera prst="orthographicFront"/>
-      <a:lightRig rig="threePt" dir="t">
-        <a:rot lat="0" lon="0" rev="7500000"/>
-      </a:lightRig>
-    </dgm:scene3d>
-    <dgm:sp3d z="152400" extrusionH="63500" prstMaterial="dkEdge">
-      <a:bevelT w="125400" h="36350" prst="relaxedInset"/>
-      <a:contourClr>
-        <a:schemeClr val="bg1"/>
-      </a:contourClr>
-    </dgm:sp3d>
-    <dgm:txPr/>
-    <dgm:style>
-      <a:lnRef idx="1">
-        <a:scrgbClr r="0" g="0" b="0"/>
-      </a:lnRef>
-      <a:fillRef idx="1">
-        <a:scrgbClr r="0" g="0" b="0"/>
-      </a:fillRef>
-      <a:effectRef idx="2">
-        <a:scrgbClr r="0" g="0" b="0"/>
-      </a:effectRef>
-      <a:fontRef idx="minor"/>
-    </dgm:style>
-  </dgm:styleLbl>
-  <dgm:styleLbl name="fgAcc3">
-    <dgm:scene3d>
-      <a:camera prst="orthographicFront"/>
-      <a:lightRig rig="threePt" dir="t">
-        <a:rot lat="0" lon="0" rev="7500000"/>
-      </a:lightRig>
-    </dgm:scene3d>
-    <dgm:sp3d z="152400" extrusionH="63500" prstMaterial="dkEdge">
-      <a:bevelT w="125400" h="36350" prst="relaxedInset"/>
-      <a:contourClr>
-        <a:schemeClr val="bg1"/>
-      </a:contourClr>
-    </dgm:sp3d>
-    <dgm:txPr/>
-    <dgm:style>
-      <a:lnRef idx="1">
-        <a:scrgbClr r="0" g="0" b="0"/>
-      </a:lnRef>
-      <a:fillRef idx="1">
-        <a:scrgbClr r="0" g="0" b="0"/>
-      </a:fillRef>
-      <a:effectRef idx="2">
-        <a:scrgbClr r="0" g="0" b="0"/>
-      </a:effectRef>
-      <a:fontRef idx="minor"/>
-    </dgm:style>
-  </dgm:styleLbl>
-  <dgm:styleLbl name="fgAcc4">
-    <dgm:scene3d>
-      <a:camera prst="orthographicFront"/>
-      <a:lightRig rig="threePt" dir="t">
-        <a:rot lat="0" lon="0" rev="7500000"/>
-      </a:lightRig>
-    </dgm:scene3d>
-    <dgm:sp3d z="152400" extrusionH="63500" prstMaterial="dkEdge">
-      <a:bevelT w="125400" h="36350" prst="relaxedInset"/>
-      <a:contourClr>
-        <a:schemeClr val="bg1"/>
-      </a:contourClr>
-    </dgm:sp3d>
-    <dgm:txPr/>
-    <dgm:style>
-      <a:lnRef idx="1">
-        <a:scrgbClr r="0" g="0" b="0"/>
-      </a:lnRef>
-      <a:fillRef idx="1">
-        <a:scrgbClr r="0" g="0" b="0"/>
-      </a:fillRef>
-      <a:effectRef idx="2">
-        <a:scrgbClr r="0" g="0" b="0"/>
-      </a:effectRef>
-      <a:fontRef idx="minor"/>
-    </dgm:style>
-  </dgm:styleLbl>
-  <dgm:styleLbl name="bgShp">
-    <dgm:scene3d>
-      <a:camera prst="orthographicFront"/>
-      <a:lightRig rig="threePt" dir="t">
-        <a:rot lat="0" lon="0" rev="7500000"/>
-      </a:lightRig>
-    </dgm:scene3d>
-    <dgm:sp3d z="-152400" extrusionH="63500" prstMaterial="matte">
-      <a:bevelT w="144450" h="6350" prst="relaxedInset"/>
-      <a:contourClr>
-        <a:schemeClr val="bg1"/>
-      </a:contourClr>
-    </dgm:sp3d>
-    <dgm:txPr/>
-    <dgm:style>
-      <a:lnRef idx="0">
-        <a:scrgbClr r="0" g="0" b="0"/>
-      </a:lnRef>
-      <a:fillRef idx="3">
-        <a:scrgbClr r="0" g="0" b="0"/>
-      </a:fillRef>
-      <a:effectRef idx="0">
-        <a:scrgbClr r="0" g="0" b="0"/>
-      </a:effectRef>
-      <a:fontRef idx="minor"/>
-    </dgm:style>
-  </dgm:styleLbl>
-  <dgm:styleLbl name="dkBgShp">
-    <dgm:scene3d>
-      <a:camera prst="orthographicFront"/>
-      <a:lightRig rig="threePt" dir="t">
-        <a:rot lat="0" lon="0" rev="7500000"/>
-      </a:lightRig>
-    </dgm:scene3d>
-    <dgm:sp3d prstMaterial="plastic">
-      <a:bevelT w="127000" h="25400" prst="relaxedInset"/>
-      <a:bevelB w="88900" h="121750" prst="angle"/>
-    </dgm:sp3d>
-    <dgm:txPr/>
-    <dgm:style>
-      <a:lnRef idx="0">
-        <a:scrgbClr r="0" g="0" b="0"/>
-      </a:lnRef>
-      <a:fillRef idx="1">
-        <a:scrgbClr r="0" g="0" b="0"/>
-      </a:fillRef>
-      <a:effectRef idx="2">
-        <a:scrgbClr r="0" g="0" b="0"/>
-      </a:effectRef>
-      <a:fontRef idx="minor">
-        <a:schemeClr val="lt1"/>
-      </a:fontRef>
-    </dgm:style>
-  </dgm:styleLbl>
-  <dgm:styleLbl name="trBgShp">
-    <dgm:scene3d>
-      <a:camera prst="orthographicFront"/>
-      <a:lightRig rig="threePt" dir="t"/>
-    </dgm:scene3d>
-    <dgm:sp3d z="-152400" prstMaterial="matte"/>
-    <dgm:txPr/>
-    <dgm:style>
-      <a:lnRef idx="0">
-        <a:scrgbClr r="0" g="0" b="0"/>
-      </a:lnRef>
-      <a:fillRef idx="1">
-        <a:scrgbClr r="0" g="0" b="0"/>
-      </a:fillRef>
-      <a:effectRef idx="0">
-        <a:scrgbClr r="0" g="0" b="0"/>
-      </a:effectRef>
-      <a:fontRef idx="minor"/>
-    </dgm:style>
-  </dgm:styleLbl>
-  <dgm:styleLbl name="fgShp">
-    <dgm:scene3d>
-      <a:camera prst="orthographicFront"/>
-      <a:lightRig rig="threePt" dir="t">
-        <a:rot lat="0" lon="0" rev="7500000"/>
-      </a:lightRig>
-    </dgm:scene3d>
-    <dgm:sp3d z="152400" extrusionH="63500" prstMaterial="matte">
-      <a:bevelT w="50800" h="19050" prst="relaxedInset"/>
-      <a:contourClr>
-        <a:schemeClr val="bg1"/>
-      </a:contourClr>
-    </dgm:sp3d>
-    <dgm:txPr/>
-    <dgm:style>
-      <a:lnRef idx="0">
-        <a:scrgbClr r="0" g="0" b="0"/>
-      </a:lnRef>
-      <a:fillRef idx="1">
-        <a:scrgbClr r="0" g="0" b="0"/>
-      </a:fillRef>
-      <a:effectRef idx="2">
-        <a:scrgbClr r="0" g="0" b="0"/>
-      </a:effectRef>
-      <a:fontRef idx="minor">
-        <a:schemeClr val="lt1"/>
-      </a:fontRef>
-    </dgm:style>
-  </dgm:styleLbl>
-  <dgm:styleLbl name="revTx">
-    <dgm:scene3d>
-      <a:camera prst="orthographicFront"/>
-      <a:lightRig rig="threePt" dir="t"/>
-    </dgm:scene3d>
-    <dgm:sp3d/>
-    <dgm:txPr/>
-    <dgm:style>
-      <a:lnRef idx="0">
-        <a:scrgbClr r="0" g="0" b="0"/>
-      </a:lnRef>
-      <a:fillRef idx="0">
-        <a:scrgbClr r="0" g="0" b="0"/>
-      </a:fillRef>
-      <a:effectRef idx="0">
-        <a:scrgbClr r="0" g="0" b="0"/>
-      </a:effectRef>
-      <a:fontRef idx="minor"/>
-    </dgm:style>
-  </dgm:styleLbl>
-</dgm:styleDef>
-</file>
-
-<file path=ppt/diagrams/quickStyle3.xml><?xml version="1.0" encoding="utf-8"?>
 <dgm:styleDef xmlns:dgm="http://schemas.openxmlformats.org/drawingml/2006/diagram" xmlns:a="http://schemas.openxmlformats.org/drawingml/2006/main" uniqueId="urn:microsoft.com/office/officeart/2005/8/quickstyle/3d1">
   <dgm:title val=""/>
   <dgm:desc val=""/>
@@ -16262,13 +13403,13 @@
           <p:nvPr>
             <p:extLst>
               <p:ext uri="{D42A27DB-BD31-4B8C-83A1-F6EECF244321}">
-                <p14:modId xmlns:p14="http://schemas.microsoft.com/office/powerpoint/2010/main" val="2996603009"/>
+                <p14:modId xmlns:p14="http://schemas.microsoft.com/office/powerpoint/2010/main" val="3775885784"/>
               </p:ext>
             </p:extLst>
           </p:nvPr>
         </p:nvGraphicFramePr>
         <p:xfrm>
-          <a:off x="-13204" y="961009"/>
+          <a:off x="2389337" y="934115"/>
           <a:ext cx="4502619" cy="3662845"/>
         </p:xfrm>
         <a:graphic>
@@ -16277,302 +13418,6 @@
           </a:graphicData>
         </a:graphic>
       </p:graphicFrame>
-      <p:graphicFrame>
-        <p:nvGraphicFramePr>
-          <p:cNvPr id="13" name="資料庫圖表 12"/>
-          <p:cNvGraphicFramePr/>
-          <p:nvPr>
-            <p:extLst>
-              <p:ext uri="{D42A27DB-BD31-4B8C-83A1-F6EECF244321}">
-                <p14:modId xmlns:p14="http://schemas.microsoft.com/office/powerpoint/2010/main" val="132158332"/>
-              </p:ext>
-            </p:extLst>
-          </p:nvPr>
-        </p:nvGraphicFramePr>
-        <p:xfrm>
-          <a:off x="5440457" y="2107708"/>
-          <a:ext cx="3669632" cy="1405965"/>
-        </p:xfrm>
-        <a:graphic>
-          <a:graphicData uri="http://schemas.openxmlformats.org/drawingml/2006/diagram">
-            <dgm:relIds xmlns:dgm="http://schemas.openxmlformats.org/drawingml/2006/diagram" xmlns:r="http://schemas.openxmlformats.org/officeDocument/2006/relationships" r:dm="rId8" r:lo="rId9" r:qs="rId10" r:cs="rId11"/>
-          </a:graphicData>
-        </a:graphic>
-      </p:graphicFrame>
-      <p:sp>
-        <p:nvSpPr>
-          <p:cNvPr id="12" name="＞形箭號 11"/>
-          <p:cNvSpPr/>
-          <p:nvPr/>
-        </p:nvSpPr>
-        <p:spPr>
-          <a:xfrm>
-            <a:off x="4481217" y="2658292"/>
-            <a:ext cx="304806" cy="292127"/>
-          </a:xfrm>
-          <a:prstGeom prst="chevron">
-            <a:avLst/>
-          </a:prstGeom>
-          <a:solidFill>
-            <a:schemeClr val="bg1"/>
-          </a:solidFill>
-          <a:ln>
-            <a:solidFill>
-              <a:schemeClr val="tx1"/>
-            </a:solidFill>
-          </a:ln>
-          <a:effectLst>
-            <a:outerShdw blurRad="44450" dist="27940" dir="5400000" algn="ctr">
-              <a:srgbClr val="000000">
-                <a:alpha val="32000"/>
-              </a:srgbClr>
-            </a:outerShdw>
-          </a:effectLst>
-          <a:scene3d>
-            <a:camera prst="orthographicFront">
-              <a:rot lat="0" lon="0" rev="0"/>
-            </a:camera>
-            <a:lightRig rig="balanced" dir="t">
-              <a:rot lat="0" lon="0" rev="8700000"/>
-            </a:lightRig>
-          </a:scene3d>
-          <a:sp3d>
-            <a:bevelT w="190500" h="38100"/>
-          </a:sp3d>
-        </p:spPr>
-        <p:style>
-          <a:lnRef idx="2">
-            <a:schemeClr val="accent1">
-              <a:shade val="50000"/>
-            </a:schemeClr>
-          </a:lnRef>
-          <a:fillRef idx="1">
-            <a:schemeClr val="accent1"/>
-          </a:fillRef>
-          <a:effectRef idx="0">
-            <a:schemeClr val="accent1"/>
-          </a:effectRef>
-          <a:fontRef idx="minor">
-            <a:schemeClr val="lt1"/>
-          </a:fontRef>
-        </p:style>
-        <p:txBody>
-          <a:bodyPr rtlCol="0" anchor="ctr"/>
-          <a:lstStyle/>
-          <a:p>
-            <a:pPr algn="ctr"/>
-            <a:endParaRPr lang="zh-TW" altLang="en-US">
-              <a:solidFill>
-                <a:schemeClr val="tx1"/>
-              </a:solidFill>
-            </a:endParaRPr>
-          </a:p>
-        </p:txBody>
-      </p:sp>
-      <p:sp>
-        <p:nvSpPr>
-          <p:cNvPr id="16" name="＞形箭號 15"/>
-          <p:cNvSpPr/>
-          <p:nvPr/>
-        </p:nvSpPr>
-        <p:spPr>
-          <a:xfrm>
-            <a:off x="4786023" y="2658292"/>
-            <a:ext cx="304806" cy="292127"/>
-          </a:xfrm>
-          <a:prstGeom prst="chevron">
-            <a:avLst/>
-          </a:prstGeom>
-          <a:solidFill>
-            <a:schemeClr val="bg1"/>
-          </a:solidFill>
-          <a:ln>
-            <a:solidFill>
-              <a:schemeClr val="tx1"/>
-            </a:solidFill>
-          </a:ln>
-          <a:effectLst>
-            <a:outerShdw blurRad="44450" dist="27940" dir="5400000" algn="ctr">
-              <a:srgbClr val="000000">
-                <a:alpha val="32000"/>
-              </a:srgbClr>
-            </a:outerShdw>
-          </a:effectLst>
-          <a:scene3d>
-            <a:camera prst="orthographicFront">
-              <a:rot lat="0" lon="0" rev="0"/>
-            </a:camera>
-            <a:lightRig rig="balanced" dir="t">
-              <a:rot lat="0" lon="0" rev="8700000"/>
-            </a:lightRig>
-          </a:scene3d>
-          <a:sp3d>
-            <a:bevelT w="190500" h="38100"/>
-          </a:sp3d>
-        </p:spPr>
-        <p:style>
-          <a:lnRef idx="2">
-            <a:schemeClr val="accent1">
-              <a:shade val="50000"/>
-            </a:schemeClr>
-          </a:lnRef>
-          <a:fillRef idx="1">
-            <a:schemeClr val="accent1"/>
-          </a:fillRef>
-          <a:effectRef idx="0">
-            <a:schemeClr val="accent1"/>
-          </a:effectRef>
-          <a:fontRef idx="minor">
-            <a:schemeClr val="lt1"/>
-          </a:fontRef>
-        </p:style>
-        <p:txBody>
-          <a:bodyPr rtlCol="0" anchor="ctr"/>
-          <a:lstStyle/>
-          <a:p>
-            <a:pPr algn="ctr"/>
-            <a:endParaRPr lang="zh-TW" altLang="en-US">
-              <a:solidFill>
-                <a:schemeClr val="tx1"/>
-              </a:solidFill>
-            </a:endParaRPr>
-          </a:p>
-        </p:txBody>
-      </p:sp>
-      <p:sp>
-        <p:nvSpPr>
-          <p:cNvPr id="18" name="＞形箭號 17"/>
-          <p:cNvSpPr/>
-          <p:nvPr/>
-        </p:nvSpPr>
-        <p:spPr>
-          <a:xfrm>
-            <a:off x="5090826" y="2664628"/>
-            <a:ext cx="304806" cy="292127"/>
-          </a:xfrm>
-          <a:prstGeom prst="chevron">
-            <a:avLst/>
-          </a:prstGeom>
-          <a:solidFill>
-            <a:schemeClr val="bg1"/>
-          </a:solidFill>
-          <a:ln>
-            <a:solidFill>
-              <a:schemeClr val="tx1"/>
-            </a:solidFill>
-          </a:ln>
-          <a:effectLst>
-            <a:outerShdw blurRad="44450" dist="27940" dir="5400000" algn="ctr">
-              <a:srgbClr val="000000">
-                <a:alpha val="32000"/>
-              </a:srgbClr>
-            </a:outerShdw>
-          </a:effectLst>
-          <a:scene3d>
-            <a:camera prst="orthographicFront">
-              <a:rot lat="0" lon="0" rev="0"/>
-            </a:camera>
-            <a:lightRig rig="balanced" dir="t">
-              <a:rot lat="0" lon="0" rev="8700000"/>
-            </a:lightRig>
-          </a:scene3d>
-          <a:sp3d>
-            <a:bevelT w="190500" h="38100"/>
-          </a:sp3d>
-        </p:spPr>
-        <p:style>
-          <a:lnRef idx="2">
-            <a:schemeClr val="accent1">
-              <a:shade val="50000"/>
-            </a:schemeClr>
-          </a:lnRef>
-          <a:fillRef idx="1">
-            <a:schemeClr val="accent1"/>
-          </a:fillRef>
-          <a:effectRef idx="0">
-            <a:schemeClr val="accent1"/>
-          </a:effectRef>
-          <a:fontRef idx="minor">
-            <a:schemeClr val="lt1"/>
-          </a:fontRef>
-        </p:style>
-        <p:txBody>
-          <a:bodyPr rtlCol="0" anchor="ctr"/>
-          <a:lstStyle/>
-          <a:p>
-            <a:pPr algn="ctr"/>
-            <a:endParaRPr lang="zh-TW" altLang="en-US">
-              <a:solidFill>
-                <a:schemeClr val="tx1"/>
-              </a:solidFill>
-            </a:endParaRPr>
-          </a:p>
-        </p:txBody>
-      </p:sp>
-      <p:sp>
-        <p:nvSpPr>
-          <p:cNvPr id="15" name="矩形 14"/>
-          <p:cNvSpPr/>
-          <p:nvPr/>
-        </p:nvSpPr>
-        <p:spPr>
-          <a:xfrm>
-            <a:off x="3771850" y="2999622"/>
-            <a:ext cx="2333145" cy="438582"/>
-          </a:xfrm>
-          <a:prstGeom prst="rect">
-            <a:avLst/>
-          </a:prstGeom>
-          <a:noFill/>
-          <a:ln>
-            <a:noFill/>
-          </a:ln>
-        </p:spPr>
-        <p:txBody>
-          <a:bodyPr wrap="square" lIns="91440" tIns="45720" rIns="91440" bIns="45720">
-            <a:spAutoFit/>
-          </a:bodyPr>
-          <a:lstStyle/>
-          <a:p>
-            <a:pPr algn="ctr"/>
-            <a:r>
-              <a:rPr lang="en-US" altLang="zh-TW" sz="2200" b="1" dirty="0" smtClean="0">
-                <a:ln w="1905"/>
-                <a:effectLst>
-                  <a:innerShdw blurRad="69850" dist="43180" dir="5400000">
-                    <a:srgbClr val="000000">
-                      <a:alpha val="65000"/>
-                    </a:srgbClr>
-                  </a:innerShdw>
-                </a:effectLst>
-                <a:latin typeface="Times New Roman" panose="02020603050405020304" pitchFamily="18" charset="0"/>
-                <a:cs typeface="Times New Roman" panose="02020603050405020304" pitchFamily="18" charset="0"/>
-              </a:rPr>
-              <a:t>Implementation</a:t>
-            </a:r>
-            <a:endParaRPr lang="zh-TW" altLang="en-US" sz="2200" b="1" cap="none" spc="0" dirty="0">
-              <a:ln w="18000">
-                <a:solidFill>
-                  <a:schemeClr val="accent2">
-                    <a:satMod val="140000"/>
-                  </a:schemeClr>
-                </a:solidFill>
-                <a:prstDash val="solid"/>
-                <a:miter lim="800000"/>
-              </a:ln>
-              <a:effectLst>
-                <a:outerShdw blurRad="25500" dist="23000" dir="7020000" algn="tl">
-                  <a:srgbClr val="000000">
-                    <a:alpha val="50000"/>
-                  </a:srgbClr>
-                </a:outerShdw>
-              </a:effectLst>
-              <a:latin typeface="Times New Roman" panose="02020603050405020304" pitchFamily="18" charset="0"/>
-              <a:cs typeface="Times New Roman" panose="02020603050405020304" pitchFamily="18" charset="0"/>
-            </a:endParaRPr>
-          </a:p>
-        </p:txBody>
-      </p:sp>
     </p:spTree>
     <p:extLst>
       <p:ext uri="{BB962C8B-B14F-4D97-AF65-F5344CB8AC3E}">
@@ -16699,208 +13544,6 @@
                       </p:childTnLst>
                     </p:cTn>
                   </p:par>
-                  <p:par>
-                    <p:cTn id="12" fill="hold">
-                      <p:stCondLst>
-                        <p:cond delay="indefinite"/>
-                      </p:stCondLst>
-                      <p:childTnLst>
-                        <p:par>
-                          <p:cTn id="13" fill="hold">
-                            <p:stCondLst>
-                              <p:cond delay="0"/>
-                            </p:stCondLst>
-                            <p:childTnLst>
-                              <p:par>
-                                <p:cTn id="14" presetID="10" presetClass="entr" presetSubtype="0" fill="hold" grpId="0" nodeType="clickEffect">
-                                  <p:stCondLst>
-                                    <p:cond delay="0"/>
-                                  </p:stCondLst>
-                                  <p:childTnLst>
-                                    <p:set>
-                                      <p:cBhvr>
-                                        <p:cTn id="15" dur="1" fill="hold">
-                                          <p:stCondLst>
-                                            <p:cond delay="0"/>
-                                          </p:stCondLst>
-                                        </p:cTn>
-                                        <p:tgtEl>
-                                          <p:spTgt spid="12"/>
-                                        </p:tgtEl>
-                                        <p:attrNameLst>
-                                          <p:attrName>style.visibility</p:attrName>
-                                        </p:attrNameLst>
-                                      </p:cBhvr>
-                                      <p:to>
-                                        <p:strVal val="visible"/>
-                                      </p:to>
-                                    </p:set>
-                                    <p:animEffect transition="in" filter="fade">
-                                      <p:cBhvr>
-                                        <p:cTn id="16" dur="500"/>
-                                        <p:tgtEl>
-                                          <p:spTgt spid="12"/>
-                                        </p:tgtEl>
-                                      </p:cBhvr>
-                                    </p:animEffect>
-                                  </p:childTnLst>
-                                </p:cTn>
-                              </p:par>
-                              <p:par>
-                                <p:cTn id="17" presetID="10" presetClass="entr" presetSubtype="0" fill="hold" grpId="0" nodeType="withEffect">
-                                  <p:stCondLst>
-                                    <p:cond delay="0"/>
-                                  </p:stCondLst>
-                                  <p:childTnLst>
-                                    <p:set>
-                                      <p:cBhvr>
-                                        <p:cTn id="18" dur="1" fill="hold">
-                                          <p:stCondLst>
-                                            <p:cond delay="0"/>
-                                          </p:stCondLst>
-                                        </p:cTn>
-                                        <p:tgtEl>
-                                          <p:spTgt spid="15"/>
-                                        </p:tgtEl>
-                                        <p:attrNameLst>
-                                          <p:attrName>style.visibility</p:attrName>
-                                        </p:attrNameLst>
-                                      </p:cBhvr>
-                                      <p:to>
-                                        <p:strVal val="visible"/>
-                                      </p:to>
-                                    </p:set>
-                                    <p:animEffect transition="in" filter="fade">
-                                      <p:cBhvr>
-                                        <p:cTn id="19" dur="500"/>
-                                        <p:tgtEl>
-                                          <p:spTgt spid="15"/>
-                                        </p:tgtEl>
-                                      </p:cBhvr>
-                                    </p:animEffect>
-                                  </p:childTnLst>
-                                </p:cTn>
-                              </p:par>
-                              <p:par>
-                                <p:cTn id="20" presetID="10" presetClass="entr" presetSubtype="0" fill="hold" grpId="0" nodeType="withEffect">
-                                  <p:stCondLst>
-                                    <p:cond delay="0"/>
-                                  </p:stCondLst>
-                                  <p:childTnLst>
-                                    <p:set>
-                                      <p:cBhvr>
-                                        <p:cTn id="21" dur="1" fill="hold">
-                                          <p:stCondLst>
-                                            <p:cond delay="0"/>
-                                          </p:stCondLst>
-                                        </p:cTn>
-                                        <p:tgtEl>
-                                          <p:spTgt spid="16"/>
-                                        </p:tgtEl>
-                                        <p:attrNameLst>
-                                          <p:attrName>style.visibility</p:attrName>
-                                        </p:attrNameLst>
-                                      </p:cBhvr>
-                                      <p:to>
-                                        <p:strVal val="visible"/>
-                                      </p:to>
-                                    </p:set>
-                                    <p:animEffect transition="in" filter="fade">
-                                      <p:cBhvr>
-                                        <p:cTn id="22" dur="500"/>
-                                        <p:tgtEl>
-                                          <p:spTgt spid="16"/>
-                                        </p:tgtEl>
-                                      </p:cBhvr>
-                                    </p:animEffect>
-                                  </p:childTnLst>
-                                </p:cTn>
-                              </p:par>
-                              <p:par>
-                                <p:cTn id="23" presetID="10" presetClass="entr" presetSubtype="0" fill="hold" grpId="0" nodeType="withEffect">
-                                  <p:stCondLst>
-                                    <p:cond delay="0"/>
-                                  </p:stCondLst>
-                                  <p:childTnLst>
-                                    <p:set>
-                                      <p:cBhvr>
-                                        <p:cTn id="24" dur="1" fill="hold">
-                                          <p:stCondLst>
-                                            <p:cond delay="0"/>
-                                          </p:stCondLst>
-                                        </p:cTn>
-                                        <p:tgtEl>
-                                          <p:spTgt spid="18"/>
-                                        </p:tgtEl>
-                                        <p:attrNameLst>
-                                          <p:attrName>style.visibility</p:attrName>
-                                        </p:attrNameLst>
-                                      </p:cBhvr>
-                                      <p:to>
-                                        <p:strVal val="visible"/>
-                                      </p:to>
-                                    </p:set>
-                                    <p:animEffect transition="in" filter="fade">
-                                      <p:cBhvr>
-                                        <p:cTn id="25" dur="500"/>
-                                        <p:tgtEl>
-                                          <p:spTgt spid="18"/>
-                                        </p:tgtEl>
-                                      </p:cBhvr>
-                                    </p:animEffect>
-                                  </p:childTnLst>
-                                </p:cTn>
-                              </p:par>
-                            </p:childTnLst>
-                          </p:cTn>
-                        </p:par>
-                        <p:par>
-                          <p:cTn id="26" fill="hold">
-                            <p:stCondLst>
-                              <p:cond delay="500"/>
-                            </p:stCondLst>
-                            <p:childTnLst>
-                              <p:par>
-                                <p:cTn id="27" presetID="10" presetClass="entr" presetSubtype="0" fill="hold" grpId="0" nodeType="afterEffect">
-                                  <p:stCondLst>
-                                    <p:cond delay="0"/>
-                                  </p:stCondLst>
-                                  <p:childTnLst>
-                                    <p:set>
-                                      <p:cBhvr>
-                                        <p:cTn id="28" dur="1" fill="hold">
-                                          <p:stCondLst>
-                                            <p:cond delay="0"/>
-                                          </p:stCondLst>
-                                        </p:cTn>
-                                        <p:tgtEl>
-                                          <p:spTgt spid="13"/>
-                                        </p:tgtEl>
-                                        <p:attrNameLst>
-                                          <p:attrName>style.visibility</p:attrName>
-                                        </p:attrNameLst>
-                                      </p:cBhvr>
-                                      <p:to>
-                                        <p:strVal val="visible"/>
-                                      </p:to>
-                                    </p:set>
-                                    <p:animEffect transition="in" filter="fade">
-                                      <p:cBhvr>
-                                        <p:cTn id="29" dur="500"/>
-                                        <p:tgtEl>
-                                          <p:spTgt spid="13"/>
-                                        </p:tgtEl>
-                                      </p:cBhvr>
-                                    </p:animEffect>
-                                  </p:childTnLst>
-                                </p:cTn>
-                              </p:par>
-                            </p:childTnLst>
-                          </p:cTn>
-                        </p:par>
-                      </p:childTnLst>
-                    </p:cTn>
-                  </p:par>
                 </p:childTnLst>
               </p:cTn>
               <p:prevCondLst>
@@ -16927,13 +13570,6 @@
       <p:bldGraphic spid="3" grpId="0">
         <p:bldAsOne/>
       </p:bldGraphic>
-      <p:bldGraphic spid="13" grpId="0">
-        <p:bldAsOne/>
-      </p:bldGraphic>
-      <p:bldP spid="12" grpId="0" animBg="1"/>
-      <p:bldP spid="16" grpId="0" animBg="1"/>
-      <p:bldP spid="18" grpId="0" animBg="1"/>
-      <p:bldP spid="15" grpId="0"/>
     </p:bldLst>
   </p:timing>
 </p:sld>
@@ -17026,7 +13662,7 @@
           <p:nvPr>
             <p:extLst>
               <p:ext uri="{D42A27DB-BD31-4B8C-83A1-F6EECF244321}">
-                <p14:modId xmlns:p14="http://schemas.microsoft.com/office/powerpoint/2010/main" val="4189758565"/>
+                <p14:modId xmlns:p14="http://schemas.microsoft.com/office/powerpoint/2010/main" val="735913124"/>
               </p:ext>
             </p:extLst>
           </p:nvPr>
@@ -20560,30 +17196,21 @@
                             </p:childTnLst>
                           </p:cTn>
                         </p:par>
-                      </p:childTnLst>
-                    </p:cTn>
-                  </p:par>
-                  <p:par>
-                    <p:cTn id="38" fill="hold">
-                      <p:stCondLst>
-                        <p:cond delay="indefinite"/>
-                      </p:stCondLst>
-                      <p:childTnLst>
                         <p:par>
-                          <p:cTn id="39" fill="hold">
+                          <p:cTn id="38" fill="hold">
                             <p:stCondLst>
-                              <p:cond delay="0"/>
+                              <p:cond delay="500"/>
                             </p:stCondLst>
                             <p:childTnLst>
                               <p:par>
-                                <p:cTn id="40" presetID="10" presetClass="entr" presetSubtype="0" fill="hold" nodeType="clickEffect">
+                                <p:cTn id="39" presetID="10" presetClass="entr" presetSubtype="0" fill="hold" nodeType="afterEffect">
                                   <p:stCondLst>
                                     <p:cond delay="0"/>
                                   </p:stCondLst>
                                   <p:childTnLst>
                                     <p:set>
                                       <p:cBhvr>
-                                        <p:cTn id="41" dur="1" fill="hold">
+                                        <p:cTn id="40" dur="1" fill="hold">
                                           <p:stCondLst>
                                             <p:cond delay="0"/>
                                           </p:stCondLst>
@@ -20601,7 +17228,7 @@
                                     </p:set>
                                     <p:animEffect transition="in" filter="fade">
                                       <p:cBhvr>
-                                        <p:cTn id="42" dur="500"/>
+                                        <p:cTn id="41" dur="500"/>
                                         <p:tgtEl>
                                           <p:spTgt spid="20"/>
                                         </p:tgtEl>
@@ -20611,14 +17238,14 @@
                                 </p:cTn>
                               </p:par>
                               <p:par>
-                                <p:cTn id="43" presetID="10" presetClass="entr" presetSubtype="0" fill="hold" grpId="0" nodeType="withEffect">
+                                <p:cTn id="42" presetID="10" presetClass="entr" presetSubtype="0" fill="hold" grpId="0" nodeType="withEffect">
                                   <p:stCondLst>
                                     <p:cond delay="0"/>
                                   </p:stCondLst>
                                   <p:childTnLst>
                                     <p:set>
                                       <p:cBhvr>
-                                        <p:cTn id="44" dur="1" fill="hold">
+                                        <p:cTn id="43" dur="1" fill="hold">
                                           <p:stCondLst>
                                             <p:cond delay="0"/>
                                           </p:stCondLst>
@@ -20636,7 +17263,7 @@
                                     </p:set>
                                     <p:animEffect transition="in" filter="fade">
                                       <p:cBhvr>
-                                        <p:cTn id="45" dur="500"/>
+                                        <p:cTn id="44" dur="500"/>
                                         <p:tgtEl>
                                           <p:spTgt spid="30"/>
                                         </p:tgtEl>
@@ -20649,20 +17276,20 @@
                           </p:cTn>
                         </p:par>
                         <p:par>
-                          <p:cTn id="46" fill="hold">
+                          <p:cTn id="45" fill="hold">
                             <p:stCondLst>
-                              <p:cond delay="500"/>
+                              <p:cond delay="1000"/>
                             </p:stCondLst>
                             <p:childTnLst>
                               <p:par>
-                                <p:cTn id="47" presetID="10" presetClass="entr" presetSubtype="0" fill="hold" grpId="0" nodeType="afterEffect">
+                                <p:cTn id="46" presetID="10" presetClass="entr" presetSubtype="0" fill="hold" grpId="0" nodeType="afterEffect">
                                   <p:stCondLst>
                                     <p:cond delay="0"/>
                                   </p:stCondLst>
                                   <p:childTnLst>
                                     <p:set>
                                       <p:cBhvr>
-                                        <p:cTn id="48" dur="1" fill="hold">
+                                        <p:cTn id="47" dur="1" fill="hold">
                                           <p:stCondLst>
                                             <p:cond delay="0"/>
                                           </p:stCondLst>
@@ -20680,7 +17307,7 @@
                                     </p:set>
                                     <p:animEffect transition="in" filter="fade">
                                       <p:cBhvr>
-                                        <p:cTn id="49" dur="250"/>
+                                        <p:cTn id="48" dur="250"/>
                                         <p:tgtEl>
                                           <p:spTgt spid="22"/>
                                         </p:tgtEl>
@@ -20689,24 +17316,15 @@
                                   </p:childTnLst>
                                 </p:cTn>
                               </p:par>
-                            </p:childTnLst>
-                          </p:cTn>
-                        </p:par>
-                        <p:par>
-                          <p:cTn id="50" fill="hold">
-                            <p:stCondLst>
-                              <p:cond delay="750"/>
-                            </p:stCondLst>
-                            <p:childTnLst>
                               <p:par>
-                                <p:cTn id="51" presetID="10" presetClass="entr" presetSubtype="0" fill="hold" grpId="0" nodeType="afterEffect">
+                                <p:cTn id="49" presetID="10" presetClass="entr" presetSubtype="0" fill="hold" grpId="0" nodeType="withEffect">
                                   <p:stCondLst>
                                     <p:cond delay="0"/>
                                   </p:stCondLst>
                                   <p:childTnLst>
                                     <p:set>
                                       <p:cBhvr>
-                                        <p:cTn id="52" dur="1" fill="hold">
+                                        <p:cTn id="50" dur="1" fill="hold">
                                           <p:stCondLst>
                                             <p:cond delay="0"/>
                                           </p:stCondLst>
@@ -20724,7 +17342,7 @@
                                     </p:set>
                                     <p:animEffect transition="in" filter="fade">
                                       <p:cBhvr>
-                                        <p:cTn id="53" dur="250"/>
+                                        <p:cTn id="51" dur="250"/>
                                         <p:tgtEl>
                                           <p:spTgt spid="23"/>
                                         </p:tgtEl>
@@ -20733,24 +17351,15 @@
                                   </p:childTnLst>
                                 </p:cTn>
                               </p:par>
-                            </p:childTnLst>
-                          </p:cTn>
-                        </p:par>
-                        <p:par>
-                          <p:cTn id="54" fill="hold">
-                            <p:stCondLst>
-                              <p:cond delay="1000"/>
-                            </p:stCondLst>
-                            <p:childTnLst>
                               <p:par>
-                                <p:cTn id="55" presetID="10" presetClass="entr" presetSubtype="0" fill="hold" grpId="0" nodeType="afterEffect">
+                                <p:cTn id="52" presetID="10" presetClass="entr" presetSubtype="0" fill="hold" grpId="0" nodeType="withEffect">
                                   <p:stCondLst>
                                     <p:cond delay="0"/>
                                   </p:stCondLst>
                                   <p:childTnLst>
                                     <p:set>
                                       <p:cBhvr>
-                                        <p:cTn id="56" dur="1" fill="hold">
+                                        <p:cTn id="53" dur="1" fill="hold">
                                           <p:stCondLst>
                                             <p:cond delay="0"/>
                                           </p:stCondLst>
@@ -20768,7 +17377,7 @@
                                     </p:set>
                                     <p:animEffect transition="in" filter="fade">
                                       <p:cBhvr>
-                                        <p:cTn id="57" dur="250"/>
+                                        <p:cTn id="54" dur="250"/>
                                         <p:tgtEl>
                                           <p:spTgt spid="24"/>
                                         </p:tgtEl>
@@ -20777,24 +17386,15 @@
                                   </p:childTnLst>
                                 </p:cTn>
                               </p:par>
-                            </p:childTnLst>
-                          </p:cTn>
-                        </p:par>
-                        <p:par>
-                          <p:cTn id="58" fill="hold">
-                            <p:stCondLst>
-                              <p:cond delay="1250"/>
-                            </p:stCondLst>
-                            <p:childTnLst>
                               <p:par>
-                                <p:cTn id="59" presetID="10" presetClass="entr" presetSubtype="0" fill="hold" grpId="0" nodeType="afterEffect">
+                                <p:cTn id="55" presetID="10" presetClass="entr" presetSubtype="0" fill="hold" grpId="0" nodeType="withEffect">
                                   <p:stCondLst>
                                     <p:cond delay="0"/>
                                   </p:stCondLst>
                                   <p:childTnLst>
                                     <p:set>
                                       <p:cBhvr>
-                                        <p:cTn id="60" dur="1" fill="hold">
+                                        <p:cTn id="56" dur="1" fill="hold">
                                           <p:stCondLst>
                                             <p:cond delay="0"/>
                                           </p:stCondLst>
@@ -20812,7 +17412,7 @@
                                     </p:set>
                                     <p:animEffect transition="in" filter="fade">
                                       <p:cBhvr>
-                                        <p:cTn id="61" dur="250"/>
+                                        <p:cTn id="57" dur="250"/>
                                         <p:tgtEl>
                                           <p:spTgt spid="25"/>
                                         </p:tgtEl>
@@ -20821,24 +17421,15 @@
                                   </p:childTnLst>
                                 </p:cTn>
                               </p:par>
-                            </p:childTnLst>
-                          </p:cTn>
-                        </p:par>
-                        <p:par>
-                          <p:cTn id="62" fill="hold">
-                            <p:stCondLst>
-                              <p:cond delay="1500"/>
-                            </p:stCondLst>
-                            <p:childTnLst>
                               <p:par>
-                                <p:cTn id="63" presetID="10" presetClass="entr" presetSubtype="0" fill="hold" grpId="0" nodeType="afterEffect">
+                                <p:cTn id="58" presetID="10" presetClass="entr" presetSubtype="0" fill="hold" grpId="0" nodeType="withEffect">
                                   <p:stCondLst>
                                     <p:cond delay="0"/>
                                   </p:stCondLst>
                                   <p:childTnLst>
                                     <p:set>
                                       <p:cBhvr>
-                                        <p:cTn id="64" dur="1" fill="hold">
+                                        <p:cTn id="59" dur="1" fill="hold">
                                           <p:stCondLst>
                                             <p:cond delay="0"/>
                                           </p:stCondLst>
@@ -20856,7 +17447,7 @@
                                     </p:set>
                                     <p:animEffect transition="in" filter="fade">
                                       <p:cBhvr>
-                                        <p:cTn id="65" dur="250"/>
+                                        <p:cTn id="60" dur="250"/>
                                         <p:tgtEl>
                                           <p:spTgt spid="26"/>
                                         </p:tgtEl>
@@ -20865,24 +17456,15 @@
                                   </p:childTnLst>
                                 </p:cTn>
                               </p:par>
-                            </p:childTnLst>
-                          </p:cTn>
-                        </p:par>
-                        <p:par>
-                          <p:cTn id="66" fill="hold">
-                            <p:stCondLst>
-                              <p:cond delay="1750"/>
-                            </p:stCondLst>
-                            <p:childTnLst>
                               <p:par>
-                                <p:cTn id="67" presetID="10" presetClass="entr" presetSubtype="0" fill="hold" grpId="0" nodeType="afterEffect">
+                                <p:cTn id="61" presetID="10" presetClass="entr" presetSubtype="0" fill="hold" grpId="0" nodeType="withEffect">
                                   <p:stCondLst>
                                     <p:cond delay="0"/>
                                   </p:stCondLst>
                                   <p:childTnLst>
                                     <p:set>
                                       <p:cBhvr>
-                                        <p:cTn id="68" dur="1" fill="hold">
+                                        <p:cTn id="62" dur="1" fill="hold">
                                           <p:stCondLst>
                                             <p:cond delay="0"/>
                                           </p:stCondLst>
@@ -20900,7 +17482,7 @@
                                     </p:set>
                                     <p:animEffect transition="in" filter="fade">
                                       <p:cBhvr>
-                                        <p:cTn id="69" dur="250"/>
+                                        <p:cTn id="63" dur="250"/>
                                         <p:tgtEl>
                                           <p:spTgt spid="27"/>
                                         </p:tgtEl>
@@ -20913,20 +17495,20 @@
                           </p:cTn>
                         </p:par>
                         <p:par>
-                          <p:cTn id="70" fill="hold">
+                          <p:cTn id="64" fill="hold">
                             <p:stCondLst>
-                              <p:cond delay="2000"/>
+                              <p:cond delay="1250"/>
                             </p:stCondLst>
                             <p:childTnLst>
                               <p:par>
-                                <p:cTn id="71" presetID="10" presetClass="entr" presetSubtype="0" fill="hold" grpId="0" nodeType="afterEffect">
+                                <p:cTn id="65" presetID="10" presetClass="entr" presetSubtype="0" fill="hold" grpId="0" nodeType="afterEffect">
                                   <p:stCondLst>
                                     <p:cond delay="0"/>
                                   </p:stCondLst>
                                   <p:childTnLst>
                                     <p:set>
                                       <p:cBhvr>
-                                        <p:cTn id="72" dur="1" fill="hold">
+                                        <p:cTn id="66" dur="1" fill="hold">
                                           <p:stCondLst>
                                             <p:cond delay="0"/>
                                           </p:stCondLst>
@@ -20944,7 +17526,7 @@
                                     </p:set>
                                     <p:animEffect transition="in" filter="fade">
                                       <p:cBhvr>
-                                        <p:cTn id="73" dur="500"/>
+                                        <p:cTn id="67" dur="500"/>
                                         <p:tgtEl>
                                           <p:spTgt spid="8"/>
                                         </p:tgtEl>
@@ -20954,14 +17536,14 @@
                                 </p:cTn>
                               </p:par>
                               <p:par>
-                                <p:cTn id="74" presetID="10" presetClass="entr" presetSubtype="0" fill="hold" nodeType="withEffect">
+                                <p:cTn id="68" presetID="10" presetClass="entr" presetSubtype="0" fill="hold" nodeType="withEffect">
                                   <p:stCondLst>
                                     <p:cond delay="0"/>
                                   </p:stCondLst>
                                   <p:childTnLst>
                                     <p:set>
                                       <p:cBhvr>
-                                        <p:cTn id="75" dur="1" fill="hold">
+                                        <p:cTn id="69" dur="1" fill="hold">
                                           <p:stCondLst>
                                             <p:cond delay="0"/>
                                           </p:stCondLst>
@@ -20979,7 +17561,7 @@
                                     </p:set>
                                     <p:animEffect transition="in" filter="fade">
                                       <p:cBhvr>
-                                        <p:cTn id="76" dur="500"/>
+                                        <p:cTn id="70" dur="500"/>
                                         <p:tgtEl>
                                           <p:spTgt spid="21"/>
                                         </p:tgtEl>
@@ -20989,14 +17571,14 @@
                                 </p:cTn>
                               </p:par>
                               <p:par>
-                                <p:cTn id="77" presetID="10" presetClass="entr" presetSubtype="0" fill="hold" grpId="0" nodeType="withEffect">
+                                <p:cTn id="71" presetID="10" presetClass="entr" presetSubtype="0" fill="hold" grpId="0" nodeType="withEffect">
                                   <p:stCondLst>
                                     <p:cond delay="0"/>
                                   </p:stCondLst>
                                   <p:childTnLst>
                                     <p:set>
                                       <p:cBhvr>
-                                        <p:cTn id="78" dur="1" fill="hold">
+                                        <p:cTn id="72" dur="1" fill="hold">
                                           <p:stCondLst>
                                             <p:cond delay="0"/>
                                           </p:stCondLst>
@@ -21014,7 +17596,7 @@
                                     </p:set>
                                     <p:animEffect transition="in" filter="fade">
                                       <p:cBhvr>
-                                        <p:cTn id="79" dur="500"/>
+                                        <p:cTn id="73" dur="500"/>
                                         <p:tgtEl>
                                           <p:spTgt spid="31"/>
                                         </p:tgtEl>
@@ -21027,20 +17609,20 @@
                           </p:cTn>
                         </p:par>
                         <p:par>
-                          <p:cTn id="80" fill="hold">
+                          <p:cTn id="74" fill="hold">
                             <p:stCondLst>
-                              <p:cond delay="2500"/>
+                              <p:cond delay="1750"/>
                             </p:stCondLst>
                             <p:childTnLst>
                               <p:par>
-                                <p:cTn id="81" presetID="10" presetClass="entr" presetSubtype="0" fill="hold" grpId="0" nodeType="afterEffect">
+                                <p:cTn id="75" presetID="10" presetClass="entr" presetSubtype="0" fill="hold" grpId="0" nodeType="afterEffect">
                                   <p:stCondLst>
                                     <p:cond delay="0"/>
                                   </p:stCondLst>
                                   <p:childTnLst>
                                     <p:set>
                                       <p:cBhvr>
-                                        <p:cTn id="82" dur="1" fill="hold">
+                                        <p:cTn id="76" dur="1" fill="hold">
                                           <p:stCondLst>
                                             <p:cond delay="0"/>
                                           </p:stCondLst>
@@ -21058,7 +17640,7 @@
                                     </p:set>
                                     <p:animEffect transition="in" filter="fade">
                                       <p:cBhvr>
-                                        <p:cTn id="83" dur="500"/>
+                                        <p:cTn id="77" dur="500"/>
                                         <p:tgtEl>
                                           <p:spTgt spid="32"/>
                                         </p:tgtEl>
@@ -21070,30 +17652,21 @@
                             </p:childTnLst>
                           </p:cTn>
                         </p:par>
-                      </p:childTnLst>
-                    </p:cTn>
-                  </p:par>
-                  <p:par>
-                    <p:cTn id="84" fill="hold">
-                      <p:stCondLst>
-                        <p:cond delay="indefinite"/>
-                      </p:stCondLst>
-                      <p:childTnLst>
                         <p:par>
-                          <p:cTn id="85" fill="hold">
+                          <p:cTn id="78" fill="hold">
                             <p:stCondLst>
-                              <p:cond delay="0"/>
+                              <p:cond delay="2250"/>
                             </p:stCondLst>
                             <p:childTnLst>
                               <p:par>
-                                <p:cTn id="86" presetID="10" presetClass="entr" presetSubtype="0" fill="hold" grpId="0" nodeType="clickEffect">
+                                <p:cTn id="79" presetID="10" presetClass="entr" presetSubtype="0" fill="hold" grpId="0" nodeType="afterEffect">
                                   <p:stCondLst>
                                     <p:cond delay="0"/>
                                   </p:stCondLst>
                                   <p:childTnLst>
                                     <p:set>
                                       <p:cBhvr>
-                                        <p:cTn id="87" dur="1" fill="hold">
+                                        <p:cTn id="80" dur="1" fill="hold">
                                           <p:stCondLst>
                                             <p:cond delay="0"/>
                                           </p:stCondLst>
@@ -21111,7 +17684,7 @@
                                     </p:set>
                                     <p:animEffect transition="in" filter="fade">
                                       <p:cBhvr>
-                                        <p:cTn id="88" dur="500"/>
+                                        <p:cTn id="81" dur="500"/>
                                         <p:tgtEl>
                                           <p:spTgt spid="93"/>
                                         </p:tgtEl>
@@ -21121,14 +17694,14 @@
                                 </p:cTn>
                               </p:par>
                               <p:par>
-                                <p:cTn id="89" presetID="10" presetClass="entr" presetSubtype="0" fill="hold" grpId="0" nodeType="withEffect">
+                                <p:cTn id="82" presetID="10" presetClass="entr" presetSubtype="0" fill="hold" grpId="0" nodeType="withEffect">
                                   <p:stCondLst>
                                     <p:cond delay="0"/>
                                   </p:stCondLst>
                                   <p:childTnLst>
                                     <p:set>
                                       <p:cBhvr>
-                                        <p:cTn id="90" dur="1" fill="hold">
+                                        <p:cTn id="83" dur="1" fill="hold">
                                           <p:stCondLst>
                                             <p:cond delay="0"/>
                                           </p:stCondLst>
@@ -21146,7 +17719,7 @@
                                     </p:set>
                                     <p:animEffect transition="in" filter="fade">
                                       <p:cBhvr>
-                                        <p:cTn id="91" dur="500"/>
+                                        <p:cTn id="84" dur="500"/>
                                         <p:tgtEl>
                                           <p:spTgt spid="98"/>
                                         </p:tgtEl>
@@ -21156,14 +17729,14 @@
                                 </p:cTn>
                               </p:par>
                               <p:par>
-                                <p:cTn id="92" presetID="10" presetClass="entr" presetSubtype="0" fill="hold" nodeType="withEffect">
+                                <p:cTn id="85" presetID="10" presetClass="entr" presetSubtype="0" fill="hold" nodeType="withEffect">
                                   <p:stCondLst>
                                     <p:cond delay="0"/>
                                   </p:stCondLst>
                                   <p:childTnLst>
                                     <p:set>
                                       <p:cBhvr>
-                                        <p:cTn id="93" dur="1" fill="hold">
+                                        <p:cTn id="86" dur="1" fill="hold">
                                           <p:stCondLst>
                                             <p:cond delay="0"/>
                                           </p:stCondLst>
@@ -21181,7 +17754,7 @@
                                     </p:set>
                                     <p:animEffect transition="in" filter="fade">
                                       <p:cBhvr>
-                                        <p:cTn id="94" dur="500"/>
+                                        <p:cTn id="87" dur="500"/>
                                         <p:tgtEl>
                                           <p:spTgt spid="96"/>
                                         </p:tgtEl>
@@ -21191,14 +17764,14 @@
                                 </p:cTn>
                               </p:par>
                               <p:par>
-                                <p:cTn id="95" presetID="10" presetClass="entr" presetSubtype="0" fill="hold" nodeType="withEffect">
+                                <p:cTn id="88" presetID="10" presetClass="entr" presetSubtype="0" fill="hold" nodeType="withEffect">
                                   <p:stCondLst>
                                     <p:cond delay="0"/>
                                   </p:stCondLst>
                                   <p:childTnLst>
                                     <p:set>
                                       <p:cBhvr>
-                                        <p:cTn id="96" dur="1" fill="hold">
+                                        <p:cTn id="89" dur="1" fill="hold">
                                           <p:stCondLst>
                                             <p:cond delay="0"/>
                                           </p:stCondLst>
@@ -21216,7 +17789,7 @@
                                     </p:set>
                                     <p:animEffect transition="in" filter="fade">
                                       <p:cBhvr>
-                                        <p:cTn id="97" dur="500"/>
+                                        <p:cTn id="90" dur="500"/>
                                         <p:tgtEl>
                                           <p:spTgt spid="95"/>
                                         </p:tgtEl>
@@ -21226,14 +17799,14 @@
                                 </p:cTn>
                               </p:par>
                               <p:par>
-                                <p:cTn id="98" presetID="10" presetClass="entr" presetSubtype="0" fill="hold" nodeType="withEffect">
+                                <p:cTn id="91" presetID="10" presetClass="entr" presetSubtype="0" fill="hold" nodeType="withEffect">
                                   <p:stCondLst>
                                     <p:cond delay="0"/>
                                   </p:stCondLst>
                                   <p:childTnLst>
                                     <p:set>
                                       <p:cBhvr>
-                                        <p:cTn id="99" dur="1" fill="hold">
+                                        <p:cTn id="92" dur="1" fill="hold">
                                           <p:stCondLst>
                                             <p:cond delay="0"/>
                                           </p:stCondLst>
@@ -21251,7 +17824,7 @@
                                     </p:set>
                                     <p:animEffect transition="in" filter="fade">
                                       <p:cBhvr>
-                                        <p:cTn id="100" dur="500"/>
+                                        <p:cTn id="93" dur="500"/>
                                         <p:tgtEl>
                                           <p:spTgt spid="97"/>
                                         </p:tgtEl>
@@ -21261,14 +17834,14 @@
                                 </p:cTn>
                               </p:par>
                               <p:par>
-                                <p:cTn id="101" presetID="10" presetClass="entr" presetSubtype="0" fill="hold" nodeType="withEffect">
+                                <p:cTn id="94" presetID="10" presetClass="entr" presetSubtype="0" fill="hold" nodeType="withEffect">
                                   <p:stCondLst>
                                     <p:cond delay="0"/>
                                   </p:stCondLst>
                                   <p:childTnLst>
                                     <p:set>
                                       <p:cBhvr>
-                                        <p:cTn id="102" dur="1" fill="hold">
+                                        <p:cTn id="95" dur="1" fill="hold">
                                           <p:stCondLst>
                                             <p:cond delay="0"/>
                                           </p:stCondLst>
@@ -21286,7 +17859,7 @@
                                     </p:set>
                                     <p:animEffect transition="in" filter="fade">
                                       <p:cBhvr>
-                                        <p:cTn id="103" dur="500"/>
+                                        <p:cTn id="96" dur="500"/>
                                         <p:tgtEl>
                                           <p:spTgt spid="42"/>
                                         </p:tgtEl>
@@ -21296,14 +17869,14 @@
                                 </p:cTn>
                               </p:par>
                               <p:par>
-                                <p:cTn id="104" presetID="10" presetClass="entr" presetSubtype="0" fill="hold" grpId="0" nodeType="withEffect">
+                                <p:cTn id="97" presetID="10" presetClass="entr" presetSubtype="0" fill="hold" grpId="0" nodeType="withEffect">
                                   <p:stCondLst>
                                     <p:cond delay="0"/>
                                   </p:stCondLst>
                                   <p:childTnLst>
                                     <p:set>
                                       <p:cBhvr>
-                                        <p:cTn id="105" dur="1" fill="hold">
+                                        <p:cTn id="98" dur="1" fill="hold">
                                           <p:stCondLst>
                                             <p:cond delay="0"/>
                                           </p:stCondLst>
@@ -21321,7 +17894,7 @@
                                     </p:set>
                                     <p:animEffect transition="in" filter="fade">
                                       <p:cBhvr>
-                                        <p:cTn id="106" dur="500"/>
+                                        <p:cTn id="99" dur="500"/>
                                         <p:tgtEl>
                                           <p:spTgt spid="54"/>
                                         </p:tgtEl>
@@ -21331,14 +17904,14 @@
                                 </p:cTn>
                               </p:par>
                               <p:par>
-                                <p:cTn id="107" presetID="10" presetClass="entr" presetSubtype="0" fill="hold" nodeType="withEffect">
+                                <p:cTn id="100" presetID="10" presetClass="entr" presetSubtype="0" fill="hold" nodeType="withEffect">
                                   <p:stCondLst>
                                     <p:cond delay="0"/>
                                   </p:stCondLst>
                                   <p:childTnLst>
                                     <p:set>
                                       <p:cBhvr>
-                                        <p:cTn id="108" dur="1" fill="hold">
+                                        <p:cTn id="101" dur="1" fill="hold">
                                           <p:stCondLst>
                                             <p:cond delay="0"/>
                                           </p:stCondLst>
@@ -21356,7 +17929,7 @@
                                     </p:set>
                                     <p:animEffect transition="in" filter="fade">
                                       <p:cBhvr>
-                                        <p:cTn id="109" dur="500"/>
+                                        <p:cTn id="102" dur="500"/>
                                         <p:tgtEl>
                                           <p:spTgt spid="43"/>
                                         </p:tgtEl>
@@ -21366,14 +17939,14 @@
                                 </p:cTn>
                               </p:par>
                               <p:par>
-                                <p:cTn id="110" presetID="10" presetClass="entr" presetSubtype="0" fill="hold" grpId="0" nodeType="withEffect">
+                                <p:cTn id="103" presetID="10" presetClass="entr" presetSubtype="0" fill="hold" grpId="0" nodeType="withEffect">
                                   <p:stCondLst>
                                     <p:cond delay="0"/>
                                   </p:stCondLst>
                                   <p:childTnLst>
                                     <p:set>
                                       <p:cBhvr>
-                                        <p:cTn id="111" dur="1" fill="hold">
+                                        <p:cTn id="104" dur="1" fill="hold">
                                           <p:stCondLst>
                                             <p:cond delay="0"/>
                                           </p:stCondLst>
@@ -21391,7 +17964,7 @@
                                     </p:set>
                                     <p:animEffect transition="in" filter="fade">
                                       <p:cBhvr>
-                                        <p:cTn id="112" dur="500"/>
+                                        <p:cTn id="105" dur="500"/>
                                         <p:tgtEl>
                                           <p:spTgt spid="94"/>
                                         </p:tgtEl>
@@ -21401,14 +17974,14 @@
                                 </p:cTn>
                               </p:par>
                               <p:par>
-                                <p:cTn id="113" presetID="10" presetClass="entr" presetSubtype="0" fill="hold" grpId="0" nodeType="withEffect">
+                                <p:cTn id="106" presetID="10" presetClass="entr" presetSubtype="0" fill="hold" grpId="0" nodeType="withEffect">
                                   <p:stCondLst>
                                     <p:cond delay="0"/>
                                   </p:stCondLst>
                                   <p:childTnLst>
                                     <p:set>
                                       <p:cBhvr>
-                                        <p:cTn id="114" dur="1" fill="hold">
+                                        <p:cTn id="107" dur="1" fill="hold">
                                           <p:stCondLst>
                                             <p:cond delay="0"/>
                                           </p:stCondLst>
@@ -21426,9 +17999,88 @@
                                     </p:set>
                                     <p:animEffect transition="in" filter="fade">
                                       <p:cBhvr>
+                                        <p:cTn id="108" dur="500"/>
+                                        <p:tgtEl>
+                                          <p:spTgt spid="41"/>
+                                        </p:tgtEl>
+                                      </p:cBhvr>
+                                    </p:animEffect>
+                                  </p:childTnLst>
+                                </p:cTn>
+                              </p:par>
+                              <p:par>
+                                <p:cTn id="109" presetID="10" presetClass="entr" presetSubtype="0" fill="hold" grpId="0" nodeType="withEffect">
+                                  <p:stCondLst>
+                                    <p:cond delay="0"/>
+                                  </p:stCondLst>
+                                  <p:childTnLst>
+                                    <p:set>
+                                      <p:cBhvr>
+                                        <p:cTn id="110" dur="1" fill="hold">
+                                          <p:stCondLst>
+                                            <p:cond delay="0"/>
+                                          </p:stCondLst>
+                                        </p:cTn>
+                                        <p:tgtEl>
+                                          <p:spTgt spid="44"/>
+                                        </p:tgtEl>
+                                        <p:attrNameLst>
+                                          <p:attrName>style.visibility</p:attrName>
+                                        </p:attrNameLst>
+                                      </p:cBhvr>
+                                      <p:to>
+                                        <p:strVal val="visible"/>
+                                      </p:to>
+                                    </p:set>
+                                    <p:animEffect transition="in" filter="fade">
+                                      <p:cBhvr>
+                                        <p:cTn id="111" dur="500"/>
+                                        <p:tgtEl>
+                                          <p:spTgt spid="44"/>
+                                        </p:tgtEl>
+                                      </p:cBhvr>
+                                    </p:animEffect>
+                                  </p:childTnLst>
+                                </p:cTn>
+                              </p:par>
+                            </p:childTnLst>
+                          </p:cTn>
+                        </p:par>
+                        <p:par>
+                          <p:cTn id="112" fill="hold">
+                            <p:stCondLst>
+                              <p:cond delay="2750"/>
+                            </p:stCondLst>
+                            <p:childTnLst>
+                              <p:par>
+                                <p:cTn id="113" presetID="10" presetClass="entr" presetSubtype="0" fill="hold" nodeType="afterEffect">
+                                  <p:stCondLst>
+                                    <p:cond delay="0"/>
+                                  </p:stCondLst>
+                                  <p:childTnLst>
+                                    <p:set>
+                                      <p:cBhvr>
+                                        <p:cTn id="114" dur="1" fill="hold">
+                                          <p:stCondLst>
+                                            <p:cond delay="0"/>
+                                          </p:stCondLst>
+                                        </p:cTn>
+                                        <p:tgtEl>
+                                          <p:spTgt spid="46"/>
+                                        </p:tgtEl>
+                                        <p:attrNameLst>
+                                          <p:attrName>style.visibility</p:attrName>
+                                        </p:attrNameLst>
+                                      </p:cBhvr>
+                                      <p:to>
+                                        <p:strVal val="visible"/>
+                                      </p:to>
+                                    </p:set>
+                                    <p:animEffect transition="in" filter="fade">
+                                      <p:cBhvr>
                                         <p:cTn id="115" dur="500"/>
                                         <p:tgtEl>
-                                          <p:spTgt spid="41"/>
+                                          <p:spTgt spid="46"/>
                                         </p:tgtEl>
                                       </p:cBhvr>
                                     </p:animEffect>
@@ -21449,7 +18101,7 @@
                                           </p:stCondLst>
                                         </p:cTn>
                                         <p:tgtEl>
-                                          <p:spTgt spid="44"/>
+                                          <p:spTgt spid="57"/>
                                         </p:tgtEl>
                                         <p:attrNameLst>
                                           <p:attrName>style.visibility</p:attrName>
@@ -21463,94 +18115,6 @@
                                       <p:cBhvr>
                                         <p:cTn id="118" dur="500"/>
                                         <p:tgtEl>
-                                          <p:spTgt spid="44"/>
-                                        </p:tgtEl>
-                                      </p:cBhvr>
-                                    </p:animEffect>
-                                  </p:childTnLst>
-                                </p:cTn>
-                              </p:par>
-                            </p:childTnLst>
-                          </p:cTn>
-                        </p:par>
-                      </p:childTnLst>
-                    </p:cTn>
-                  </p:par>
-                  <p:par>
-                    <p:cTn id="119" fill="hold">
-                      <p:stCondLst>
-                        <p:cond delay="indefinite"/>
-                      </p:stCondLst>
-                      <p:childTnLst>
-                        <p:par>
-                          <p:cTn id="120" fill="hold">
-                            <p:stCondLst>
-                              <p:cond delay="0"/>
-                            </p:stCondLst>
-                            <p:childTnLst>
-                              <p:par>
-                                <p:cTn id="121" presetID="10" presetClass="entr" presetSubtype="0" fill="hold" nodeType="clickEffect">
-                                  <p:stCondLst>
-                                    <p:cond delay="0"/>
-                                  </p:stCondLst>
-                                  <p:childTnLst>
-                                    <p:set>
-                                      <p:cBhvr>
-                                        <p:cTn id="122" dur="1" fill="hold">
-                                          <p:stCondLst>
-                                            <p:cond delay="0"/>
-                                          </p:stCondLst>
-                                        </p:cTn>
-                                        <p:tgtEl>
-                                          <p:spTgt spid="46"/>
-                                        </p:tgtEl>
-                                        <p:attrNameLst>
-                                          <p:attrName>style.visibility</p:attrName>
-                                        </p:attrNameLst>
-                                      </p:cBhvr>
-                                      <p:to>
-                                        <p:strVal val="visible"/>
-                                      </p:to>
-                                    </p:set>
-                                    <p:animEffect transition="in" filter="fade">
-                                      <p:cBhvr>
-                                        <p:cTn id="123" dur="500"/>
-                                        <p:tgtEl>
-                                          <p:spTgt spid="46"/>
-                                        </p:tgtEl>
-                                      </p:cBhvr>
-                                    </p:animEffect>
-                                  </p:childTnLst>
-                                </p:cTn>
-                              </p:par>
-                              <p:par>
-                                <p:cTn id="124" presetID="10" presetClass="entr" presetSubtype="0" fill="hold" grpId="0" nodeType="withEffect">
-                                  <p:stCondLst>
-                                    <p:cond delay="0"/>
-                                  </p:stCondLst>
-                                  <p:childTnLst>
-                                    <p:set>
-                                      <p:cBhvr>
-                                        <p:cTn id="125" dur="1" fill="hold">
-                                          <p:stCondLst>
-                                            <p:cond delay="0"/>
-                                          </p:stCondLst>
-                                        </p:cTn>
-                                        <p:tgtEl>
-                                          <p:spTgt spid="57"/>
-                                        </p:tgtEl>
-                                        <p:attrNameLst>
-                                          <p:attrName>style.visibility</p:attrName>
-                                        </p:attrNameLst>
-                                      </p:cBhvr>
-                                      <p:to>
-                                        <p:strVal val="visible"/>
-                                      </p:to>
-                                    </p:set>
-                                    <p:animEffect transition="in" filter="fade">
-                                      <p:cBhvr>
-                                        <p:cTn id="126" dur="500"/>
-                                        <p:tgtEl>
                                           <p:spTgt spid="57"/>
                                         </p:tgtEl>
                                       </p:cBhvr>
@@ -21562,20 +18126,20 @@
                           </p:cTn>
                         </p:par>
                         <p:par>
-                          <p:cTn id="127" fill="hold">
+                          <p:cTn id="119" fill="hold">
                             <p:stCondLst>
-                              <p:cond delay="500"/>
+                              <p:cond delay="3250"/>
                             </p:stCondLst>
                             <p:childTnLst>
                               <p:par>
-                                <p:cTn id="128" presetID="10" presetClass="entr" presetSubtype="0" fill="hold" grpId="0" nodeType="afterEffect">
+                                <p:cTn id="120" presetID="10" presetClass="entr" presetSubtype="0" fill="hold" grpId="0" nodeType="afterEffect">
                                   <p:stCondLst>
                                     <p:cond delay="0"/>
                                   </p:stCondLst>
                                   <p:childTnLst>
                                     <p:set>
                                       <p:cBhvr>
-                                        <p:cTn id="129" dur="1" fill="hold">
+                                        <p:cTn id="121" dur="1" fill="hold">
                                           <p:stCondLst>
                                             <p:cond delay="0"/>
                                           </p:stCondLst>
@@ -21593,7 +18157,7 @@
                                     </p:set>
                                     <p:animEffect transition="in" filter="fade">
                                       <p:cBhvr>
-                                        <p:cTn id="130" dur="250"/>
+                                        <p:cTn id="122" dur="250"/>
                                         <p:tgtEl>
                                           <p:spTgt spid="52"/>
                                         </p:tgtEl>
@@ -21602,24 +18166,15 @@
                                   </p:childTnLst>
                                 </p:cTn>
                               </p:par>
-                            </p:childTnLst>
-                          </p:cTn>
-                        </p:par>
-                        <p:par>
-                          <p:cTn id="131" fill="hold">
-                            <p:stCondLst>
-                              <p:cond delay="750"/>
-                            </p:stCondLst>
-                            <p:childTnLst>
                               <p:par>
-                                <p:cTn id="132" presetID="10" presetClass="entr" presetSubtype="0" fill="hold" grpId="0" nodeType="afterEffect">
+                                <p:cTn id="123" presetID="10" presetClass="entr" presetSubtype="0" fill="hold" grpId="0" nodeType="withEffect">
                                   <p:stCondLst>
                                     <p:cond delay="0"/>
                                   </p:stCondLst>
                                   <p:childTnLst>
                                     <p:set>
                                       <p:cBhvr>
-                                        <p:cTn id="133" dur="1" fill="hold">
+                                        <p:cTn id="124" dur="1" fill="hold">
                                           <p:stCondLst>
                                             <p:cond delay="0"/>
                                           </p:stCondLst>
@@ -21637,7 +18192,7 @@
                                     </p:set>
                                     <p:animEffect transition="in" filter="fade">
                                       <p:cBhvr>
-                                        <p:cTn id="134" dur="250"/>
+                                        <p:cTn id="125" dur="250"/>
                                         <p:tgtEl>
                                           <p:spTgt spid="51"/>
                                         </p:tgtEl>
@@ -21646,24 +18201,15 @@
                                   </p:childTnLst>
                                 </p:cTn>
                               </p:par>
-                            </p:childTnLst>
-                          </p:cTn>
-                        </p:par>
-                        <p:par>
-                          <p:cTn id="135" fill="hold">
-                            <p:stCondLst>
-                              <p:cond delay="1000"/>
-                            </p:stCondLst>
-                            <p:childTnLst>
                               <p:par>
-                                <p:cTn id="136" presetID="10" presetClass="entr" presetSubtype="0" fill="hold" grpId="0" nodeType="afterEffect">
+                                <p:cTn id="126" presetID="10" presetClass="entr" presetSubtype="0" fill="hold" grpId="0" nodeType="withEffect">
                                   <p:stCondLst>
                                     <p:cond delay="0"/>
                                   </p:stCondLst>
                                   <p:childTnLst>
                                     <p:set>
                                       <p:cBhvr>
-                                        <p:cTn id="137" dur="1" fill="hold">
+                                        <p:cTn id="127" dur="1" fill="hold">
                                           <p:stCondLst>
                                             <p:cond delay="0"/>
                                           </p:stCondLst>
@@ -21681,7 +18227,7 @@
                                     </p:set>
                                     <p:animEffect transition="in" filter="fade">
                                       <p:cBhvr>
-                                        <p:cTn id="138" dur="250"/>
+                                        <p:cTn id="128" dur="250"/>
                                         <p:tgtEl>
                                           <p:spTgt spid="50"/>
                                         </p:tgtEl>
@@ -21690,24 +18236,15 @@
                                   </p:childTnLst>
                                 </p:cTn>
                               </p:par>
-                            </p:childTnLst>
-                          </p:cTn>
-                        </p:par>
-                        <p:par>
-                          <p:cTn id="139" fill="hold">
-                            <p:stCondLst>
-                              <p:cond delay="1250"/>
-                            </p:stCondLst>
-                            <p:childTnLst>
                               <p:par>
-                                <p:cTn id="140" presetID="10" presetClass="entr" presetSubtype="0" fill="hold" grpId="0" nodeType="afterEffect">
+                                <p:cTn id="129" presetID="10" presetClass="entr" presetSubtype="0" fill="hold" grpId="0" nodeType="withEffect">
                                   <p:stCondLst>
                                     <p:cond delay="0"/>
                                   </p:stCondLst>
                                   <p:childTnLst>
                                     <p:set>
                                       <p:cBhvr>
-                                        <p:cTn id="141" dur="1" fill="hold">
+                                        <p:cTn id="130" dur="1" fill="hold">
                                           <p:stCondLst>
                                             <p:cond delay="0"/>
                                           </p:stCondLst>
@@ -21725,7 +18262,7 @@
                                     </p:set>
                                     <p:animEffect transition="in" filter="fade">
                                       <p:cBhvr>
-                                        <p:cTn id="142" dur="250"/>
+                                        <p:cTn id="131" dur="250"/>
                                         <p:tgtEl>
                                           <p:spTgt spid="49"/>
                                         </p:tgtEl>
@@ -21734,24 +18271,15 @@
                                   </p:childTnLst>
                                 </p:cTn>
                               </p:par>
-                            </p:childTnLst>
-                          </p:cTn>
-                        </p:par>
-                        <p:par>
-                          <p:cTn id="143" fill="hold">
-                            <p:stCondLst>
-                              <p:cond delay="1500"/>
-                            </p:stCondLst>
-                            <p:childTnLst>
                               <p:par>
-                                <p:cTn id="144" presetID="10" presetClass="entr" presetSubtype="0" fill="hold" grpId="0" nodeType="afterEffect">
+                                <p:cTn id="132" presetID="10" presetClass="entr" presetSubtype="0" fill="hold" grpId="0" nodeType="withEffect">
                                   <p:stCondLst>
                                     <p:cond delay="0"/>
                                   </p:stCondLst>
                                   <p:childTnLst>
                                     <p:set>
                                       <p:cBhvr>
-                                        <p:cTn id="145" dur="1" fill="hold">
+                                        <p:cTn id="133" dur="1" fill="hold">
                                           <p:stCondLst>
                                             <p:cond delay="0"/>
                                           </p:stCondLst>
@@ -21769,7 +18297,7 @@
                                     </p:set>
                                     <p:animEffect transition="in" filter="fade">
                                       <p:cBhvr>
-                                        <p:cTn id="146" dur="250"/>
+                                        <p:cTn id="134" dur="250"/>
                                         <p:tgtEl>
                                           <p:spTgt spid="48"/>
                                         </p:tgtEl>
@@ -21778,24 +18306,15 @@
                                   </p:childTnLst>
                                 </p:cTn>
                               </p:par>
-                            </p:childTnLst>
-                          </p:cTn>
-                        </p:par>
-                        <p:par>
-                          <p:cTn id="147" fill="hold">
-                            <p:stCondLst>
-                              <p:cond delay="1750"/>
-                            </p:stCondLst>
-                            <p:childTnLst>
                               <p:par>
-                                <p:cTn id="148" presetID="10" presetClass="entr" presetSubtype="0" fill="hold" grpId="0" nodeType="afterEffect">
+                                <p:cTn id="135" presetID="10" presetClass="entr" presetSubtype="0" fill="hold" grpId="0" nodeType="withEffect">
                                   <p:stCondLst>
                                     <p:cond delay="0"/>
                                   </p:stCondLst>
                                   <p:childTnLst>
                                     <p:set>
                                       <p:cBhvr>
-                                        <p:cTn id="149" dur="1" fill="hold">
+                                        <p:cTn id="136" dur="1" fill="hold">
                                           <p:stCondLst>
                                             <p:cond delay="0"/>
                                           </p:stCondLst>
@@ -21813,7 +18332,7 @@
                                     </p:set>
                                     <p:animEffect transition="in" filter="fade">
                                       <p:cBhvr>
-                                        <p:cTn id="150" dur="250"/>
+                                        <p:cTn id="137" dur="250"/>
                                         <p:tgtEl>
                                           <p:spTgt spid="47"/>
                                         </p:tgtEl>
@@ -21826,20 +18345,20 @@
                           </p:cTn>
                         </p:par>
                         <p:par>
-                          <p:cTn id="151" fill="hold">
+                          <p:cTn id="138" fill="hold">
                             <p:stCondLst>
-                              <p:cond delay="2000"/>
+                              <p:cond delay="3500"/>
                             </p:stCondLst>
                             <p:childTnLst>
                               <p:par>
-                                <p:cTn id="152" presetID="10" presetClass="entr" presetSubtype="0" fill="hold" grpId="0" nodeType="afterEffect">
+                                <p:cTn id="139" presetID="10" presetClass="entr" presetSubtype="0" fill="hold" grpId="0" nodeType="afterEffect">
                                   <p:stCondLst>
                                     <p:cond delay="0"/>
                                   </p:stCondLst>
                                   <p:childTnLst>
                                     <p:set>
                                       <p:cBhvr>
-                                        <p:cTn id="153" dur="1" fill="hold">
+                                        <p:cTn id="140" dur="1" fill="hold">
                                           <p:stCondLst>
                                             <p:cond delay="0"/>
                                           </p:stCondLst>
@@ -21857,7 +18376,7 @@
                                     </p:set>
                                     <p:animEffect transition="in" filter="fade">
                                       <p:cBhvr>
-                                        <p:cTn id="154" dur="500"/>
+                                        <p:cTn id="141" dur="500"/>
                                         <p:tgtEl>
                                           <p:spTgt spid="53"/>
                                         </p:tgtEl>
@@ -21867,14 +18386,14 @@
                                 </p:cTn>
                               </p:par>
                               <p:par>
-                                <p:cTn id="155" presetID="10" presetClass="entr" presetSubtype="0" fill="hold" nodeType="withEffect">
+                                <p:cTn id="142" presetID="10" presetClass="entr" presetSubtype="0" fill="hold" nodeType="withEffect">
                                   <p:stCondLst>
                                     <p:cond delay="0"/>
                                   </p:stCondLst>
                                   <p:childTnLst>
                                     <p:set>
                                       <p:cBhvr>
-                                        <p:cTn id="156" dur="1" fill="hold">
+                                        <p:cTn id="143" dur="1" fill="hold">
                                           <p:stCondLst>
                                             <p:cond delay="0"/>
                                           </p:stCondLst>
@@ -21892,7 +18411,7 @@
                                     </p:set>
                                     <p:animEffect transition="in" filter="fade">
                                       <p:cBhvr>
-                                        <p:cTn id="157" dur="500"/>
+                                        <p:cTn id="144" dur="500"/>
                                         <p:tgtEl>
                                           <p:spTgt spid="45"/>
                                         </p:tgtEl>
@@ -21902,14 +18421,14 @@
                                 </p:cTn>
                               </p:par>
                               <p:par>
-                                <p:cTn id="158" presetID="10" presetClass="entr" presetSubtype="0" fill="hold" grpId="0" nodeType="withEffect">
+                                <p:cTn id="145" presetID="10" presetClass="entr" presetSubtype="0" fill="hold" grpId="0" nodeType="withEffect">
                                   <p:stCondLst>
                                     <p:cond delay="0"/>
                                   </p:stCondLst>
                                   <p:childTnLst>
                                     <p:set>
                                       <p:cBhvr>
-                                        <p:cTn id="159" dur="1" fill="hold">
+                                        <p:cTn id="146" dur="1" fill="hold">
                                           <p:stCondLst>
                                             <p:cond delay="0"/>
                                           </p:stCondLst>
@@ -21927,7 +18446,7 @@
                                     </p:set>
                                     <p:animEffect transition="in" filter="fade">
                                       <p:cBhvr>
-                                        <p:cTn id="160" dur="500"/>
+                                        <p:cTn id="147" dur="500"/>
                                         <p:tgtEl>
                                           <p:spTgt spid="56"/>
                                         </p:tgtEl>
@@ -21940,20 +18459,20 @@
                           </p:cTn>
                         </p:par>
                         <p:par>
-                          <p:cTn id="161" fill="hold">
+                          <p:cTn id="148" fill="hold">
                             <p:stCondLst>
-                              <p:cond delay="2500"/>
+                              <p:cond delay="4000"/>
                             </p:stCondLst>
                             <p:childTnLst>
                               <p:par>
-                                <p:cTn id="162" presetID="10" presetClass="entr" presetSubtype="0" fill="hold" grpId="0" nodeType="afterEffect">
+                                <p:cTn id="149" presetID="10" presetClass="entr" presetSubtype="0" fill="hold" grpId="0" nodeType="afterEffect">
                                   <p:stCondLst>
                                     <p:cond delay="0"/>
                                   </p:stCondLst>
                                   <p:childTnLst>
                                     <p:set>
                                       <p:cBhvr>
-                                        <p:cTn id="163" dur="1" fill="hold">
+                                        <p:cTn id="150" dur="1" fill="hold">
                                           <p:stCondLst>
                                             <p:cond delay="0"/>
                                           </p:stCondLst>
@@ -21971,7 +18490,7 @@
                                     </p:set>
                                     <p:animEffect transition="in" filter="fade">
                                       <p:cBhvr>
-                                        <p:cTn id="164" dur="500"/>
+                                        <p:cTn id="151" dur="500"/>
                                         <p:tgtEl>
                                           <p:spTgt spid="58"/>
                                         </p:tgtEl>
@@ -22694,21 +19213,7 @@
                 <a:latin typeface="Times New Roman" panose="02020603050405020304" pitchFamily="18" charset="0"/>
                 <a:cs typeface="Times New Roman" panose="02020603050405020304" pitchFamily="18" charset="0"/>
               </a:rPr>
-              <a:t>可以</a:t>
-            </a:r>
-            <a:r>
-              <a:rPr lang="zh-TW" altLang="en-US" sz="1800" dirty="0">
-                <a:latin typeface="Times New Roman" panose="02020603050405020304" pitchFamily="18" charset="0"/>
-                <a:cs typeface="Times New Roman" panose="02020603050405020304" pitchFamily="18" charset="0"/>
-              </a:rPr>
-              <a:t>解決</a:t>
-            </a:r>
-            <a:r>
-              <a:rPr lang="zh-TW" altLang="en-US" sz="1800" dirty="0" smtClean="0">
-                <a:latin typeface="Times New Roman" panose="02020603050405020304" pitchFamily="18" charset="0"/>
-                <a:cs typeface="Times New Roman" panose="02020603050405020304" pitchFamily="18" charset="0"/>
-              </a:rPr>
-              <a:t>人為執行上的疏忽</a:t>
+              <a:t>可以模擬手動測試行為</a:t>
             </a:r>
             <a:endParaRPr lang="en-US" altLang="zh-TW" sz="1800" dirty="0" smtClean="0">
               <a:latin typeface="Times New Roman" panose="02020603050405020304" pitchFamily="18" charset="0"/>
@@ -22758,7 +19263,14 @@
                 <a:latin typeface="Times New Roman" panose="02020603050405020304" pitchFamily="18" charset="0"/>
                 <a:cs typeface="Times New Roman" panose="02020603050405020304" pitchFamily="18" charset="0"/>
               </a:rPr>
-              <a:t>透過程式自動儲存</a:t>
+              <a:t>透過</a:t>
+            </a:r>
+            <a:r>
+              <a:rPr lang="zh-TW" altLang="en-US" sz="1800" dirty="0" smtClean="0">
+                <a:latin typeface="Times New Roman" panose="02020603050405020304" pitchFamily="18" charset="0"/>
+                <a:cs typeface="Times New Roman" panose="02020603050405020304" pitchFamily="18" charset="0"/>
+              </a:rPr>
+              <a:t>程式自動儲存</a:t>
             </a:r>
             <a:r>
               <a:rPr lang="en-US" altLang="zh-TW" sz="1800" dirty="0" smtClean="0">
@@ -22780,24 +19292,6 @@
             </a:endParaRPr>
           </a:p>
           <a:p>
-            <a:pPr lvl="1" eaLnBrk="1" hangingPunct="1">
-              <a:buFont typeface="Wingdings" panose="05000000000000000000" pitchFamily="2" charset="2"/>
-              <a:buChar char="Ø"/>
-              <a:defRPr/>
-            </a:pPr>
-            <a:r>
-              <a:rPr lang="zh-TW" altLang="en-US" sz="1800" dirty="0" smtClean="0">
-                <a:latin typeface="Times New Roman" panose="02020603050405020304" pitchFamily="18" charset="0"/>
-                <a:cs typeface="Times New Roman" panose="02020603050405020304" pitchFamily="18" charset="0"/>
-              </a:rPr>
-              <a:t>可以做長時間的壓力測試</a:t>
-            </a:r>
-            <a:endParaRPr lang="en-US" altLang="zh-TW" sz="1800" dirty="0" smtClean="0">
-              <a:latin typeface="Times New Roman" panose="02020603050405020304" pitchFamily="18" charset="0"/>
-              <a:cs typeface="Times New Roman" panose="02020603050405020304" pitchFamily="18" charset="0"/>
-            </a:endParaRPr>
-          </a:p>
-          <a:p>
             <a:pPr marL="342900" lvl="1" indent="-342900" eaLnBrk="1" hangingPunct="1">
               <a:buFont typeface="Arial" charset="0"/>
               <a:buChar char="•"/>
@@ -22808,16 +19302,9 @@
                 <a:latin typeface="Times New Roman" panose="02020603050405020304" pitchFamily="18" charset="0"/>
                 <a:cs typeface="Times New Roman" panose="02020603050405020304" pitchFamily="18" charset="0"/>
               </a:rPr>
-              <a:t>目前例外</a:t>
+              <a:t>問題延伸</a:t>
             </a:r>
-            <a:r>
-              <a:rPr lang="zh-TW" altLang="en-US" sz="2000" dirty="0">
-                <a:latin typeface="Times New Roman" panose="02020603050405020304" pitchFamily="18" charset="0"/>
-                <a:cs typeface="Times New Roman" panose="02020603050405020304" pitchFamily="18" charset="0"/>
-              </a:rPr>
-              <a:t>狀況</a:t>
-            </a:r>
-            <a:endParaRPr lang="en-US" altLang="zh-TW" sz="2000" dirty="0">
+            <a:endParaRPr lang="en-US" altLang="zh-TW" sz="2000" dirty="0" smtClean="0">
               <a:latin typeface="Times New Roman" panose="02020603050405020304" pitchFamily="18" charset="0"/>
               <a:cs typeface="Times New Roman" panose="02020603050405020304" pitchFamily="18" charset="0"/>
             </a:endParaRPr>
@@ -22833,49 +19320,95 @@
                 <a:latin typeface="Times New Roman" panose="02020603050405020304" pitchFamily="18" charset="0"/>
                 <a:cs typeface="Times New Roman" panose="02020603050405020304" pitchFamily="18" charset="0"/>
               </a:rPr>
-              <a:t>由於使用 </a:t>
+              <a:t>由於</a:t>
             </a:r>
             <a:r>
-              <a:rPr lang="en-US" altLang="zh-TW" sz="1800" dirty="0" smtClean="0">
+              <a:rPr lang="zh-TW" altLang="en-US" sz="1800" dirty="0">
+                <a:latin typeface="Times New Roman" panose="02020603050405020304" pitchFamily="18" charset="0"/>
+                <a:cs typeface="Times New Roman" panose="02020603050405020304" pitchFamily="18" charset="0"/>
+              </a:rPr>
+              <a:t>程式使用 </a:t>
+            </a:r>
+            <a:r>
+              <a:rPr lang="en-US" altLang="zh-TW" sz="1800" dirty="0">
                 <a:latin typeface="Times New Roman" panose="02020603050405020304" pitchFamily="18" charset="0"/>
                 <a:cs typeface="Times New Roman" panose="02020603050405020304" pitchFamily="18" charset="0"/>
               </a:rPr>
               <a:t>AP </a:t>
             </a:r>
             <a:r>
-              <a:rPr lang="zh-TW" altLang="en-US" sz="1800" dirty="0" smtClean="0">
+              <a:rPr lang="zh-TW" altLang="en-US" sz="1800" dirty="0">
                 <a:latin typeface="Times New Roman" panose="02020603050405020304" pitchFamily="18" charset="0"/>
                 <a:cs typeface="Times New Roman" panose="02020603050405020304" pitchFamily="18" charset="0"/>
               </a:rPr>
-              <a:t>重啟，所以 </a:t>
+              <a:t>重啟，造成 </a:t>
             </a:r>
             <a:r>
-              <a:rPr lang="en-US" altLang="zh-TW" sz="1800" dirty="0" smtClean="0">
+              <a:rPr lang="en-US" altLang="zh-TW" sz="1800" dirty="0">
                 <a:latin typeface="Times New Roman" panose="02020603050405020304" pitchFamily="18" charset="0"/>
                 <a:cs typeface="Times New Roman" panose="02020603050405020304" pitchFamily="18" charset="0"/>
               </a:rPr>
               <a:t>AP</a:t>
             </a:r>
             <a:r>
+              <a:rPr lang="zh-TW" altLang="en-US" sz="1800" dirty="0">
+                <a:latin typeface="Times New Roman" panose="02020603050405020304" pitchFamily="18" charset="0"/>
+                <a:cs typeface="Times New Roman" panose="02020603050405020304" pitchFamily="18" charset="0"/>
+              </a:rPr>
+              <a:t> 不穩定</a:t>
+            </a:r>
+            <a:r>
               <a:rPr lang="zh-TW" altLang="en-US" sz="1800" dirty="0" smtClean="0">
                 <a:latin typeface="Times New Roman" panose="02020603050405020304" pitchFamily="18" charset="0"/>
                 <a:cs typeface="Times New Roman" panose="02020603050405020304" pitchFamily="18" charset="0"/>
               </a:rPr>
-              <a:t> 漫遊穩定次數為十次</a:t>
+              <a:t>，目前只能執行最多十</a:t>
             </a:r>
-            <a:endParaRPr lang="en-US" altLang="zh-TW" sz="1800" dirty="0" smtClean="0">
+            <a:r>
+              <a:rPr lang="zh-TW" altLang="en-US" sz="1800" dirty="0">
+                <a:latin typeface="Times New Roman" panose="02020603050405020304" pitchFamily="18" charset="0"/>
+                <a:cs typeface="Times New Roman" panose="02020603050405020304" pitchFamily="18" charset="0"/>
+              </a:rPr>
+              <a:t>次</a:t>
+            </a:r>
+            <a:endParaRPr lang="en-US" altLang="zh-TW" sz="1800" dirty="0">
               <a:latin typeface="Times New Roman" panose="02020603050405020304" pitchFamily="18" charset="0"/>
               <a:cs typeface="Times New Roman" panose="02020603050405020304" pitchFamily="18" charset="0"/>
             </a:endParaRPr>
           </a:p>
           <a:p>
-            <a:pPr lvl="1" eaLnBrk="1" hangingPunct="1">
+            <a:pPr marL="342900" lvl="1" indent="-342900" eaLnBrk="1" hangingPunct="1">
+              <a:buFont typeface="Arial" charset="0"/>
+              <a:buChar char="•"/>
+              <a:defRPr/>
+            </a:pPr>
+            <a:r>
+              <a:rPr lang="zh-TW" altLang="en-US" sz="2000" dirty="0">
+                <a:latin typeface="Times New Roman" panose="02020603050405020304" pitchFamily="18" charset="0"/>
+                <a:cs typeface="Times New Roman" panose="02020603050405020304" pitchFamily="18" charset="0"/>
+              </a:rPr>
+              <a:t>解決</a:t>
+            </a:r>
+            <a:r>
+              <a:rPr lang="zh-TW" altLang="en-US" sz="2000" dirty="0">
+                <a:latin typeface="Times New Roman" panose="02020603050405020304" pitchFamily="18" charset="0"/>
+                <a:cs typeface="Times New Roman" panose="02020603050405020304" pitchFamily="18" charset="0"/>
+              </a:rPr>
+              <a:t>方案</a:t>
+            </a:r>
+            <a:endParaRPr lang="en-US" altLang="zh-TW" sz="2000" dirty="0">
+              <a:latin typeface="Times New Roman" panose="02020603050405020304" pitchFamily="18" charset="0"/>
+              <a:cs typeface="Times New Roman" panose="02020603050405020304" pitchFamily="18" charset="0"/>
+            </a:endParaRPr>
+          </a:p>
+          <a:p>
+            <a:pPr marL="742950" lvl="2" indent="-342900" eaLnBrk="1" hangingPunct="1">
               <a:buFont typeface="Wingdings" panose="05000000000000000000" pitchFamily="2" charset="2"/>
               <a:buChar char="Ø"/>
               <a:defRPr/>
             </a:pPr>
             <a:r>
-              <a:rPr lang="zh-TW" altLang="en-US" sz="1800" dirty="0" smtClean="0">
+              <a:rPr lang="zh-TW" altLang="en-US" sz="1800" dirty="0">
                 <a:latin typeface="Times New Roman" panose="02020603050405020304" pitchFamily="18" charset="0"/>
                 <a:cs typeface="Times New Roman" panose="02020603050405020304" pitchFamily="18" charset="0"/>
               </a:rPr>
@@ -22889,27 +19422,41 @@
               <a:t>數位</a:t>
             </a:r>
             <a:r>
-              <a:rPr lang="zh-TW" altLang="en-US" sz="1800" dirty="0" smtClean="0">
+              <a:rPr lang="zh-TW" altLang="en-US" sz="1800" dirty="0">
                 <a:latin typeface="Times New Roman" panose="02020603050405020304" pitchFamily="18" charset="0"/>
                 <a:cs typeface="Times New Roman" panose="02020603050405020304" pitchFamily="18" charset="0"/>
               </a:rPr>
               <a:t>衰減器嘗試解決 </a:t>
             </a:r>
             <a:r>
-              <a:rPr lang="en-US" altLang="zh-TW" sz="1800" dirty="0" smtClean="0">
+              <a:rPr lang="en-US" altLang="zh-TW" sz="1800" dirty="0">
                 <a:latin typeface="Times New Roman" panose="02020603050405020304" pitchFamily="18" charset="0"/>
                 <a:cs typeface="Times New Roman" panose="02020603050405020304" pitchFamily="18" charset="0"/>
               </a:rPr>
               <a:t>AP</a:t>
             </a:r>
             <a:r>
+              <a:rPr lang="zh-TW" altLang="en-US" sz="1800" dirty="0">
+                <a:latin typeface="Times New Roman" panose="02020603050405020304" pitchFamily="18" charset="0"/>
+                <a:cs typeface="Times New Roman" panose="02020603050405020304" pitchFamily="18" charset="0"/>
+              </a:rPr>
+              <a:t> 自動重</a:t>
+            </a:r>
+            <a:r>
               <a:rPr lang="zh-TW" altLang="en-US" sz="1800" dirty="0" smtClean="0">
                 <a:latin typeface="Times New Roman" panose="02020603050405020304" pitchFamily="18" charset="0"/>
                 <a:cs typeface="Times New Roman" panose="02020603050405020304" pitchFamily="18" charset="0"/>
               </a:rPr>
-              <a:t> 自動重啟壽命</a:t>
+              <a:t>啟</a:t>
             </a:r>
-            <a:endParaRPr lang="en-US" altLang="zh-TW" sz="2000" dirty="0" smtClean="0">
+            <a:r>
+              <a:rPr lang="zh-TW" altLang="en-US" sz="1800" dirty="0">
+                <a:latin typeface="Times New Roman" panose="02020603050405020304" pitchFamily="18" charset="0"/>
+                <a:cs typeface="Times New Roman" panose="02020603050405020304" pitchFamily="18" charset="0"/>
+              </a:rPr>
+              <a:t>問題</a:t>
+            </a:r>
+            <a:endParaRPr lang="en-US" altLang="zh-TW" sz="1800" dirty="0">
               <a:latin typeface="Times New Roman" panose="02020603050405020304" pitchFamily="18" charset="0"/>
               <a:cs typeface="Times New Roman" panose="02020603050405020304" pitchFamily="18" charset="0"/>
             </a:endParaRPr>
@@ -25051,7 +21598,7 @@
                               <p:par>
                                 <p:cTn id="44" presetID="10" presetClass="entr" presetSubtype="0" fill="hold" grpId="0" nodeType="withEffect">
                                   <p:stCondLst>
-                                    <p:cond delay="2000"/>
+                                    <p:cond delay="0"/>
                                   </p:stCondLst>
                                   <p:childTnLst>
                                     <p:set>
@@ -25089,7 +21636,7 @@
                         <p:par>
                           <p:cTn id="47" fill="hold">
                             <p:stCondLst>
-                              <p:cond delay="2500"/>
+                              <p:cond delay="500"/>
                             </p:stCondLst>
                             <p:childTnLst>
                               <p:par>
@@ -25130,7 +21677,7 @@
                               <p:par>
                                 <p:cTn id="51" presetID="10" presetClass="entr" presetSubtype="0" fill="hold" grpId="0" nodeType="withEffect">
                                   <p:stCondLst>
-                                    <p:cond delay="2000"/>
+                                    <p:cond delay="0"/>
                                   </p:stCondLst>
                                   <p:childTnLst>
                                     <p:set>
@@ -25168,13 +21715,13 @@
                         <p:par>
                           <p:cTn id="54" fill="hold">
                             <p:stCondLst>
-                              <p:cond delay="5000"/>
+                              <p:cond delay="1000"/>
                             </p:stCondLst>
                             <p:childTnLst>
                               <p:par>
                                 <p:cTn id="55" presetID="10" presetClass="entr" presetSubtype="0" fill="hold" grpId="0" nodeType="afterEffect">
                                   <p:stCondLst>
-                                    <p:cond delay="2000"/>
+                                    <p:cond delay="0"/>
                                   </p:stCondLst>
                                   <p:childTnLst>
                                     <p:set>
@@ -25247,7 +21794,7 @@
                         <p:par>
                           <p:cTn id="61" fill="hold">
                             <p:stCondLst>
-                              <p:cond delay="7500"/>
+                              <p:cond delay="1500"/>
                             </p:stCondLst>
                             <p:childTnLst>
                               <p:par>
@@ -25288,7 +21835,7 @@
                               <p:par>
                                 <p:cTn id="65" presetID="10" presetClass="entr" presetSubtype="0" fill="hold" grpId="0" nodeType="withEffect">
                                   <p:stCondLst>
-                                    <p:cond delay="2000"/>
+                                    <p:cond delay="0"/>
                                   </p:stCondLst>
                                   <p:childTnLst>
                                     <p:set>
@@ -25326,7 +21873,7 @@
                         <p:par>
                           <p:cTn id="68" fill="hold">
                             <p:stCondLst>
-                              <p:cond delay="10000"/>
+                              <p:cond delay="2000"/>
                             </p:stCondLst>
                             <p:childTnLst>
                               <p:par>
@@ -25367,7 +21914,7 @@
                               <p:par>
                                 <p:cTn id="72" presetID="10" presetClass="entr" presetSubtype="0" fill="hold" grpId="0" nodeType="withEffect">
                                   <p:stCondLst>
-                                    <p:cond delay="2000"/>
+                                    <p:cond delay="0"/>
                                   </p:stCondLst>
                                   <p:childTnLst>
                                     <p:set>
@@ -25405,7 +21952,7 @@
                         <p:par>
                           <p:cTn id="75" fill="hold">
                             <p:stCondLst>
-                              <p:cond delay="12500"/>
+                              <p:cond delay="2500"/>
                             </p:stCondLst>
                             <p:childTnLst>
                               <p:par>
@@ -25446,7 +21993,7 @@
                               <p:par>
                                 <p:cTn id="79" presetID="10" presetClass="entr" presetSubtype="0" fill="hold" grpId="0" nodeType="withEffect">
                                   <p:stCondLst>
-                                    <p:cond delay="2000"/>
+                                    <p:cond delay="0"/>
                                   </p:stCondLst>
                                   <p:childTnLst>
                                     <p:set>
@@ -25484,7 +22031,7 @@
                         <p:par>
                           <p:cTn id="82" fill="hold">
                             <p:stCondLst>
-                              <p:cond delay="15000"/>
+                              <p:cond delay="3000"/>
                             </p:stCondLst>
                             <p:childTnLst>
                               <p:par>
@@ -25525,7 +22072,7 @@
                               <p:par>
                                 <p:cTn id="86" presetID="10" presetClass="entr" presetSubtype="0" fill="hold" grpId="0" nodeType="withEffect">
                                   <p:stCondLst>
-                                    <p:cond delay="2000"/>
+                                    <p:cond delay="0"/>
                                   </p:stCondLst>
                                   <p:childTnLst>
                                     <p:set>
